--- a/Doku/Initiale Präsentation/lecture-connect-initial-fin.pptx
+++ b/Doku/Initiale Präsentation/lecture-connect-initial-fin.pptx
@@ -4,31 +4,30 @@
   <p:sldMasterIdLst>
     <p:sldMasterId id="2147483648" r:id="rId1"/>
     <p:sldMasterId id="2147483661" r:id="rId2"/>
-    <p:sldMasterId id="2147483674" r:id="rId3"/>
   </p:sldMasterIdLst>
   <p:notesMasterIdLst>
-    <p:notesMasterId r:id="rId23"/>
+    <p:notesMasterId r:id="rId22"/>
   </p:notesMasterIdLst>
   <p:sldIdLst>
-    <p:sldId id="256" r:id="rId4"/>
-    <p:sldId id="257" r:id="rId5"/>
-    <p:sldId id="258" r:id="rId6"/>
-    <p:sldId id="259" r:id="rId7"/>
-    <p:sldId id="261" r:id="rId8"/>
-    <p:sldId id="270" r:id="rId9"/>
-    <p:sldId id="271" r:id="rId10"/>
-    <p:sldId id="262" r:id="rId11"/>
-    <p:sldId id="263" r:id="rId12"/>
-    <p:sldId id="272" r:id="rId13"/>
-    <p:sldId id="273" r:id="rId14"/>
-    <p:sldId id="274" r:id="rId15"/>
-    <p:sldId id="264" r:id="rId16"/>
-    <p:sldId id="275" r:id="rId17"/>
-    <p:sldId id="265" r:id="rId18"/>
-    <p:sldId id="266" r:id="rId19"/>
-    <p:sldId id="267" r:id="rId20"/>
-    <p:sldId id="268" r:id="rId21"/>
-    <p:sldId id="269" r:id="rId22"/>
+    <p:sldId id="256" r:id="rId3"/>
+    <p:sldId id="257" r:id="rId4"/>
+    <p:sldId id="258" r:id="rId5"/>
+    <p:sldId id="259" r:id="rId6"/>
+    <p:sldId id="261" r:id="rId7"/>
+    <p:sldId id="270" r:id="rId8"/>
+    <p:sldId id="271" r:id="rId9"/>
+    <p:sldId id="262" r:id="rId10"/>
+    <p:sldId id="263" r:id="rId11"/>
+    <p:sldId id="272" r:id="rId12"/>
+    <p:sldId id="273" r:id="rId13"/>
+    <p:sldId id="274" r:id="rId14"/>
+    <p:sldId id="264" r:id="rId15"/>
+    <p:sldId id="275" r:id="rId16"/>
+    <p:sldId id="265" r:id="rId17"/>
+    <p:sldId id="266" r:id="rId18"/>
+    <p:sldId id="267" r:id="rId19"/>
+    <p:sldId id="268" r:id="rId20"/>
+    <p:sldId id="276" r:id="rId21"/>
   </p:sldIdLst>
   <p:sldSz cx="12192000" cy="6858000"/>
   <p:notesSz cx="6858000" cy="9144000"/>
@@ -127,6 +126,11 @@
       </a:defRPr>
     </a:lvl9pPr>
   </p:defaultTextStyle>
+  <p:extLst>
+    <p:ext uri="{EFAFB233-063F-42B5-8137-9DF3F51BA10A}">
+      <p15:sldGuideLst xmlns:p15="http://schemas.microsoft.com/office/powerpoint/2012/main"/>
+    </p:ext>
+  </p:extLst>
 </p:presentation>
 </file>
 
@@ -650,6 +654,151 @@
 </p:notes>
 </file>
 
+<file path=ppt/notesSlides/notesSlide2.xml><?xml version="1.0" encoding="utf-8"?>
+<p:notes xmlns:a="http://schemas.openxmlformats.org/drawingml/2006/main" xmlns:r="http://schemas.openxmlformats.org/officeDocument/2006/relationships" xmlns:p="http://schemas.openxmlformats.org/presentationml/2006/main">
+  <p:cSld>
+    <p:spTree>
+      <p:nvGrpSpPr>
+        <p:cNvPr id="1" name=""/>
+        <p:cNvGrpSpPr/>
+        <p:nvPr/>
+      </p:nvGrpSpPr>
+      <p:grpSpPr>
+        <a:xfrm>
+          <a:off x="0" y="0"/>
+          <a:ext cx="0" cy="0"/>
+          <a:chOff x="0" y="0"/>
+          <a:chExt cx="0" cy="0"/>
+        </a:xfrm>
+      </p:grpSpPr>
+      <p:sp>
+        <p:nvSpPr>
+          <p:cNvPr id="511" name="PlaceHolder 1"/>
+          <p:cNvSpPr>
+            <a:spLocks noGrp="1" noRot="1" noChangeAspect="1"/>
+          </p:cNvSpPr>
+          <p:nvPr>
+            <p:ph type="sldImg"/>
+          </p:nvPr>
+        </p:nvSpPr>
+        <p:spPr>
+          <a:xfrm>
+            <a:off x="685800" y="1143000"/>
+            <a:ext cx="5486400" cy="3086100"/>
+          </a:xfrm>
+          <a:prstGeom prst="rect">
+            <a:avLst/>
+          </a:prstGeom>
+          <a:ln w="0">
+            <a:noFill/>
+          </a:ln>
+        </p:spPr>
+      </p:sp>
+      <p:sp>
+        <p:nvSpPr>
+          <p:cNvPr id="512" name="PlaceHolder 2"/>
+          <p:cNvSpPr>
+            <a:spLocks noGrp="1"/>
+          </p:cNvSpPr>
+          <p:nvPr>
+            <p:ph type="body"/>
+          </p:nvPr>
+        </p:nvSpPr>
+        <p:spPr>
+          <a:xfrm>
+            <a:off x="685800" y="4400640"/>
+            <a:ext cx="5486040" cy="3600000"/>
+          </a:xfrm>
+          <a:prstGeom prst="rect">
+            <a:avLst/>
+          </a:prstGeom>
+          <a:noFill/>
+          <a:ln w="0">
+            <a:noFill/>
+          </a:ln>
+        </p:spPr>
+        <p:txBody>
+          <a:bodyPr anchor="t">
+            <a:noAutofit/>
+          </a:bodyPr>
+          <a:lstStyle/>
+          <a:p>
+            <a:endParaRPr lang="en-US" sz="2000" b="0" strike="noStrike" spc="-1">
+              <a:latin typeface="Arial"/>
+            </a:endParaRPr>
+          </a:p>
+        </p:txBody>
+      </p:sp>
+      <p:sp>
+        <p:nvSpPr>
+          <p:cNvPr id="513" name="PlaceHolder 3"/>
+          <p:cNvSpPr>
+            <a:spLocks noGrp="1"/>
+          </p:cNvSpPr>
+          <p:nvPr>
+            <p:ph type="sldNum" idx="43"/>
+          </p:nvPr>
+        </p:nvSpPr>
+        <p:spPr>
+          <a:xfrm>
+            <a:off x="3884760" y="8685360"/>
+            <a:ext cx="2971440" cy="458280"/>
+          </a:xfrm>
+          <a:prstGeom prst="rect">
+            <a:avLst/>
+          </a:prstGeom>
+          <a:noFill/>
+          <a:ln w="0">
+            <a:noFill/>
+          </a:ln>
+        </p:spPr>
+        <p:txBody>
+          <a:bodyPr anchor="b">
+            <a:noAutofit/>
+          </a:bodyPr>
+          <a:lstStyle>
+            <a:lvl1pPr algn="r">
+              <a:lnSpc>
+                <a:spcPct val="100000"/>
+              </a:lnSpc>
+              <a:buNone/>
+              <a:defRPr lang="de-DE" sz="1200" b="0" strike="noStrike" spc="-1">
+                <a:latin typeface="Times New Roman"/>
+              </a:defRPr>
+            </a:lvl1pPr>
+          </a:lstStyle>
+          <a:p>
+            <a:pPr algn="r">
+              <a:lnSpc>
+                <a:spcPct val="100000"/>
+              </a:lnSpc>
+              <a:buNone/>
+            </a:pPr>
+            <a:fld id="{F897D5FD-5AD6-4712-ADB4-319BF3B80DF7}" type="slidenum">
+              <a:rPr lang="de-DE" sz="1200" b="0" strike="noStrike" spc="-1">
+                <a:latin typeface="Times New Roman"/>
+              </a:rPr>
+              <a:t>19</a:t>
+            </a:fld>
+            <a:endParaRPr lang="en-US" sz="1200" b="0" strike="noStrike" spc="-1">
+              <a:latin typeface="Times New Roman"/>
+            </a:endParaRPr>
+          </a:p>
+        </p:txBody>
+      </p:sp>
+    </p:spTree>
+    <p:extLst>
+      <p:ext uri="{BB962C8B-B14F-4D97-AF65-F5344CB8AC3E}">
+        <p14:creationId xmlns:p14="http://schemas.microsoft.com/office/powerpoint/2010/main" val="1381889973"/>
+      </p:ext>
+    </p:extLst>
+  </p:cSld>
+  <p:clrMapOvr>
+    <a:masterClrMapping/>
+  </p:clrMapOvr>
+</p:notes>
+</file>
+
 <file path=ppt/slideLayouts/slideLayout1.xml><?xml version="1.0" encoding="utf-8"?>
 <p:sldLayout xmlns:a="http://schemas.openxmlformats.org/drawingml/2006/main" xmlns:r="http://schemas.openxmlformats.org/officeDocument/2006/relationships" xmlns:p="http://schemas.openxmlformats.org/presentationml/2006/main" type="blank" preserve="1">
   <p:cSld name="Blank Slide">
@@ -4157,462 +4306,6 @@
 </p:sldLayout>
 </file>
 
-<file path=ppt/slideLayouts/slideLayout25.xml><?xml version="1.0" encoding="utf-8"?>
-<p:sldLayout xmlns:a="http://schemas.openxmlformats.org/drawingml/2006/main" xmlns:r="http://schemas.openxmlformats.org/officeDocument/2006/relationships" xmlns:p="http://schemas.openxmlformats.org/presentationml/2006/main" type="blank" preserve="1">
-  <p:cSld name="Blank Slide">
-    <p:spTree>
-      <p:nvGrpSpPr>
-        <p:cNvPr id="1" name=""/>
-        <p:cNvGrpSpPr/>
-        <p:nvPr/>
-      </p:nvGrpSpPr>
-      <p:grpSpPr>
-        <a:xfrm>
-          <a:off x="0" y="0"/>
-          <a:ext cx="0" cy="0"/>
-          <a:chOff x="0" y="0"/>
-          <a:chExt cx="0" cy="0"/>
-        </a:xfrm>
-      </p:grpSpPr>
-    </p:spTree>
-  </p:cSld>
-  <p:clrMapOvr>
-    <a:masterClrMapping/>
-  </p:clrMapOvr>
-</p:sldLayout>
-</file>
-
-<file path=ppt/slideLayouts/slideLayout26.xml><?xml version="1.0" encoding="utf-8"?>
-<p:sldLayout xmlns:a="http://schemas.openxmlformats.org/drawingml/2006/main" xmlns:r="http://schemas.openxmlformats.org/officeDocument/2006/relationships" xmlns:p="http://schemas.openxmlformats.org/presentationml/2006/main" type="tx" preserve="1">
-  <p:cSld name="Title Slide">
-    <p:spTree>
-      <p:nvGrpSpPr>
-        <p:cNvPr id="1" name=""/>
-        <p:cNvGrpSpPr/>
-        <p:nvPr/>
-      </p:nvGrpSpPr>
-      <p:grpSpPr>
-        <a:xfrm>
-          <a:off x="0" y="0"/>
-          <a:ext cx="0" cy="0"/>
-          <a:chOff x="0" y="0"/>
-          <a:chExt cx="0" cy="0"/>
-        </a:xfrm>
-      </p:grpSpPr>
-      <p:sp>
-        <p:nvSpPr>
-          <p:cNvPr id="86" name="PlaceHolder 1"/>
-          <p:cNvSpPr>
-            <a:spLocks noGrp="1"/>
-          </p:cNvSpPr>
-          <p:nvPr>
-            <p:ph type="title"/>
-          </p:nvPr>
-        </p:nvSpPr>
-        <p:spPr>
-          <a:xfrm>
-            <a:off x="609480" y="273600"/>
-            <a:ext cx="10972440" cy="1144800"/>
-          </a:xfrm>
-          <a:prstGeom prst="rect">
-            <a:avLst/>
-          </a:prstGeom>
-          <a:noFill/>
-          <a:ln w="0">
-            <a:noFill/>
-          </a:ln>
-        </p:spPr>
-        <p:txBody>
-          <a:bodyPr lIns="0" tIns="0" rIns="0" bIns="0" anchor="ctr">
-            <a:noAutofit/>
-          </a:bodyPr>
-          <a:lstStyle/>
-          <a:p>
-            <a:endParaRPr lang="en-US" sz="1800" b="0" strike="noStrike" spc="-1">
-              <a:solidFill>
-                <a:srgbClr val="000000"/>
-              </a:solidFill>
-              <a:latin typeface="Calibri"/>
-            </a:endParaRPr>
-          </a:p>
-        </p:txBody>
-      </p:sp>
-      <p:sp>
-        <p:nvSpPr>
-          <p:cNvPr id="87" name="PlaceHolder 2"/>
-          <p:cNvSpPr>
-            <a:spLocks noGrp="1"/>
-          </p:cNvSpPr>
-          <p:nvPr>
-            <p:ph type="subTitle"/>
-          </p:nvPr>
-        </p:nvSpPr>
-        <p:spPr>
-          <a:xfrm>
-            <a:off x="609480" y="1604520"/>
-            <a:ext cx="10972440" cy="3977280"/>
-          </a:xfrm>
-          <a:prstGeom prst="rect">
-            <a:avLst/>
-          </a:prstGeom>
-          <a:noFill/>
-          <a:ln w="0">
-            <a:noFill/>
-          </a:ln>
-        </p:spPr>
-        <p:txBody>
-          <a:bodyPr lIns="0" tIns="0" rIns="0" bIns="0" anchor="ctr">
-            <a:noAutofit/>
-          </a:bodyPr>
-          <a:lstStyle/>
-          <a:p>
-            <a:pPr algn="ctr">
-              <a:buNone/>
-            </a:pPr>
-            <a:endParaRPr lang="en-US" sz="3200" b="0" strike="noStrike" spc="-1">
-              <a:latin typeface="Arial"/>
-            </a:endParaRPr>
-          </a:p>
-        </p:txBody>
-      </p:sp>
-    </p:spTree>
-  </p:cSld>
-  <p:clrMapOvr>
-    <a:masterClrMapping/>
-  </p:clrMapOvr>
-</p:sldLayout>
-</file>
-
-<file path=ppt/slideLayouts/slideLayout27.xml><?xml version="1.0" encoding="utf-8"?>
-<p:sldLayout xmlns:a="http://schemas.openxmlformats.org/drawingml/2006/main" xmlns:r="http://schemas.openxmlformats.org/officeDocument/2006/relationships" xmlns:p="http://schemas.openxmlformats.org/presentationml/2006/main" type="obj" preserve="1">
-  <p:cSld name="Title, Content">
-    <p:spTree>
-      <p:nvGrpSpPr>
-        <p:cNvPr id="1" name=""/>
-        <p:cNvGrpSpPr/>
-        <p:nvPr/>
-      </p:nvGrpSpPr>
-      <p:grpSpPr>
-        <a:xfrm>
-          <a:off x="0" y="0"/>
-          <a:ext cx="0" cy="0"/>
-          <a:chOff x="0" y="0"/>
-          <a:chExt cx="0" cy="0"/>
-        </a:xfrm>
-      </p:grpSpPr>
-      <p:sp>
-        <p:nvSpPr>
-          <p:cNvPr id="88" name="PlaceHolder 1"/>
-          <p:cNvSpPr>
-            <a:spLocks noGrp="1"/>
-          </p:cNvSpPr>
-          <p:nvPr>
-            <p:ph type="title"/>
-          </p:nvPr>
-        </p:nvSpPr>
-        <p:spPr>
-          <a:xfrm>
-            <a:off x="609480" y="273600"/>
-            <a:ext cx="10972440" cy="1144800"/>
-          </a:xfrm>
-          <a:prstGeom prst="rect">
-            <a:avLst/>
-          </a:prstGeom>
-          <a:noFill/>
-          <a:ln w="0">
-            <a:noFill/>
-          </a:ln>
-        </p:spPr>
-        <p:txBody>
-          <a:bodyPr lIns="0" tIns="0" rIns="0" bIns="0" anchor="ctr">
-            <a:noAutofit/>
-          </a:bodyPr>
-          <a:lstStyle/>
-          <a:p>
-            <a:endParaRPr lang="en-US" sz="1800" b="0" strike="noStrike" spc="-1">
-              <a:solidFill>
-                <a:srgbClr val="000000"/>
-              </a:solidFill>
-              <a:latin typeface="Calibri"/>
-            </a:endParaRPr>
-          </a:p>
-        </p:txBody>
-      </p:sp>
-      <p:sp>
-        <p:nvSpPr>
-          <p:cNvPr id="89" name="PlaceHolder 2"/>
-          <p:cNvSpPr>
-            <a:spLocks noGrp="1"/>
-          </p:cNvSpPr>
-          <p:nvPr>
-            <p:ph/>
-          </p:nvPr>
-        </p:nvSpPr>
-        <p:spPr>
-          <a:xfrm>
-            <a:off x="609480" y="1604520"/>
-            <a:ext cx="10972440" cy="3977280"/>
-          </a:xfrm>
-          <a:prstGeom prst="rect">
-            <a:avLst/>
-          </a:prstGeom>
-          <a:noFill/>
-          <a:ln w="0">
-            <a:noFill/>
-          </a:ln>
-        </p:spPr>
-        <p:txBody>
-          <a:bodyPr lIns="0" tIns="0" rIns="0" bIns="0" anchor="t">
-            <a:normAutofit/>
-          </a:bodyPr>
-          <a:lstStyle/>
-          <a:p>
-            <a:pPr>
-              <a:lnSpc>
-                <a:spcPct val="90000"/>
-              </a:lnSpc>
-              <a:spcBef>
-                <a:spcPts val="1417"/>
-              </a:spcBef>
-              <a:buNone/>
-            </a:pPr>
-            <a:endParaRPr lang="en-US" sz="2800" b="0" strike="noStrike" spc="-1">
-              <a:solidFill>
-                <a:srgbClr val="000000"/>
-              </a:solidFill>
-              <a:latin typeface="Calibri"/>
-            </a:endParaRPr>
-          </a:p>
-        </p:txBody>
-      </p:sp>
-    </p:spTree>
-  </p:cSld>
-  <p:clrMapOvr>
-    <a:masterClrMapping/>
-  </p:clrMapOvr>
-</p:sldLayout>
-</file>
-
-<file path=ppt/slideLayouts/slideLayout28.xml><?xml version="1.0" encoding="utf-8"?>
-<p:sldLayout xmlns:a="http://schemas.openxmlformats.org/drawingml/2006/main" xmlns:r="http://schemas.openxmlformats.org/officeDocument/2006/relationships" xmlns:p="http://schemas.openxmlformats.org/presentationml/2006/main" type="twoObj" preserve="1">
-  <p:cSld name="Title, 2 Content">
-    <p:spTree>
-      <p:nvGrpSpPr>
-        <p:cNvPr id="1" name=""/>
-        <p:cNvGrpSpPr/>
-        <p:nvPr/>
-      </p:nvGrpSpPr>
-      <p:grpSpPr>
-        <a:xfrm>
-          <a:off x="0" y="0"/>
-          <a:ext cx="0" cy="0"/>
-          <a:chOff x="0" y="0"/>
-          <a:chExt cx="0" cy="0"/>
-        </a:xfrm>
-      </p:grpSpPr>
-      <p:sp>
-        <p:nvSpPr>
-          <p:cNvPr id="90" name="PlaceHolder 1"/>
-          <p:cNvSpPr>
-            <a:spLocks noGrp="1"/>
-          </p:cNvSpPr>
-          <p:nvPr>
-            <p:ph type="title"/>
-          </p:nvPr>
-        </p:nvSpPr>
-        <p:spPr>
-          <a:xfrm>
-            <a:off x="609480" y="273600"/>
-            <a:ext cx="10972440" cy="1144800"/>
-          </a:xfrm>
-          <a:prstGeom prst="rect">
-            <a:avLst/>
-          </a:prstGeom>
-          <a:noFill/>
-          <a:ln w="0">
-            <a:noFill/>
-          </a:ln>
-        </p:spPr>
-        <p:txBody>
-          <a:bodyPr lIns="0" tIns="0" rIns="0" bIns="0" anchor="ctr">
-            <a:noAutofit/>
-          </a:bodyPr>
-          <a:lstStyle/>
-          <a:p>
-            <a:endParaRPr lang="en-US" sz="1800" b="0" strike="noStrike" spc="-1">
-              <a:solidFill>
-                <a:srgbClr val="000000"/>
-              </a:solidFill>
-              <a:latin typeface="Calibri"/>
-            </a:endParaRPr>
-          </a:p>
-        </p:txBody>
-      </p:sp>
-      <p:sp>
-        <p:nvSpPr>
-          <p:cNvPr id="91" name="PlaceHolder 2"/>
-          <p:cNvSpPr>
-            <a:spLocks noGrp="1"/>
-          </p:cNvSpPr>
-          <p:nvPr>
-            <p:ph/>
-          </p:nvPr>
-        </p:nvSpPr>
-        <p:spPr>
-          <a:xfrm>
-            <a:off x="609480" y="1604520"/>
-            <a:ext cx="5354280" cy="3977280"/>
-          </a:xfrm>
-          <a:prstGeom prst="rect">
-            <a:avLst/>
-          </a:prstGeom>
-          <a:noFill/>
-          <a:ln w="0">
-            <a:noFill/>
-          </a:ln>
-        </p:spPr>
-        <p:txBody>
-          <a:bodyPr lIns="0" tIns="0" rIns="0" bIns="0" anchor="t">
-            <a:normAutofit/>
-          </a:bodyPr>
-          <a:lstStyle/>
-          <a:p>
-            <a:pPr>
-              <a:lnSpc>
-                <a:spcPct val="90000"/>
-              </a:lnSpc>
-              <a:spcBef>
-                <a:spcPts val="1417"/>
-              </a:spcBef>
-              <a:buNone/>
-            </a:pPr>
-            <a:endParaRPr lang="en-US" sz="2800" b="0" strike="noStrike" spc="-1">
-              <a:solidFill>
-                <a:srgbClr val="000000"/>
-              </a:solidFill>
-              <a:latin typeface="Calibri"/>
-            </a:endParaRPr>
-          </a:p>
-        </p:txBody>
-      </p:sp>
-      <p:sp>
-        <p:nvSpPr>
-          <p:cNvPr id="92" name="PlaceHolder 3"/>
-          <p:cNvSpPr>
-            <a:spLocks noGrp="1"/>
-          </p:cNvSpPr>
-          <p:nvPr>
-            <p:ph/>
-          </p:nvPr>
-        </p:nvSpPr>
-        <p:spPr>
-          <a:xfrm>
-            <a:off x="6231960" y="1604520"/>
-            <a:ext cx="5354280" cy="3977280"/>
-          </a:xfrm>
-          <a:prstGeom prst="rect">
-            <a:avLst/>
-          </a:prstGeom>
-          <a:noFill/>
-          <a:ln w="0">
-            <a:noFill/>
-          </a:ln>
-        </p:spPr>
-        <p:txBody>
-          <a:bodyPr lIns="0" tIns="0" rIns="0" bIns="0" anchor="t">
-            <a:normAutofit/>
-          </a:bodyPr>
-          <a:lstStyle/>
-          <a:p>
-            <a:pPr>
-              <a:lnSpc>
-                <a:spcPct val="90000"/>
-              </a:lnSpc>
-              <a:spcBef>
-                <a:spcPts val="1417"/>
-              </a:spcBef>
-              <a:buNone/>
-            </a:pPr>
-            <a:endParaRPr lang="en-US" sz="2800" b="0" strike="noStrike" spc="-1">
-              <a:solidFill>
-                <a:srgbClr val="000000"/>
-              </a:solidFill>
-              <a:latin typeface="Calibri"/>
-            </a:endParaRPr>
-          </a:p>
-        </p:txBody>
-      </p:sp>
-    </p:spTree>
-  </p:cSld>
-  <p:clrMapOvr>
-    <a:masterClrMapping/>
-  </p:clrMapOvr>
-</p:sldLayout>
-</file>
-
-<file path=ppt/slideLayouts/slideLayout29.xml><?xml version="1.0" encoding="utf-8"?>
-<p:sldLayout xmlns:a="http://schemas.openxmlformats.org/drawingml/2006/main" xmlns:r="http://schemas.openxmlformats.org/officeDocument/2006/relationships" xmlns:p="http://schemas.openxmlformats.org/presentationml/2006/main" type="titleOnly" preserve="1">
-  <p:cSld name="Title Only">
-    <p:spTree>
-      <p:nvGrpSpPr>
-        <p:cNvPr id="1" name=""/>
-        <p:cNvGrpSpPr/>
-        <p:nvPr/>
-      </p:nvGrpSpPr>
-      <p:grpSpPr>
-        <a:xfrm>
-          <a:off x="0" y="0"/>
-          <a:ext cx="0" cy="0"/>
-          <a:chOff x="0" y="0"/>
-          <a:chExt cx="0" cy="0"/>
-        </a:xfrm>
-      </p:grpSpPr>
-      <p:sp>
-        <p:nvSpPr>
-          <p:cNvPr id="93" name="PlaceHolder 1"/>
-          <p:cNvSpPr>
-            <a:spLocks noGrp="1"/>
-          </p:cNvSpPr>
-          <p:nvPr>
-            <p:ph type="title"/>
-          </p:nvPr>
-        </p:nvSpPr>
-        <p:spPr>
-          <a:xfrm>
-            <a:off x="609480" y="273600"/>
-            <a:ext cx="10972440" cy="1144800"/>
-          </a:xfrm>
-          <a:prstGeom prst="rect">
-            <a:avLst/>
-          </a:prstGeom>
-          <a:noFill/>
-          <a:ln w="0">
-            <a:noFill/>
-          </a:ln>
-        </p:spPr>
-        <p:txBody>
-          <a:bodyPr lIns="0" tIns="0" rIns="0" bIns="0" anchor="ctr">
-            <a:noAutofit/>
-          </a:bodyPr>
-          <a:lstStyle/>
-          <a:p>
-            <a:endParaRPr lang="en-US" sz="1800" b="0" strike="noStrike" spc="-1">
-              <a:solidFill>
-                <a:srgbClr val="000000"/>
-              </a:solidFill>
-              <a:latin typeface="Calibri"/>
-            </a:endParaRPr>
-          </a:p>
-        </p:txBody>
-      </p:sp>
-    </p:spTree>
-  </p:cSld>
-  <p:clrMapOvr>
-    <a:masterClrMapping/>
-  </p:clrMapOvr>
-</p:sldLayout>
-</file>
-
 <file path=ppt/slideLayouts/slideLayout3.xml><?xml version="1.0" encoding="utf-8"?>
 <p:sldLayout xmlns:a="http://schemas.openxmlformats.org/drawingml/2006/main" xmlns:r="http://schemas.openxmlformats.org/officeDocument/2006/relationships" xmlns:p="http://schemas.openxmlformats.org/presentationml/2006/main" type="obj" preserve="1">
   <p:cSld name="Title, Content">
@@ -4682,1434 +4375,6 @@
           <a:xfrm>
             <a:off x="609480" y="1604520"/>
             <a:ext cx="10972440" cy="3977280"/>
-          </a:xfrm>
-          <a:prstGeom prst="rect">
-            <a:avLst/>
-          </a:prstGeom>
-          <a:noFill/>
-          <a:ln w="0">
-            <a:noFill/>
-          </a:ln>
-        </p:spPr>
-        <p:txBody>
-          <a:bodyPr lIns="0" tIns="0" rIns="0" bIns="0" anchor="t">
-            <a:normAutofit/>
-          </a:bodyPr>
-          <a:lstStyle/>
-          <a:p>
-            <a:pPr>
-              <a:lnSpc>
-                <a:spcPct val="90000"/>
-              </a:lnSpc>
-              <a:spcBef>
-                <a:spcPts val="1417"/>
-              </a:spcBef>
-              <a:buNone/>
-            </a:pPr>
-            <a:endParaRPr lang="en-US" sz="2800" b="0" strike="noStrike" spc="-1">
-              <a:solidFill>
-                <a:srgbClr val="000000"/>
-              </a:solidFill>
-              <a:latin typeface="Calibri"/>
-            </a:endParaRPr>
-          </a:p>
-        </p:txBody>
-      </p:sp>
-    </p:spTree>
-  </p:cSld>
-  <p:clrMapOvr>
-    <a:masterClrMapping/>
-  </p:clrMapOvr>
-</p:sldLayout>
-</file>
-
-<file path=ppt/slideLayouts/slideLayout30.xml><?xml version="1.0" encoding="utf-8"?>
-<p:sldLayout xmlns:a="http://schemas.openxmlformats.org/drawingml/2006/main" xmlns:r="http://schemas.openxmlformats.org/officeDocument/2006/relationships" xmlns:p="http://schemas.openxmlformats.org/presentationml/2006/main" type="objOnly" preserve="1">
-  <p:cSld name="Centered Text">
-    <p:spTree>
-      <p:nvGrpSpPr>
-        <p:cNvPr id="1" name=""/>
-        <p:cNvGrpSpPr/>
-        <p:nvPr/>
-      </p:nvGrpSpPr>
-      <p:grpSpPr>
-        <a:xfrm>
-          <a:off x="0" y="0"/>
-          <a:ext cx="0" cy="0"/>
-          <a:chOff x="0" y="0"/>
-          <a:chExt cx="0" cy="0"/>
-        </a:xfrm>
-      </p:grpSpPr>
-      <p:sp>
-        <p:nvSpPr>
-          <p:cNvPr id="94" name="PlaceHolder 1"/>
-          <p:cNvSpPr>
-            <a:spLocks noGrp="1"/>
-          </p:cNvSpPr>
-          <p:nvPr>
-            <p:ph type="subTitle"/>
-          </p:nvPr>
-        </p:nvSpPr>
-        <p:spPr>
-          <a:xfrm>
-            <a:off x="609480" y="273600"/>
-            <a:ext cx="10972440" cy="5307840"/>
-          </a:xfrm>
-          <a:prstGeom prst="rect">
-            <a:avLst/>
-          </a:prstGeom>
-          <a:noFill/>
-          <a:ln w="0">
-            <a:noFill/>
-          </a:ln>
-        </p:spPr>
-        <p:txBody>
-          <a:bodyPr lIns="0" tIns="0" rIns="0" bIns="0" anchor="ctr">
-            <a:noAutofit/>
-          </a:bodyPr>
-          <a:lstStyle/>
-          <a:p>
-            <a:pPr algn="ctr">
-              <a:buNone/>
-            </a:pPr>
-            <a:endParaRPr lang="en-US" sz="3200" b="0" strike="noStrike" spc="-1">
-              <a:latin typeface="Arial"/>
-            </a:endParaRPr>
-          </a:p>
-        </p:txBody>
-      </p:sp>
-    </p:spTree>
-  </p:cSld>
-  <p:clrMapOvr>
-    <a:masterClrMapping/>
-  </p:clrMapOvr>
-</p:sldLayout>
-</file>
-
-<file path=ppt/slideLayouts/slideLayout31.xml><?xml version="1.0" encoding="utf-8"?>
-<p:sldLayout xmlns:a="http://schemas.openxmlformats.org/drawingml/2006/main" xmlns:r="http://schemas.openxmlformats.org/officeDocument/2006/relationships" xmlns:p="http://schemas.openxmlformats.org/presentationml/2006/main" type="twoObjAndObj" preserve="1">
-  <p:cSld name="Title, 2 Content and Content">
-    <p:spTree>
-      <p:nvGrpSpPr>
-        <p:cNvPr id="1" name=""/>
-        <p:cNvGrpSpPr/>
-        <p:nvPr/>
-      </p:nvGrpSpPr>
-      <p:grpSpPr>
-        <a:xfrm>
-          <a:off x="0" y="0"/>
-          <a:ext cx="0" cy="0"/>
-          <a:chOff x="0" y="0"/>
-          <a:chExt cx="0" cy="0"/>
-        </a:xfrm>
-      </p:grpSpPr>
-      <p:sp>
-        <p:nvSpPr>
-          <p:cNvPr id="95" name="PlaceHolder 1"/>
-          <p:cNvSpPr>
-            <a:spLocks noGrp="1"/>
-          </p:cNvSpPr>
-          <p:nvPr>
-            <p:ph type="title"/>
-          </p:nvPr>
-        </p:nvSpPr>
-        <p:spPr>
-          <a:xfrm>
-            <a:off x="609480" y="273600"/>
-            <a:ext cx="10972440" cy="1144800"/>
-          </a:xfrm>
-          <a:prstGeom prst="rect">
-            <a:avLst/>
-          </a:prstGeom>
-          <a:noFill/>
-          <a:ln w="0">
-            <a:noFill/>
-          </a:ln>
-        </p:spPr>
-        <p:txBody>
-          <a:bodyPr lIns="0" tIns="0" rIns="0" bIns="0" anchor="ctr">
-            <a:noAutofit/>
-          </a:bodyPr>
-          <a:lstStyle/>
-          <a:p>
-            <a:endParaRPr lang="en-US" sz="1800" b="0" strike="noStrike" spc="-1">
-              <a:solidFill>
-                <a:srgbClr val="000000"/>
-              </a:solidFill>
-              <a:latin typeface="Calibri"/>
-            </a:endParaRPr>
-          </a:p>
-        </p:txBody>
-      </p:sp>
-      <p:sp>
-        <p:nvSpPr>
-          <p:cNvPr id="96" name="PlaceHolder 2"/>
-          <p:cNvSpPr>
-            <a:spLocks noGrp="1"/>
-          </p:cNvSpPr>
-          <p:nvPr>
-            <p:ph/>
-          </p:nvPr>
-        </p:nvSpPr>
-        <p:spPr>
-          <a:xfrm>
-            <a:off x="609480" y="1604520"/>
-            <a:ext cx="5354280" cy="1896840"/>
-          </a:xfrm>
-          <a:prstGeom prst="rect">
-            <a:avLst/>
-          </a:prstGeom>
-          <a:noFill/>
-          <a:ln w="0">
-            <a:noFill/>
-          </a:ln>
-        </p:spPr>
-        <p:txBody>
-          <a:bodyPr lIns="0" tIns="0" rIns="0" bIns="0" anchor="t">
-            <a:normAutofit/>
-          </a:bodyPr>
-          <a:lstStyle/>
-          <a:p>
-            <a:pPr>
-              <a:lnSpc>
-                <a:spcPct val="90000"/>
-              </a:lnSpc>
-              <a:spcBef>
-                <a:spcPts val="1417"/>
-              </a:spcBef>
-              <a:buNone/>
-            </a:pPr>
-            <a:endParaRPr lang="en-US" sz="2800" b="0" strike="noStrike" spc="-1">
-              <a:solidFill>
-                <a:srgbClr val="000000"/>
-              </a:solidFill>
-              <a:latin typeface="Calibri"/>
-            </a:endParaRPr>
-          </a:p>
-        </p:txBody>
-      </p:sp>
-      <p:sp>
-        <p:nvSpPr>
-          <p:cNvPr id="97" name="PlaceHolder 3"/>
-          <p:cNvSpPr>
-            <a:spLocks noGrp="1"/>
-          </p:cNvSpPr>
-          <p:nvPr>
-            <p:ph/>
-          </p:nvPr>
-        </p:nvSpPr>
-        <p:spPr>
-          <a:xfrm>
-            <a:off x="6231960" y="1604520"/>
-            <a:ext cx="5354280" cy="3977280"/>
-          </a:xfrm>
-          <a:prstGeom prst="rect">
-            <a:avLst/>
-          </a:prstGeom>
-          <a:noFill/>
-          <a:ln w="0">
-            <a:noFill/>
-          </a:ln>
-        </p:spPr>
-        <p:txBody>
-          <a:bodyPr lIns="0" tIns="0" rIns="0" bIns="0" anchor="t">
-            <a:normAutofit/>
-          </a:bodyPr>
-          <a:lstStyle/>
-          <a:p>
-            <a:pPr>
-              <a:lnSpc>
-                <a:spcPct val="90000"/>
-              </a:lnSpc>
-              <a:spcBef>
-                <a:spcPts val="1417"/>
-              </a:spcBef>
-              <a:buNone/>
-            </a:pPr>
-            <a:endParaRPr lang="en-US" sz="2800" b="0" strike="noStrike" spc="-1">
-              <a:solidFill>
-                <a:srgbClr val="000000"/>
-              </a:solidFill>
-              <a:latin typeface="Calibri"/>
-            </a:endParaRPr>
-          </a:p>
-        </p:txBody>
-      </p:sp>
-      <p:sp>
-        <p:nvSpPr>
-          <p:cNvPr id="98" name="PlaceHolder 4"/>
-          <p:cNvSpPr>
-            <a:spLocks noGrp="1"/>
-          </p:cNvSpPr>
-          <p:nvPr>
-            <p:ph/>
-          </p:nvPr>
-        </p:nvSpPr>
-        <p:spPr>
-          <a:xfrm>
-            <a:off x="609480" y="3682080"/>
-            <a:ext cx="5354280" cy="1896840"/>
-          </a:xfrm>
-          <a:prstGeom prst="rect">
-            <a:avLst/>
-          </a:prstGeom>
-          <a:noFill/>
-          <a:ln w="0">
-            <a:noFill/>
-          </a:ln>
-        </p:spPr>
-        <p:txBody>
-          <a:bodyPr lIns="0" tIns="0" rIns="0" bIns="0" anchor="t">
-            <a:normAutofit/>
-          </a:bodyPr>
-          <a:lstStyle/>
-          <a:p>
-            <a:pPr>
-              <a:lnSpc>
-                <a:spcPct val="90000"/>
-              </a:lnSpc>
-              <a:spcBef>
-                <a:spcPts val="1417"/>
-              </a:spcBef>
-              <a:buNone/>
-            </a:pPr>
-            <a:endParaRPr lang="en-US" sz="2800" b="0" strike="noStrike" spc="-1">
-              <a:solidFill>
-                <a:srgbClr val="000000"/>
-              </a:solidFill>
-              <a:latin typeface="Calibri"/>
-            </a:endParaRPr>
-          </a:p>
-        </p:txBody>
-      </p:sp>
-    </p:spTree>
-  </p:cSld>
-  <p:clrMapOvr>
-    <a:masterClrMapping/>
-  </p:clrMapOvr>
-</p:sldLayout>
-</file>
-
-<file path=ppt/slideLayouts/slideLayout32.xml><?xml version="1.0" encoding="utf-8"?>
-<p:sldLayout xmlns:a="http://schemas.openxmlformats.org/drawingml/2006/main" xmlns:r="http://schemas.openxmlformats.org/officeDocument/2006/relationships" xmlns:p="http://schemas.openxmlformats.org/presentationml/2006/main" type="objAndTwoObj" preserve="1">
-  <p:cSld name="Title Content and 2 Content">
-    <p:spTree>
-      <p:nvGrpSpPr>
-        <p:cNvPr id="1" name=""/>
-        <p:cNvGrpSpPr/>
-        <p:nvPr/>
-      </p:nvGrpSpPr>
-      <p:grpSpPr>
-        <a:xfrm>
-          <a:off x="0" y="0"/>
-          <a:ext cx="0" cy="0"/>
-          <a:chOff x="0" y="0"/>
-          <a:chExt cx="0" cy="0"/>
-        </a:xfrm>
-      </p:grpSpPr>
-      <p:sp>
-        <p:nvSpPr>
-          <p:cNvPr id="99" name="PlaceHolder 1"/>
-          <p:cNvSpPr>
-            <a:spLocks noGrp="1"/>
-          </p:cNvSpPr>
-          <p:nvPr>
-            <p:ph type="title"/>
-          </p:nvPr>
-        </p:nvSpPr>
-        <p:spPr>
-          <a:xfrm>
-            <a:off x="609480" y="273600"/>
-            <a:ext cx="10972440" cy="1144800"/>
-          </a:xfrm>
-          <a:prstGeom prst="rect">
-            <a:avLst/>
-          </a:prstGeom>
-          <a:noFill/>
-          <a:ln w="0">
-            <a:noFill/>
-          </a:ln>
-        </p:spPr>
-        <p:txBody>
-          <a:bodyPr lIns="0" tIns="0" rIns="0" bIns="0" anchor="ctr">
-            <a:noAutofit/>
-          </a:bodyPr>
-          <a:lstStyle/>
-          <a:p>
-            <a:endParaRPr lang="en-US" sz="1800" b="0" strike="noStrike" spc="-1">
-              <a:solidFill>
-                <a:srgbClr val="000000"/>
-              </a:solidFill>
-              <a:latin typeface="Calibri"/>
-            </a:endParaRPr>
-          </a:p>
-        </p:txBody>
-      </p:sp>
-      <p:sp>
-        <p:nvSpPr>
-          <p:cNvPr id="100" name="PlaceHolder 2"/>
-          <p:cNvSpPr>
-            <a:spLocks noGrp="1"/>
-          </p:cNvSpPr>
-          <p:nvPr>
-            <p:ph/>
-          </p:nvPr>
-        </p:nvSpPr>
-        <p:spPr>
-          <a:xfrm>
-            <a:off x="609480" y="1604520"/>
-            <a:ext cx="5354280" cy="3977280"/>
-          </a:xfrm>
-          <a:prstGeom prst="rect">
-            <a:avLst/>
-          </a:prstGeom>
-          <a:noFill/>
-          <a:ln w="0">
-            <a:noFill/>
-          </a:ln>
-        </p:spPr>
-        <p:txBody>
-          <a:bodyPr lIns="0" tIns="0" rIns="0" bIns="0" anchor="t">
-            <a:normAutofit/>
-          </a:bodyPr>
-          <a:lstStyle/>
-          <a:p>
-            <a:pPr>
-              <a:lnSpc>
-                <a:spcPct val="90000"/>
-              </a:lnSpc>
-              <a:spcBef>
-                <a:spcPts val="1417"/>
-              </a:spcBef>
-              <a:buNone/>
-            </a:pPr>
-            <a:endParaRPr lang="en-US" sz="2800" b="0" strike="noStrike" spc="-1">
-              <a:solidFill>
-                <a:srgbClr val="000000"/>
-              </a:solidFill>
-              <a:latin typeface="Calibri"/>
-            </a:endParaRPr>
-          </a:p>
-        </p:txBody>
-      </p:sp>
-      <p:sp>
-        <p:nvSpPr>
-          <p:cNvPr id="101" name="PlaceHolder 3"/>
-          <p:cNvSpPr>
-            <a:spLocks noGrp="1"/>
-          </p:cNvSpPr>
-          <p:nvPr>
-            <p:ph/>
-          </p:nvPr>
-        </p:nvSpPr>
-        <p:spPr>
-          <a:xfrm>
-            <a:off x="6231960" y="1604520"/>
-            <a:ext cx="5354280" cy="1896840"/>
-          </a:xfrm>
-          <a:prstGeom prst="rect">
-            <a:avLst/>
-          </a:prstGeom>
-          <a:noFill/>
-          <a:ln w="0">
-            <a:noFill/>
-          </a:ln>
-        </p:spPr>
-        <p:txBody>
-          <a:bodyPr lIns="0" tIns="0" rIns="0" bIns="0" anchor="t">
-            <a:normAutofit/>
-          </a:bodyPr>
-          <a:lstStyle/>
-          <a:p>
-            <a:pPr>
-              <a:lnSpc>
-                <a:spcPct val="90000"/>
-              </a:lnSpc>
-              <a:spcBef>
-                <a:spcPts val="1417"/>
-              </a:spcBef>
-              <a:buNone/>
-            </a:pPr>
-            <a:endParaRPr lang="en-US" sz="2800" b="0" strike="noStrike" spc="-1">
-              <a:solidFill>
-                <a:srgbClr val="000000"/>
-              </a:solidFill>
-              <a:latin typeface="Calibri"/>
-            </a:endParaRPr>
-          </a:p>
-        </p:txBody>
-      </p:sp>
-      <p:sp>
-        <p:nvSpPr>
-          <p:cNvPr id="102" name="PlaceHolder 4"/>
-          <p:cNvSpPr>
-            <a:spLocks noGrp="1"/>
-          </p:cNvSpPr>
-          <p:nvPr>
-            <p:ph/>
-          </p:nvPr>
-        </p:nvSpPr>
-        <p:spPr>
-          <a:xfrm>
-            <a:off x="6231960" y="3682080"/>
-            <a:ext cx="5354280" cy="1896840"/>
-          </a:xfrm>
-          <a:prstGeom prst="rect">
-            <a:avLst/>
-          </a:prstGeom>
-          <a:noFill/>
-          <a:ln w="0">
-            <a:noFill/>
-          </a:ln>
-        </p:spPr>
-        <p:txBody>
-          <a:bodyPr lIns="0" tIns="0" rIns="0" bIns="0" anchor="t">
-            <a:normAutofit/>
-          </a:bodyPr>
-          <a:lstStyle/>
-          <a:p>
-            <a:pPr>
-              <a:lnSpc>
-                <a:spcPct val="90000"/>
-              </a:lnSpc>
-              <a:spcBef>
-                <a:spcPts val="1417"/>
-              </a:spcBef>
-              <a:buNone/>
-            </a:pPr>
-            <a:endParaRPr lang="en-US" sz="2800" b="0" strike="noStrike" spc="-1">
-              <a:solidFill>
-                <a:srgbClr val="000000"/>
-              </a:solidFill>
-              <a:latin typeface="Calibri"/>
-            </a:endParaRPr>
-          </a:p>
-        </p:txBody>
-      </p:sp>
-    </p:spTree>
-  </p:cSld>
-  <p:clrMapOvr>
-    <a:masterClrMapping/>
-  </p:clrMapOvr>
-</p:sldLayout>
-</file>
-
-<file path=ppt/slideLayouts/slideLayout33.xml><?xml version="1.0" encoding="utf-8"?>
-<p:sldLayout xmlns:a="http://schemas.openxmlformats.org/drawingml/2006/main" xmlns:r="http://schemas.openxmlformats.org/officeDocument/2006/relationships" xmlns:p="http://schemas.openxmlformats.org/presentationml/2006/main" type="twoObjOverTx" preserve="1">
-  <p:cSld name="Title, 2 Content over Content">
-    <p:spTree>
-      <p:nvGrpSpPr>
-        <p:cNvPr id="1" name=""/>
-        <p:cNvGrpSpPr/>
-        <p:nvPr/>
-      </p:nvGrpSpPr>
-      <p:grpSpPr>
-        <a:xfrm>
-          <a:off x="0" y="0"/>
-          <a:ext cx="0" cy="0"/>
-          <a:chOff x="0" y="0"/>
-          <a:chExt cx="0" cy="0"/>
-        </a:xfrm>
-      </p:grpSpPr>
-      <p:sp>
-        <p:nvSpPr>
-          <p:cNvPr id="103" name="PlaceHolder 1"/>
-          <p:cNvSpPr>
-            <a:spLocks noGrp="1"/>
-          </p:cNvSpPr>
-          <p:nvPr>
-            <p:ph type="title"/>
-          </p:nvPr>
-        </p:nvSpPr>
-        <p:spPr>
-          <a:xfrm>
-            <a:off x="609480" y="273600"/>
-            <a:ext cx="10972440" cy="1144800"/>
-          </a:xfrm>
-          <a:prstGeom prst="rect">
-            <a:avLst/>
-          </a:prstGeom>
-          <a:noFill/>
-          <a:ln w="0">
-            <a:noFill/>
-          </a:ln>
-        </p:spPr>
-        <p:txBody>
-          <a:bodyPr lIns="0" tIns="0" rIns="0" bIns="0" anchor="ctr">
-            <a:noAutofit/>
-          </a:bodyPr>
-          <a:lstStyle/>
-          <a:p>
-            <a:endParaRPr lang="en-US" sz="1800" b="0" strike="noStrike" spc="-1">
-              <a:solidFill>
-                <a:srgbClr val="000000"/>
-              </a:solidFill>
-              <a:latin typeface="Calibri"/>
-            </a:endParaRPr>
-          </a:p>
-        </p:txBody>
-      </p:sp>
-      <p:sp>
-        <p:nvSpPr>
-          <p:cNvPr id="104" name="PlaceHolder 2"/>
-          <p:cNvSpPr>
-            <a:spLocks noGrp="1"/>
-          </p:cNvSpPr>
-          <p:nvPr>
-            <p:ph/>
-          </p:nvPr>
-        </p:nvSpPr>
-        <p:spPr>
-          <a:xfrm>
-            <a:off x="609480" y="1604520"/>
-            <a:ext cx="5354280" cy="1896840"/>
-          </a:xfrm>
-          <a:prstGeom prst="rect">
-            <a:avLst/>
-          </a:prstGeom>
-          <a:noFill/>
-          <a:ln w="0">
-            <a:noFill/>
-          </a:ln>
-        </p:spPr>
-        <p:txBody>
-          <a:bodyPr lIns="0" tIns="0" rIns="0" bIns="0" anchor="t">
-            <a:normAutofit/>
-          </a:bodyPr>
-          <a:lstStyle/>
-          <a:p>
-            <a:pPr>
-              <a:lnSpc>
-                <a:spcPct val="90000"/>
-              </a:lnSpc>
-              <a:spcBef>
-                <a:spcPts val="1417"/>
-              </a:spcBef>
-              <a:buNone/>
-            </a:pPr>
-            <a:endParaRPr lang="en-US" sz="2800" b="0" strike="noStrike" spc="-1">
-              <a:solidFill>
-                <a:srgbClr val="000000"/>
-              </a:solidFill>
-              <a:latin typeface="Calibri"/>
-            </a:endParaRPr>
-          </a:p>
-        </p:txBody>
-      </p:sp>
-      <p:sp>
-        <p:nvSpPr>
-          <p:cNvPr id="105" name="PlaceHolder 3"/>
-          <p:cNvSpPr>
-            <a:spLocks noGrp="1"/>
-          </p:cNvSpPr>
-          <p:nvPr>
-            <p:ph/>
-          </p:nvPr>
-        </p:nvSpPr>
-        <p:spPr>
-          <a:xfrm>
-            <a:off x="6231960" y="1604520"/>
-            <a:ext cx="5354280" cy="1896840"/>
-          </a:xfrm>
-          <a:prstGeom prst="rect">
-            <a:avLst/>
-          </a:prstGeom>
-          <a:noFill/>
-          <a:ln w="0">
-            <a:noFill/>
-          </a:ln>
-        </p:spPr>
-        <p:txBody>
-          <a:bodyPr lIns="0" tIns="0" rIns="0" bIns="0" anchor="t">
-            <a:normAutofit/>
-          </a:bodyPr>
-          <a:lstStyle/>
-          <a:p>
-            <a:pPr>
-              <a:lnSpc>
-                <a:spcPct val="90000"/>
-              </a:lnSpc>
-              <a:spcBef>
-                <a:spcPts val="1417"/>
-              </a:spcBef>
-              <a:buNone/>
-            </a:pPr>
-            <a:endParaRPr lang="en-US" sz="2800" b="0" strike="noStrike" spc="-1">
-              <a:solidFill>
-                <a:srgbClr val="000000"/>
-              </a:solidFill>
-              <a:latin typeface="Calibri"/>
-            </a:endParaRPr>
-          </a:p>
-        </p:txBody>
-      </p:sp>
-      <p:sp>
-        <p:nvSpPr>
-          <p:cNvPr id="106" name="PlaceHolder 4"/>
-          <p:cNvSpPr>
-            <a:spLocks noGrp="1"/>
-          </p:cNvSpPr>
-          <p:nvPr>
-            <p:ph/>
-          </p:nvPr>
-        </p:nvSpPr>
-        <p:spPr>
-          <a:xfrm>
-            <a:off x="609480" y="3682080"/>
-            <a:ext cx="10972440" cy="1896840"/>
-          </a:xfrm>
-          <a:prstGeom prst="rect">
-            <a:avLst/>
-          </a:prstGeom>
-          <a:noFill/>
-          <a:ln w="0">
-            <a:noFill/>
-          </a:ln>
-        </p:spPr>
-        <p:txBody>
-          <a:bodyPr lIns="0" tIns="0" rIns="0" bIns="0" anchor="t">
-            <a:normAutofit/>
-          </a:bodyPr>
-          <a:lstStyle/>
-          <a:p>
-            <a:pPr>
-              <a:lnSpc>
-                <a:spcPct val="90000"/>
-              </a:lnSpc>
-              <a:spcBef>
-                <a:spcPts val="1417"/>
-              </a:spcBef>
-              <a:buNone/>
-            </a:pPr>
-            <a:endParaRPr lang="en-US" sz="2800" b="0" strike="noStrike" spc="-1">
-              <a:solidFill>
-                <a:srgbClr val="000000"/>
-              </a:solidFill>
-              <a:latin typeface="Calibri"/>
-            </a:endParaRPr>
-          </a:p>
-        </p:txBody>
-      </p:sp>
-    </p:spTree>
-  </p:cSld>
-  <p:clrMapOvr>
-    <a:masterClrMapping/>
-  </p:clrMapOvr>
-</p:sldLayout>
-</file>
-
-<file path=ppt/slideLayouts/slideLayout34.xml><?xml version="1.0" encoding="utf-8"?>
-<p:sldLayout xmlns:a="http://schemas.openxmlformats.org/drawingml/2006/main" xmlns:r="http://schemas.openxmlformats.org/officeDocument/2006/relationships" xmlns:p="http://schemas.openxmlformats.org/presentationml/2006/main" type="objOverTx" preserve="1">
-  <p:cSld name="Title, Content over Content">
-    <p:spTree>
-      <p:nvGrpSpPr>
-        <p:cNvPr id="1" name=""/>
-        <p:cNvGrpSpPr/>
-        <p:nvPr/>
-      </p:nvGrpSpPr>
-      <p:grpSpPr>
-        <a:xfrm>
-          <a:off x="0" y="0"/>
-          <a:ext cx="0" cy="0"/>
-          <a:chOff x="0" y="0"/>
-          <a:chExt cx="0" cy="0"/>
-        </a:xfrm>
-      </p:grpSpPr>
-      <p:sp>
-        <p:nvSpPr>
-          <p:cNvPr id="107" name="PlaceHolder 1"/>
-          <p:cNvSpPr>
-            <a:spLocks noGrp="1"/>
-          </p:cNvSpPr>
-          <p:nvPr>
-            <p:ph type="title"/>
-          </p:nvPr>
-        </p:nvSpPr>
-        <p:spPr>
-          <a:xfrm>
-            <a:off x="609480" y="273600"/>
-            <a:ext cx="10972440" cy="1144800"/>
-          </a:xfrm>
-          <a:prstGeom prst="rect">
-            <a:avLst/>
-          </a:prstGeom>
-          <a:noFill/>
-          <a:ln w="0">
-            <a:noFill/>
-          </a:ln>
-        </p:spPr>
-        <p:txBody>
-          <a:bodyPr lIns="0" tIns="0" rIns="0" bIns="0" anchor="ctr">
-            <a:noAutofit/>
-          </a:bodyPr>
-          <a:lstStyle/>
-          <a:p>
-            <a:endParaRPr lang="en-US" sz="1800" b="0" strike="noStrike" spc="-1">
-              <a:solidFill>
-                <a:srgbClr val="000000"/>
-              </a:solidFill>
-              <a:latin typeface="Calibri"/>
-            </a:endParaRPr>
-          </a:p>
-        </p:txBody>
-      </p:sp>
-      <p:sp>
-        <p:nvSpPr>
-          <p:cNvPr id="108" name="PlaceHolder 2"/>
-          <p:cNvSpPr>
-            <a:spLocks noGrp="1"/>
-          </p:cNvSpPr>
-          <p:nvPr>
-            <p:ph/>
-          </p:nvPr>
-        </p:nvSpPr>
-        <p:spPr>
-          <a:xfrm>
-            <a:off x="609480" y="1604520"/>
-            <a:ext cx="10972440" cy="1896840"/>
-          </a:xfrm>
-          <a:prstGeom prst="rect">
-            <a:avLst/>
-          </a:prstGeom>
-          <a:noFill/>
-          <a:ln w="0">
-            <a:noFill/>
-          </a:ln>
-        </p:spPr>
-        <p:txBody>
-          <a:bodyPr lIns="0" tIns="0" rIns="0" bIns="0" anchor="t">
-            <a:normAutofit/>
-          </a:bodyPr>
-          <a:lstStyle/>
-          <a:p>
-            <a:pPr>
-              <a:lnSpc>
-                <a:spcPct val="90000"/>
-              </a:lnSpc>
-              <a:spcBef>
-                <a:spcPts val="1417"/>
-              </a:spcBef>
-              <a:buNone/>
-            </a:pPr>
-            <a:endParaRPr lang="en-US" sz="2800" b="0" strike="noStrike" spc="-1">
-              <a:solidFill>
-                <a:srgbClr val="000000"/>
-              </a:solidFill>
-              <a:latin typeface="Calibri"/>
-            </a:endParaRPr>
-          </a:p>
-        </p:txBody>
-      </p:sp>
-      <p:sp>
-        <p:nvSpPr>
-          <p:cNvPr id="109" name="PlaceHolder 3"/>
-          <p:cNvSpPr>
-            <a:spLocks noGrp="1"/>
-          </p:cNvSpPr>
-          <p:nvPr>
-            <p:ph/>
-          </p:nvPr>
-        </p:nvSpPr>
-        <p:spPr>
-          <a:xfrm>
-            <a:off x="609480" y="3682080"/>
-            <a:ext cx="10972440" cy="1896840"/>
-          </a:xfrm>
-          <a:prstGeom prst="rect">
-            <a:avLst/>
-          </a:prstGeom>
-          <a:noFill/>
-          <a:ln w="0">
-            <a:noFill/>
-          </a:ln>
-        </p:spPr>
-        <p:txBody>
-          <a:bodyPr lIns="0" tIns="0" rIns="0" bIns="0" anchor="t">
-            <a:normAutofit/>
-          </a:bodyPr>
-          <a:lstStyle/>
-          <a:p>
-            <a:pPr>
-              <a:lnSpc>
-                <a:spcPct val="90000"/>
-              </a:lnSpc>
-              <a:spcBef>
-                <a:spcPts val="1417"/>
-              </a:spcBef>
-              <a:buNone/>
-            </a:pPr>
-            <a:endParaRPr lang="en-US" sz="2800" b="0" strike="noStrike" spc="-1">
-              <a:solidFill>
-                <a:srgbClr val="000000"/>
-              </a:solidFill>
-              <a:latin typeface="Calibri"/>
-            </a:endParaRPr>
-          </a:p>
-        </p:txBody>
-      </p:sp>
-    </p:spTree>
-  </p:cSld>
-  <p:clrMapOvr>
-    <a:masterClrMapping/>
-  </p:clrMapOvr>
-</p:sldLayout>
-</file>
-
-<file path=ppt/slideLayouts/slideLayout35.xml><?xml version="1.0" encoding="utf-8"?>
-<p:sldLayout xmlns:a="http://schemas.openxmlformats.org/drawingml/2006/main" xmlns:r="http://schemas.openxmlformats.org/officeDocument/2006/relationships" xmlns:p="http://schemas.openxmlformats.org/presentationml/2006/main" type="fourObj" preserve="1">
-  <p:cSld name="Title, 4 Content">
-    <p:spTree>
-      <p:nvGrpSpPr>
-        <p:cNvPr id="1" name=""/>
-        <p:cNvGrpSpPr/>
-        <p:nvPr/>
-      </p:nvGrpSpPr>
-      <p:grpSpPr>
-        <a:xfrm>
-          <a:off x="0" y="0"/>
-          <a:ext cx="0" cy="0"/>
-          <a:chOff x="0" y="0"/>
-          <a:chExt cx="0" cy="0"/>
-        </a:xfrm>
-      </p:grpSpPr>
-      <p:sp>
-        <p:nvSpPr>
-          <p:cNvPr id="110" name="PlaceHolder 1"/>
-          <p:cNvSpPr>
-            <a:spLocks noGrp="1"/>
-          </p:cNvSpPr>
-          <p:nvPr>
-            <p:ph type="title"/>
-          </p:nvPr>
-        </p:nvSpPr>
-        <p:spPr>
-          <a:xfrm>
-            <a:off x="609480" y="273600"/>
-            <a:ext cx="10972440" cy="1144800"/>
-          </a:xfrm>
-          <a:prstGeom prst="rect">
-            <a:avLst/>
-          </a:prstGeom>
-          <a:noFill/>
-          <a:ln w="0">
-            <a:noFill/>
-          </a:ln>
-        </p:spPr>
-        <p:txBody>
-          <a:bodyPr lIns="0" tIns="0" rIns="0" bIns="0" anchor="ctr">
-            <a:noAutofit/>
-          </a:bodyPr>
-          <a:lstStyle/>
-          <a:p>
-            <a:endParaRPr lang="en-US" sz="1800" b="0" strike="noStrike" spc="-1">
-              <a:solidFill>
-                <a:srgbClr val="000000"/>
-              </a:solidFill>
-              <a:latin typeface="Calibri"/>
-            </a:endParaRPr>
-          </a:p>
-        </p:txBody>
-      </p:sp>
-      <p:sp>
-        <p:nvSpPr>
-          <p:cNvPr id="111" name="PlaceHolder 2"/>
-          <p:cNvSpPr>
-            <a:spLocks noGrp="1"/>
-          </p:cNvSpPr>
-          <p:nvPr>
-            <p:ph/>
-          </p:nvPr>
-        </p:nvSpPr>
-        <p:spPr>
-          <a:xfrm>
-            <a:off x="609480" y="1604520"/>
-            <a:ext cx="5354280" cy="1896840"/>
-          </a:xfrm>
-          <a:prstGeom prst="rect">
-            <a:avLst/>
-          </a:prstGeom>
-          <a:noFill/>
-          <a:ln w="0">
-            <a:noFill/>
-          </a:ln>
-        </p:spPr>
-        <p:txBody>
-          <a:bodyPr lIns="0" tIns="0" rIns="0" bIns="0" anchor="t">
-            <a:normAutofit/>
-          </a:bodyPr>
-          <a:lstStyle/>
-          <a:p>
-            <a:pPr>
-              <a:lnSpc>
-                <a:spcPct val="90000"/>
-              </a:lnSpc>
-              <a:spcBef>
-                <a:spcPts val="1417"/>
-              </a:spcBef>
-              <a:buNone/>
-            </a:pPr>
-            <a:endParaRPr lang="en-US" sz="2800" b="0" strike="noStrike" spc="-1">
-              <a:solidFill>
-                <a:srgbClr val="000000"/>
-              </a:solidFill>
-              <a:latin typeface="Calibri"/>
-            </a:endParaRPr>
-          </a:p>
-        </p:txBody>
-      </p:sp>
-      <p:sp>
-        <p:nvSpPr>
-          <p:cNvPr id="112" name="PlaceHolder 3"/>
-          <p:cNvSpPr>
-            <a:spLocks noGrp="1"/>
-          </p:cNvSpPr>
-          <p:nvPr>
-            <p:ph/>
-          </p:nvPr>
-        </p:nvSpPr>
-        <p:spPr>
-          <a:xfrm>
-            <a:off x="6231960" y="1604520"/>
-            <a:ext cx="5354280" cy="1896840"/>
-          </a:xfrm>
-          <a:prstGeom prst="rect">
-            <a:avLst/>
-          </a:prstGeom>
-          <a:noFill/>
-          <a:ln w="0">
-            <a:noFill/>
-          </a:ln>
-        </p:spPr>
-        <p:txBody>
-          <a:bodyPr lIns="0" tIns="0" rIns="0" bIns="0" anchor="t">
-            <a:normAutofit/>
-          </a:bodyPr>
-          <a:lstStyle/>
-          <a:p>
-            <a:pPr>
-              <a:lnSpc>
-                <a:spcPct val="90000"/>
-              </a:lnSpc>
-              <a:spcBef>
-                <a:spcPts val="1417"/>
-              </a:spcBef>
-              <a:buNone/>
-            </a:pPr>
-            <a:endParaRPr lang="en-US" sz="2800" b="0" strike="noStrike" spc="-1">
-              <a:solidFill>
-                <a:srgbClr val="000000"/>
-              </a:solidFill>
-              <a:latin typeface="Calibri"/>
-            </a:endParaRPr>
-          </a:p>
-        </p:txBody>
-      </p:sp>
-      <p:sp>
-        <p:nvSpPr>
-          <p:cNvPr id="113" name="PlaceHolder 4"/>
-          <p:cNvSpPr>
-            <a:spLocks noGrp="1"/>
-          </p:cNvSpPr>
-          <p:nvPr>
-            <p:ph/>
-          </p:nvPr>
-        </p:nvSpPr>
-        <p:spPr>
-          <a:xfrm>
-            <a:off x="609480" y="3682080"/>
-            <a:ext cx="5354280" cy="1896840"/>
-          </a:xfrm>
-          <a:prstGeom prst="rect">
-            <a:avLst/>
-          </a:prstGeom>
-          <a:noFill/>
-          <a:ln w="0">
-            <a:noFill/>
-          </a:ln>
-        </p:spPr>
-        <p:txBody>
-          <a:bodyPr lIns="0" tIns="0" rIns="0" bIns="0" anchor="t">
-            <a:normAutofit/>
-          </a:bodyPr>
-          <a:lstStyle/>
-          <a:p>
-            <a:pPr>
-              <a:lnSpc>
-                <a:spcPct val="90000"/>
-              </a:lnSpc>
-              <a:spcBef>
-                <a:spcPts val="1417"/>
-              </a:spcBef>
-              <a:buNone/>
-            </a:pPr>
-            <a:endParaRPr lang="en-US" sz="2800" b="0" strike="noStrike" spc="-1">
-              <a:solidFill>
-                <a:srgbClr val="000000"/>
-              </a:solidFill>
-              <a:latin typeface="Calibri"/>
-            </a:endParaRPr>
-          </a:p>
-        </p:txBody>
-      </p:sp>
-      <p:sp>
-        <p:nvSpPr>
-          <p:cNvPr id="114" name="PlaceHolder 5"/>
-          <p:cNvSpPr>
-            <a:spLocks noGrp="1"/>
-          </p:cNvSpPr>
-          <p:nvPr>
-            <p:ph/>
-          </p:nvPr>
-        </p:nvSpPr>
-        <p:spPr>
-          <a:xfrm>
-            <a:off x="6231960" y="3682080"/>
-            <a:ext cx="5354280" cy="1896840"/>
-          </a:xfrm>
-          <a:prstGeom prst="rect">
-            <a:avLst/>
-          </a:prstGeom>
-          <a:noFill/>
-          <a:ln w="0">
-            <a:noFill/>
-          </a:ln>
-        </p:spPr>
-        <p:txBody>
-          <a:bodyPr lIns="0" tIns="0" rIns="0" bIns="0" anchor="t">
-            <a:normAutofit/>
-          </a:bodyPr>
-          <a:lstStyle/>
-          <a:p>
-            <a:pPr>
-              <a:lnSpc>
-                <a:spcPct val="90000"/>
-              </a:lnSpc>
-              <a:spcBef>
-                <a:spcPts val="1417"/>
-              </a:spcBef>
-              <a:buNone/>
-            </a:pPr>
-            <a:endParaRPr lang="en-US" sz="2800" b="0" strike="noStrike" spc="-1">
-              <a:solidFill>
-                <a:srgbClr val="000000"/>
-              </a:solidFill>
-              <a:latin typeface="Calibri"/>
-            </a:endParaRPr>
-          </a:p>
-        </p:txBody>
-      </p:sp>
-    </p:spTree>
-  </p:cSld>
-  <p:clrMapOvr>
-    <a:masterClrMapping/>
-  </p:clrMapOvr>
-</p:sldLayout>
-</file>
-
-<file path=ppt/slideLayouts/slideLayout36.xml><?xml version="1.0" encoding="utf-8"?>
-<p:sldLayout xmlns:a="http://schemas.openxmlformats.org/drawingml/2006/main" xmlns:r="http://schemas.openxmlformats.org/officeDocument/2006/relationships" xmlns:p="http://schemas.openxmlformats.org/presentationml/2006/main" type="blank" preserve="1">
-  <p:cSld name="Title, 6 Content">
-    <p:spTree>
-      <p:nvGrpSpPr>
-        <p:cNvPr id="1" name=""/>
-        <p:cNvGrpSpPr/>
-        <p:nvPr/>
-      </p:nvGrpSpPr>
-      <p:grpSpPr>
-        <a:xfrm>
-          <a:off x="0" y="0"/>
-          <a:ext cx="0" cy="0"/>
-          <a:chOff x="0" y="0"/>
-          <a:chExt cx="0" cy="0"/>
-        </a:xfrm>
-      </p:grpSpPr>
-      <p:sp>
-        <p:nvSpPr>
-          <p:cNvPr id="115" name="PlaceHolder 1"/>
-          <p:cNvSpPr>
-            <a:spLocks noGrp="1"/>
-          </p:cNvSpPr>
-          <p:nvPr>
-            <p:ph type="title"/>
-          </p:nvPr>
-        </p:nvSpPr>
-        <p:spPr>
-          <a:xfrm>
-            <a:off x="609480" y="273600"/>
-            <a:ext cx="10972440" cy="1144800"/>
-          </a:xfrm>
-          <a:prstGeom prst="rect">
-            <a:avLst/>
-          </a:prstGeom>
-          <a:noFill/>
-          <a:ln w="0">
-            <a:noFill/>
-          </a:ln>
-        </p:spPr>
-        <p:txBody>
-          <a:bodyPr lIns="0" tIns="0" rIns="0" bIns="0" anchor="ctr">
-            <a:noAutofit/>
-          </a:bodyPr>
-          <a:lstStyle/>
-          <a:p>
-            <a:endParaRPr lang="en-US" sz="1800" b="0" strike="noStrike" spc="-1">
-              <a:solidFill>
-                <a:srgbClr val="000000"/>
-              </a:solidFill>
-              <a:latin typeface="Calibri"/>
-            </a:endParaRPr>
-          </a:p>
-        </p:txBody>
-      </p:sp>
-      <p:sp>
-        <p:nvSpPr>
-          <p:cNvPr id="116" name="PlaceHolder 2"/>
-          <p:cNvSpPr>
-            <a:spLocks noGrp="1"/>
-          </p:cNvSpPr>
-          <p:nvPr>
-            <p:ph/>
-          </p:nvPr>
-        </p:nvSpPr>
-        <p:spPr>
-          <a:xfrm>
-            <a:off x="609480" y="1604520"/>
-            <a:ext cx="3533040" cy="1896840"/>
-          </a:xfrm>
-          <a:prstGeom prst="rect">
-            <a:avLst/>
-          </a:prstGeom>
-          <a:noFill/>
-          <a:ln w="0">
-            <a:noFill/>
-          </a:ln>
-        </p:spPr>
-        <p:txBody>
-          <a:bodyPr lIns="0" tIns="0" rIns="0" bIns="0" anchor="t">
-            <a:normAutofit/>
-          </a:bodyPr>
-          <a:lstStyle/>
-          <a:p>
-            <a:pPr>
-              <a:lnSpc>
-                <a:spcPct val="90000"/>
-              </a:lnSpc>
-              <a:spcBef>
-                <a:spcPts val="1417"/>
-              </a:spcBef>
-              <a:buNone/>
-            </a:pPr>
-            <a:endParaRPr lang="en-US" sz="2800" b="0" strike="noStrike" spc="-1">
-              <a:solidFill>
-                <a:srgbClr val="000000"/>
-              </a:solidFill>
-              <a:latin typeface="Calibri"/>
-            </a:endParaRPr>
-          </a:p>
-        </p:txBody>
-      </p:sp>
-      <p:sp>
-        <p:nvSpPr>
-          <p:cNvPr id="117" name="PlaceHolder 3"/>
-          <p:cNvSpPr>
-            <a:spLocks noGrp="1"/>
-          </p:cNvSpPr>
-          <p:nvPr>
-            <p:ph/>
-          </p:nvPr>
-        </p:nvSpPr>
-        <p:spPr>
-          <a:xfrm>
-            <a:off x="4319640" y="1604520"/>
-            <a:ext cx="3533040" cy="1896840"/>
-          </a:xfrm>
-          <a:prstGeom prst="rect">
-            <a:avLst/>
-          </a:prstGeom>
-          <a:noFill/>
-          <a:ln w="0">
-            <a:noFill/>
-          </a:ln>
-        </p:spPr>
-        <p:txBody>
-          <a:bodyPr lIns="0" tIns="0" rIns="0" bIns="0" anchor="t">
-            <a:normAutofit/>
-          </a:bodyPr>
-          <a:lstStyle/>
-          <a:p>
-            <a:pPr>
-              <a:lnSpc>
-                <a:spcPct val="90000"/>
-              </a:lnSpc>
-              <a:spcBef>
-                <a:spcPts val="1417"/>
-              </a:spcBef>
-              <a:buNone/>
-            </a:pPr>
-            <a:endParaRPr lang="en-US" sz="2800" b="0" strike="noStrike" spc="-1">
-              <a:solidFill>
-                <a:srgbClr val="000000"/>
-              </a:solidFill>
-              <a:latin typeface="Calibri"/>
-            </a:endParaRPr>
-          </a:p>
-        </p:txBody>
-      </p:sp>
-      <p:sp>
-        <p:nvSpPr>
-          <p:cNvPr id="118" name="PlaceHolder 4"/>
-          <p:cNvSpPr>
-            <a:spLocks noGrp="1"/>
-          </p:cNvSpPr>
-          <p:nvPr>
-            <p:ph/>
-          </p:nvPr>
-        </p:nvSpPr>
-        <p:spPr>
-          <a:xfrm>
-            <a:off x="8029800" y="1604520"/>
-            <a:ext cx="3533040" cy="1896840"/>
-          </a:xfrm>
-          <a:prstGeom prst="rect">
-            <a:avLst/>
-          </a:prstGeom>
-          <a:noFill/>
-          <a:ln w="0">
-            <a:noFill/>
-          </a:ln>
-        </p:spPr>
-        <p:txBody>
-          <a:bodyPr lIns="0" tIns="0" rIns="0" bIns="0" anchor="t">
-            <a:normAutofit/>
-          </a:bodyPr>
-          <a:lstStyle/>
-          <a:p>
-            <a:pPr>
-              <a:lnSpc>
-                <a:spcPct val="90000"/>
-              </a:lnSpc>
-              <a:spcBef>
-                <a:spcPts val="1417"/>
-              </a:spcBef>
-              <a:buNone/>
-            </a:pPr>
-            <a:endParaRPr lang="en-US" sz="2800" b="0" strike="noStrike" spc="-1">
-              <a:solidFill>
-                <a:srgbClr val="000000"/>
-              </a:solidFill>
-              <a:latin typeface="Calibri"/>
-            </a:endParaRPr>
-          </a:p>
-        </p:txBody>
-      </p:sp>
-      <p:sp>
-        <p:nvSpPr>
-          <p:cNvPr id="119" name="PlaceHolder 5"/>
-          <p:cNvSpPr>
-            <a:spLocks noGrp="1"/>
-          </p:cNvSpPr>
-          <p:nvPr>
-            <p:ph/>
-          </p:nvPr>
-        </p:nvSpPr>
-        <p:spPr>
-          <a:xfrm>
-            <a:off x="609480" y="3682080"/>
-            <a:ext cx="3533040" cy="1896840"/>
-          </a:xfrm>
-          <a:prstGeom prst="rect">
-            <a:avLst/>
-          </a:prstGeom>
-          <a:noFill/>
-          <a:ln w="0">
-            <a:noFill/>
-          </a:ln>
-        </p:spPr>
-        <p:txBody>
-          <a:bodyPr lIns="0" tIns="0" rIns="0" bIns="0" anchor="t">
-            <a:normAutofit/>
-          </a:bodyPr>
-          <a:lstStyle/>
-          <a:p>
-            <a:pPr>
-              <a:lnSpc>
-                <a:spcPct val="90000"/>
-              </a:lnSpc>
-              <a:spcBef>
-                <a:spcPts val="1417"/>
-              </a:spcBef>
-              <a:buNone/>
-            </a:pPr>
-            <a:endParaRPr lang="en-US" sz="2800" b="0" strike="noStrike" spc="-1">
-              <a:solidFill>
-                <a:srgbClr val="000000"/>
-              </a:solidFill>
-              <a:latin typeface="Calibri"/>
-            </a:endParaRPr>
-          </a:p>
-        </p:txBody>
-      </p:sp>
-      <p:sp>
-        <p:nvSpPr>
-          <p:cNvPr id="120" name="PlaceHolder 6"/>
-          <p:cNvSpPr>
-            <a:spLocks noGrp="1"/>
-          </p:cNvSpPr>
-          <p:nvPr>
-            <p:ph/>
-          </p:nvPr>
-        </p:nvSpPr>
-        <p:spPr>
-          <a:xfrm>
-            <a:off x="4319640" y="3682080"/>
-            <a:ext cx="3533040" cy="1896840"/>
-          </a:xfrm>
-          <a:prstGeom prst="rect">
-            <a:avLst/>
-          </a:prstGeom>
-          <a:noFill/>
-          <a:ln w="0">
-            <a:noFill/>
-          </a:ln>
-        </p:spPr>
-        <p:txBody>
-          <a:bodyPr lIns="0" tIns="0" rIns="0" bIns="0" anchor="t">
-            <a:normAutofit/>
-          </a:bodyPr>
-          <a:lstStyle/>
-          <a:p>
-            <a:pPr>
-              <a:lnSpc>
-                <a:spcPct val="90000"/>
-              </a:lnSpc>
-              <a:spcBef>
-                <a:spcPts val="1417"/>
-              </a:spcBef>
-              <a:buNone/>
-            </a:pPr>
-            <a:endParaRPr lang="en-US" sz="2800" b="0" strike="noStrike" spc="-1">
-              <a:solidFill>
-                <a:srgbClr val="000000"/>
-              </a:solidFill>
-              <a:latin typeface="Calibri"/>
-            </a:endParaRPr>
-          </a:p>
-        </p:txBody>
-      </p:sp>
-      <p:sp>
-        <p:nvSpPr>
-          <p:cNvPr id="121" name="PlaceHolder 7"/>
-          <p:cNvSpPr>
-            <a:spLocks noGrp="1"/>
-          </p:cNvSpPr>
-          <p:nvPr>
-            <p:ph/>
-          </p:nvPr>
-        </p:nvSpPr>
-        <p:spPr>
-          <a:xfrm>
-            <a:off x="8029800" y="3682080"/>
-            <a:ext cx="3533040" cy="1896840"/>
           </a:xfrm>
           <a:prstGeom prst="rect">
             <a:avLst/>
@@ -8455,623 +6720,6 @@
 </p:sldMaster>
 </file>
 
-<file path=ppt/slideMasters/slideMaster3.xml><?xml version="1.0" encoding="utf-8"?>
-<p:sldMaster xmlns:a="http://schemas.openxmlformats.org/drawingml/2006/main" xmlns:r="http://schemas.openxmlformats.org/officeDocument/2006/relationships" xmlns:p="http://schemas.openxmlformats.org/presentationml/2006/main">
-  <p:cSld>
-    <p:bg>
-      <p:bgPr>
-        <a:solidFill>
-          <a:srgbClr val="FFFFFF"/>
-        </a:solidFill>
-        <a:effectLst/>
-      </p:bgPr>
-    </p:bg>
-    <p:spTree>
-      <p:nvGrpSpPr>
-        <p:cNvPr id="1" name=""/>
-        <p:cNvGrpSpPr/>
-        <p:nvPr/>
-      </p:nvGrpSpPr>
-      <p:grpSpPr>
-        <a:xfrm>
-          <a:off x="0" y="0"/>
-          <a:ext cx="0" cy="0"/>
-          <a:chOff x="0" y="0"/>
-          <a:chExt cx="0" cy="0"/>
-        </a:xfrm>
-      </p:grpSpPr>
-      <p:pic>
-        <p:nvPicPr>
-          <p:cNvPr id="82" name="Grafik 6"/>
-          <p:cNvPicPr/>
-          <p:nvPr/>
-        </p:nvPicPr>
-        <p:blipFill>
-          <a:blip r:embed="rId14"/>
-          <a:stretch/>
-        </p:blipFill>
-        <p:spPr>
-          <a:xfrm>
-            <a:off x="0" y="0"/>
-            <a:ext cx="12250440" cy="6890760"/>
-          </a:xfrm>
-          <a:prstGeom prst="rect">
-            <a:avLst/>
-          </a:prstGeom>
-          <a:ln w="0">
-            <a:noFill/>
-          </a:ln>
-        </p:spPr>
-      </p:pic>
-      <p:pic>
-        <p:nvPicPr>
-          <p:cNvPr id="83" name="Grafik 2"/>
-          <p:cNvPicPr/>
-          <p:nvPr/>
-        </p:nvPicPr>
-        <p:blipFill>
-          <a:blip r:embed="rId15"/>
-          <a:stretch/>
-        </p:blipFill>
-        <p:spPr>
-          <a:xfrm>
-            <a:off x="0" y="0"/>
-            <a:ext cx="12240360" cy="6885000"/>
-          </a:xfrm>
-          <a:prstGeom prst="rect">
-            <a:avLst/>
-          </a:prstGeom>
-          <a:ln w="0">
-            <a:noFill/>
-          </a:ln>
-        </p:spPr>
-      </p:pic>
-      <p:sp>
-        <p:nvSpPr>
-          <p:cNvPr id="84" name="PlaceHolder 1"/>
-          <p:cNvSpPr>
-            <a:spLocks noGrp="1"/>
-          </p:cNvSpPr>
-          <p:nvPr>
-            <p:ph type="title"/>
-          </p:nvPr>
-        </p:nvSpPr>
-        <p:spPr>
-          <a:xfrm>
-            <a:off x="609480" y="273600"/>
-            <a:ext cx="10972440" cy="1144800"/>
-          </a:xfrm>
-          <a:prstGeom prst="rect">
-            <a:avLst/>
-          </a:prstGeom>
-          <a:noFill/>
-          <a:ln w="0">
-            <a:noFill/>
-          </a:ln>
-        </p:spPr>
-        <p:txBody>
-          <a:bodyPr lIns="0" tIns="0" rIns="0" bIns="0" anchor="ctr">
-            <a:noAutofit/>
-          </a:bodyPr>
-          <a:lstStyle/>
-          <a:p>
-            <a:r>
-              <a:rPr lang="en-US" sz="1800" b="0" strike="noStrike" spc="-1">
-                <a:solidFill>
-                  <a:srgbClr val="000000"/>
-                </a:solidFill>
-                <a:latin typeface="Calibri"/>
-              </a:rPr>
-              <a:t>Click to edit the title text format</a:t>
-            </a:r>
-          </a:p>
-        </p:txBody>
-      </p:sp>
-      <p:sp>
-        <p:nvSpPr>
-          <p:cNvPr id="85" name="PlaceHolder 2"/>
-          <p:cNvSpPr>
-            <a:spLocks noGrp="1"/>
-          </p:cNvSpPr>
-          <p:nvPr>
-            <p:ph type="body"/>
-          </p:nvPr>
-        </p:nvSpPr>
-        <p:spPr>
-          <a:xfrm>
-            <a:off x="609480" y="1604520"/>
-            <a:ext cx="10972440" cy="3977280"/>
-          </a:xfrm>
-          <a:prstGeom prst="rect">
-            <a:avLst/>
-          </a:prstGeom>
-          <a:noFill/>
-          <a:ln w="0">
-            <a:noFill/>
-          </a:ln>
-        </p:spPr>
-        <p:txBody>
-          <a:bodyPr lIns="0" tIns="0" rIns="0" bIns="0" anchor="t">
-            <a:normAutofit/>
-          </a:bodyPr>
-          <a:lstStyle/>
-          <a:p>
-            <a:pPr marL="432000" indent="-324000">
-              <a:lnSpc>
-                <a:spcPct val="90000"/>
-              </a:lnSpc>
-              <a:spcBef>
-                <a:spcPts val="1417"/>
-              </a:spcBef>
-              <a:buClr>
-                <a:srgbClr val="000000"/>
-              </a:buClr>
-              <a:buSzPct val="45000"/>
-              <a:buFont typeface="Wingdings" charset="2"/>
-              <a:buChar char=""/>
-            </a:pPr>
-            <a:r>
-              <a:rPr lang="en-US" sz="2800" b="0" strike="noStrike" spc="-1">
-                <a:solidFill>
-                  <a:srgbClr val="000000"/>
-                </a:solidFill>
-                <a:latin typeface="Calibri"/>
-              </a:rPr>
-              <a:t>Click to edit the outline text format</a:t>
-            </a:r>
-          </a:p>
-          <a:p>
-            <a:pPr marL="864000" lvl="1" indent="-324000">
-              <a:lnSpc>
-                <a:spcPct val="90000"/>
-              </a:lnSpc>
-              <a:spcBef>
-                <a:spcPts val="1134"/>
-              </a:spcBef>
-              <a:buClr>
-                <a:srgbClr val="000000"/>
-              </a:buClr>
-              <a:buSzPct val="75000"/>
-              <a:buFont typeface="Symbol" charset="2"/>
-              <a:buChar char=""/>
-            </a:pPr>
-            <a:r>
-              <a:rPr lang="en-US" sz="2000" b="0" strike="noStrike" spc="-1">
-                <a:solidFill>
-                  <a:srgbClr val="000000"/>
-                </a:solidFill>
-                <a:latin typeface="Calibri"/>
-              </a:rPr>
-              <a:t>Second Outline Level</a:t>
-            </a:r>
-          </a:p>
-          <a:p>
-            <a:pPr marL="1296000" lvl="2" indent="-288000">
-              <a:lnSpc>
-                <a:spcPct val="90000"/>
-              </a:lnSpc>
-              <a:spcBef>
-                <a:spcPts val="850"/>
-              </a:spcBef>
-              <a:buClr>
-                <a:srgbClr val="000000"/>
-              </a:buClr>
-              <a:buSzPct val="45000"/>
-              <a:buFont typeface="Wingdings" charset="2"/>
-              <a:buChar char=""/>
-            </a:pPr>
-            <a:r>
-              <a:rPr lang="en-US" sz="1800" b="0" strike="noStrike" spc="-1">
-                <a:solidFill>
-                  <a:srgbClr val="000000"/>
-                </a:solidFill>
-                <a:latin typeface="Calibri"/>
-              </a:rPr>
-              <a:t>Third Outline Level</a:t>
-            </a:r>
-          </a:p>
-          <a:p>
-            <a:pPr marL="1728000" lvl="3" indent="-216000">
-              <a:lnSpc>
-                <a:spcPct val="90000"/>
-              </a:lnSpc>
-              <a:spcBef>
-                <a:spcPts val="567"/>
-              </a:spcBef>
-              <a:buClr>
-                <a:srgbClr val="000000"/>
-              </a:buClr>
-              <a:buSzPct val="75000"/>
-              <a:buFont typeface="Symbol" charset="2"/>
-              <a:buChar char=""/>
-            </a:pPr>
-            <a:r>
-              <a:rPr lang="en-US" sz="1800" b="0" strike="noStrike" spc="-1">
-                <a:solidFill>
-                  <a:srgbClr val="000000"/>
-                </a:solidFill>
-                <a:latin typeface="Calibri"/>
-              </a:rPr>
-              <a:t>Fourth Outline Level</a:t>
-            </a:r>
-          </a:p>
-          <a:p>
-            <a:pPr marL="2160000" lvl="4" indent="-216000">
-              <a:lnSpc>
-                <a:spcPct val="90000"/>
-              </a:lnSpc>
-              <a:spcBef>
-                <a:spcPts val="283"/>
-              </a:spcBef>
-              <a:buClr>
-                <a:srgbClr val="000000"/>
-              </a:buClr>
-              <a:buSzPct val="45000"/>
-              <a:buFont typeface="Wingdings" charset="2"/>
-              <a:buChar char=""/>
-            </a:pPr>
-            <a:r>
-              <a:rPr lang="en-US" sz="2000" b="0" strike="noStrike" spc="-1">
-                <a:solidFill>
-                  <a:srgbClr val="000000"/>
-                </a:solidFill>
-                <a:latin typeface="Calibri"/>
-              </a:rPr>
-              <a:t>Fifth Outline Level</a:t>
-            </a:r>
-          </a:p>
-          <a:p>
-            <a:pPr marL="2592000" lvl="5" indent="-216000">
-              <a:lnSpc>
-                <a:spcPct val="90000"/>
-              </a:lnSpc>
-              <a:spcBef>
-                <a:spcPts val="283"/>
-              </a:spcBef>
-              <a:buClr>
-                <a:srgbClr val="000000"/>
-              </a:buClr>
-              <a:buSzPct val="45000"/>
-              <a:buFont typeface="Wingdings" charset="2"/>
-              <a:buChar char=""/>
-            </a:pPr>
-            <a:r>
-              <a:rPr lang="en-US" sz="2000" b="0" strike="noStrike" spc="-1">
-                <a:solidFill>
-                  <a:srgbClr val="000000"/>
-                </a:solidFill>
-                <a:latin typeface="Calibri"/>
-              </a:rPr>
-              <a:t>Sixth Outline Level</a:t>
-            </a:r>
-          </a:p>
-          <a:p>
-            <a:pPr marL="3024000" lvl="6" indent="-216000">
-              <a:lnSpc>
-                <a:spcPct val="90000"/>
-              </a:lnSpc>
-              <a:spcBef>
-                <a:spcPts val="283"/>
-              </a:spcBef>
-              <a:buClr>
-                <a:srgbClr val="000000"/>
-              </a:buClr>
-              <a:buSzPct val="45000"/>
-              <a:buFont typeface="Wingdings" charset="2"/>
-              <a:buChar char=""/>
-            </a:pPr>
-            <a:r>
-              <a:rPr lang="en-US" sz="2000" b="0" strike="noStrike" spc="-1">
-                <a:solidFill>
-                  <a:srgbClr val="000000"/>
-                </a:solidFill>
-                <a:latin typeface="Calibri"/>
-              </a:rPr>
-              <a:t>Seventh Outline Level</a:t>
-            </a:r>
-          </a:p>
-        </p:txBody>
-      </p:sp>
-    </p:spTree>
-  </p:cSld>
-  <p:clrMap bg1="lt1" tx1="dk1" bg2="lt2" tx2="dk2" accent1="accent1" accent2="accent2" accent3="accent3" accent4="accent4" accent5="accent5" accent6="accent6" hlink="hlink" folHlink="folHlink"/>
-  <p:sldLayoutIdLst>
-    <p:sldLayoutId id="2147483675" r:id="rId1"/>
-    <p:sldLayoutId id="2147483676" r:id="rId2"/>
-    <p:sldLayoutId id="2147483677" r:id="rId3"/>
-    <p:sldLayoutId id="2147483678" r:id="rId4"/>
-    <p:sldLayoutId id="2147483679" r:id="rId5"/>
-    <p:sldLayoutId id="2147483680" r:id="rId6"/>
-    <p:sldLayoutId id="2147483681" r:id="rId7"/>
-    <p:sldLayoutId id="2147483682" r:id="rId8"/>
-    <p:sldLayoutId id="2147483683" r:id="rId9"/>
-    <p:sldLayoutId id="2147483684" r:id="rId10"/>
-    <p:sldLayoutId id="2147483685" r:id="rId11"/>
-    <p:sldLayoutId id="2147483686" r:id="rId12"/>
-  </p:sldLayoutIdLst>
-  <p:txStyles>
-    <p:titleStyle>
-      <a:lvl1pPr algn="l" defTabSz="914400" rtl="0" eaLnBrk="1" latinLnBrk="0" hangingPunct="1">
-        <a:lnSpc>
-          <a:spcPct val="90000"/>
-        </a:lnSpc>
-        <a:spcBef>
-          <a:spcPct val="0"/>
-        </a:spcBef>
-        <a:buNone/>
-        <a:defRPr sz="4400" kern="1200">
-          <a:solidFill>
-            <a:schemeClr val="tx1"/>
-          </a:solidFill>
-          <a:latin typeface="+mj-lt"/>
-          <a:ea typeface="+mj-ea"/>
-          <a:cs typeface="+mj-cs"/>
-        </a:defRPr>
-      </a:lvl1pPr>
-    </p:titleStyle>
-    <p:bodyStyle>
-      <a:lvl1pPr marL="228600" indent="-228600" algn="l" defTabSz="914400" rtl="0" eaLnBrk="1" latinLnBrk="0" hangingPunct="1">
-        <a:lnSpc>
-          <a:spcPct val="90000"/>
-        </a:lnSpc>
-        <a:spcBef>
-          <a:spcPts val="1000"/>
-        </a:spcBef>
-        <a:buFont typeface="Arial" panose="020B0604020202020204" pitchFamily="34" charset="0"/>
-        <a:buChar char="•"/>
-        <a:defRPr sz="2800" kern="1200">
-          <a:solidFill>
-            <a:schemeClr val="tx1"/>
-          </a:solidFill>
-          <a:latin typeface="+mn-lt"/>
-          <a:ea typeface="+mn-ea"/>
-          <a:cs typeface="+mn-cs"/>
-        </a:defRPr>
-      </a:lvl1pPr>
-      <a:lvl2pPr marL="685800" indent="-228600" algn="l" defTabSz="914400" rtl="0" eaLnBrk="1" latinLnBrk="0" hangingPunct="1">
-        <a:lnSpc>
-          <a:spcPct val="90000"/>
-        </a:lnSpc>
-        <a:spcBef>
-          <a:spcPts val="500"/>
-        </a:spcBef>
-        <a:buFont typeface="Arial" panose="020B0604020202020204" pitchFamily="34" charset="0"/>
-        <a:buChar char="•"/>
-        <a:defRPr sz="2400" kern="1200">
-          <a:solidFill>
-            <a:schemeClr val="tx1"/>
-          </a:solidFill>
-          <a:latin typeface="+mn-lt"/>
-          <a:ea typeface="+mn-ea"/>
-          <a:cs typeface="+mn-cs"/>
-        </a:defRPr>
-      </a:lvl2pPr>
-      <a:lvl3pPr marL="1143000" indent="-228600" algn="l" defTabSz="914400" rtl="0" eaLnBrk="1" latinLnBrk="0" hangingPunct="1">
-        <a:lnSpc>
-          <a:spcPct val="90000"/>
-        </a:lnSpc>
-        <a:spcBef>
-          <a:spcPts val="500"/>
-        </a:spcBef>
-        <a:buFont typeface="Arial" panose="020B0604020202020204" pitchFamily="34" charset="0"/>
-        <a:buChar char="•"/>
-        <a:defRPr sz="2000" kern="1200">
-          <a:solidFill>
-            <a:schemeClr val="tx1"/>
-          </a:solidFill>
-          <a:latin typeface="+mn-lt"/>
-          <a:ea typeface="+mn-ea"/>
-          <a:cs typeface="+mn-cs"/>
-        </a:defRPr>
-      </a:lvl3pPr>
-      <a:lvl4pPr marL="1600200" indent="-228600" algn="l" defTabSz="914400" rtl="0" eaLnBrk="1" latinLnBrk="0" hangingPunct="1">
-        <a:lnSpc>
-          <a:spcPct val="90000"/>
-        </a:lnSpc>
-        <a:spcBef>
-          <a:spcPts val="500"/>
-        </a:spcBef>
-        <a:buFont typeface="Arial" panose="020B0604020202020204" pitchFamily="34" charset="0"/>
-        <a:buChar char="•"/>
-        <a:defRPr sz="1800" kern="1200">
-          <a:solidFill>
-            <a:schemeClr val="tx1"/>
-          </a:solidFill>
-          <a:latin typeface="+mn-lt"/>
-          <a:ea typeface="+mn-ea"/>
-          <a:cs typeface="+mn-cs"/>
-        </a:defRPr>
-      </a:lvl4pPr>
-      <a:lvl5pPr marL="2057400" indent="-228600" algn="l" defTabSz="914400" rtl="0" eaLnBrk="1" latinLnBrk="0" hangingPunct="1">
-        <a:lnSpc>
-          <a:spcPct val="90000"/>
-        </a:lnSpc>
-        <a:spcBef>
-          <a:spcPts val="500"/>
-        </a:spcBef>
-        <a:buFont typeface="Arial" panose="020B0604020202020204" pitchFamily="34" charset="0"/>
-        <a:buChar char="•"/>
-        <a:defRPr sz="1800" kern="1200">
-          <a:solidFill>
-            <a:schemeClr val="tx1"/>
-          </a:solidFill>
-          <a:latin typeface="+mn-lt"/>
-          <a:ea typeface="+mn-ea"/>
-          <a:cs typeface="+mn-cs"/>
-        </a:defRPr>
-      </a:lvl5pPr>
-      <a:lvl6pPr marL="2514600" indent="-228600" algn="l" defTabSz="914400" rtl="0" eaLnBrk="1" latinLnBrk="0" hangingPunct="1">
-        <a:lnSpc>
-          <a:spcPct val="90000"/>
-        </a:lnSpc>
-        <a:spcBef>
-          <a:spcPts val="500"/>
-        </a:spcBef>
-        <a:buFont typeface="Arial" panose="020B0604020202020204" pitchFamily="34" charset="0"/>
-        <a:buChar char="•"/>
-        <a:defRPr sz="1800" kern="1200">
-          <a:solidFill>
-            <a:schemeClr val="tx1"/>
-          </a:solidFill>
-          <a:latin typeface="+mn-lt"/>
-          <a:ea typeface="+mn-ea"/>
-          <a:cs typeface="+mn-cs"/>
-        </a:defRPr>
-      </a:lvl6pPr>
-      <a:lvl7pPr marL="2971800" indent="-228600" algn="l" defTabSz="914400" rtl="0" eaLnBrk="1" latinLnBrk="0" hangingPunct="1">
-        <a:lnSpc>
-          <a:spcPct val="90000"/>
-        </a:lnSpc>
-        <a:spcBef>
-          <a:spcPts val="500"/>
-        </a:spcBef>
-        <a:buFont typeface="Arial" panose="020B0604020202020204" pitchFamily="34" charset="0"/>
-        <a:buChar char="•"/>
-        <a:defRPr sz="1800" kern="1200">
-          <a:solidFill>
-            <a:schemeClr val="tx1"/>
-          </a:solidFill>
-          <a:latin typeface="+mn-lt"/>
-          <a:ea typeface="+mn-ea"/>
-          <a:cs typeface="+mn-cs"/>
-        </a:defRPr>
-      </a:lvl7pPr>
-      <a:lvl8pPr marL="3429000" indent="-228600" algn="l" defTabSz="914400" rtl="0" eaLnBrk="1" latinLnBrk="0" hangingPunct="1">
-        <a:lnSpc>
-          <a:spcPct val="90000"/>
-        </a:lnSpc>
-        <a:spcBef>
-          <a:spcPts val="500"/>
-        </a:spcBef>
-        <a:buFont typeface="Arial" panose="020B0604020202020204" pitchFamily="34" charset="0"/>
-        <a:buChar char="•"/>
-        <a:defRPr sz="1800" kern="1200">
-          <a:solidFill>
-            <a:schemeClr val="tx1"/>
-          </a:solidFill>
-          <a:latin typeface="+mn-lt"/>
-          <a:ea typeface="+mn-ea"/>
-          <a:cs typeface="+mn-cs"/>
-        </a:defRPr>
-      </a:lvl8pPr>
-      <a:lvl9pPr marL="3886200" indent="-228600" algn="l" defTabSz="914400" rtl="0" eaLnBrk="1" latinLnBrk="0" hangingPunct="1">
-        <a:lnSpc>
-          <a:spcPct val="90000"/>
-        </a:lnSpc>
-        <a:spcBef>
-          <a:spcPts val="500"/>
-        </a:spcBef>
-        <a:buFont typeface="Arial" panose="020B0604020202020204" pitchFamily="34" charset="0"/>
-        <a:buChar char="•"/>
-        <a:defRPr sz="1800" kern="1200">
-          <a:solidFill>
-            <a:schemeClr val="tx1"/>
-          </a:solidFill>
-          <a:latin typeface="+mn-lt"/>
-          <a:ea typeface="+mn-ea"/>
-          <a:cs typeface="+mn-cs"/>
-        </a:defRPr>
-      </a:lvl9pPr>
-    </p:bodyStyle>
-    <p:otherStyle>
-      <a:defPPr>
-        <a:defRPr lang="de-DE"/>
-      </a:defPPr>
-      <a:lvl1pPr marL="0" algn="l" defTabSz="914400" rtl="0" eaLnBrk="1" latinLnBrk="0" hangingPunct="1">
-        <a:defRPr sz="1800" kern="1200">
-          <a:solidFill>
-            <a:schemeClr val="tx1"/>
-          </a:solidFill>
-          <a:latin typeface="+mn-lt"/>
-          <a:ea typeface="+mn-ea"/>
-          <a:cs typeface="+mn-cs"/>
-        </a:defRPr>
-      </a:lvl1pPr>
-      <a:lvl2pPr marL="457200" algn="l" defTabSz="914400" rtl="0" eaLnBrk="1" latinLnBrk="0" hangingPunct="1">
-        <a:defRPr sz="1800" kern="1200">
-          <a:solidFill>
-            <a:schemeClr val="tx1"/>
-          </a:solidFill>
-          <a:latin typeface="+mn-lt"/>
-          <a:ea typeface="+mn-ea"/>
-          <a:cs typeface="+mn-cs"/>
-        </a:defRPr>
-      </a:lvl2pPr>
-      <a:lvl3pPr marL="914400" algn="l" defTabSz="914400" rtl="0" eaLnBrk="1" latinLnBrk="0" hangingPunct="1">
-        <a:defRPr sz="1800" kern="1200">
-          <a:solidFill>
-            <a:schemeClr val="tx1"/>
-          </a:solidFill>
-          <a:latin typeface="+mn-lt"/>
-          <a:ea typeface="+mn-ea"/>
-          <a:cs typeface="+mn-cs"/>
-        </a:defRPr>
-      </a:lvl3pPr>
-      <a:lvl4pPr marL="1371600" algn="l" defTabSz="914400" rtl="0" eaLnBrk="1" latinLnBrk="0" hangingPunct="1">
-        <a:defRPr sz="1800" kern="1200">
-          <a:solidFill>
-            <a:schemeClr val="tx1"/>
-          </a:solidFill>
-          <a:latin typeface="+mn-lt"/>
-          <a:ea typeface="+mn-ea"/>
-          <a:cs typeface="+mn-cs"/>
-        </a:defRPr>
-      </a:lvl4pPr>
-      <a:lvl5pPr marL="1828800" algn="l" defTabSz="914400" rtl="0" eaLnBrk="1" latinLnBrk="0" hangingPunct="1">
-        <a:defRPr sz="1800" kern="1200">
-          <a:solidFill>
-            <a:schemeClr val="tx1"/>
-          </a:solidFill>
-          <a:latin typeface="+mn-lt"/>
-          <a:ea typeface="+mn-ea"/>
-          <a:cs typeface="+mn-cs"/>
-        </a:defRPr>
-      </a:lvl5pPr>
-      <a:lvl6pPr marL="2286000" algn="l" defTabSz="914400" rtl="0" eaLnBrk="1" latinLnBrk="0" hangingPunct="1">
-        <a:defRPr sz="1800" kern="1200">
-          <a:solidFill>
-            <a:schemeClr val="tx1"/>
-          </a:solidFill>
-          <a:latin typeface="+mn-lt"/>
-          <a:ea typeface="+mn-ea"/>
-          <a:cs typeface="+mn-cs"/>
-        </a:defRPr>
-      </a:lvl6pPr>
-      <a:lvl7pPr marL="2743200" algn="l" defTabSz="914400" rtl="0" eaLnBrk="1" latinLnBrk="0" hangingPunct="1">
-        <a:defRPr sz="1800" kern="1200">
-          <a:solidFill>
-            <a:schemeClr val="tx1"/>
-          </a:solidFill>
-          <a:latin typeface="+mn-lt"/>
-          <a:ea typeface="+mn-ea"/>
-          <a:cs typeface="+mn-cs"/>
-        </a:defRPr>
-      </a:lvl7pPr>
-      <a:lvl8pPr marL="3200400" algn="l" defTabSz="914400" rtl="0" eaLnBrk="1" latinLnBrk="0" hangingPunct="1">
-        <a:defRPr sz="1800" kern="1200">
-          <a:solidFill>
-            <a:schemeClr val="tx1"/>
-          </a:solidFill>
-          <a:latin typeface="+mn-lt"/>
-          <a:ea typeface="+mn-ea"/>
-          <a:cs typeface="+mn-cs"/>
-        </a:defRPr>
-      </a:lvl8pPr>
-      <a:lvl9pPr marL="3657600" algn="l" defTabSz="914400" rtl="0" eaLnBrk="1" latinLnBrk="0" hangingPunct="1">
-        <a:defRPr sz="1800" kern="1200">
-          <a:solidFill>
-            <a:schemeClr val="tx1"/>
-          </a:solidFill>
-          <a:latin typeface="+mn-lt"/>
-          <a:ea typeface="+mn-ea"/>
-          <a:cs typeface="+mn-cs"/>
-        </a:defRPr>
-      </a:lvl9pPr>
-    </p:otherStyle>
-  </p:txStyles>
-</p:sldMaster>
-</file>
-
 <file path=ppt/slides/slide1.xml><?xml version="1.0" encoding="utf-8"?>
 <p:sld xmlns:a="http://schemas.openxmlformats.org/drawingml/2006/main" xmlns:r="http://schemas.openxmlformats.org/officeDocument/2006/relationships" xmlns:p="http://schemas.openxmlformats.org/presentationml/2006/main">
   <p:cSld>
@@ -9362,13 +7010,13 @@
   <p:clrMapOvr>
     <a:masterClrMapping/>
   </p:clrMapOvr>
-  <mc:AlternateContent xmlns:mc="http://schemas.openxmlformats.org/markup-compatibility/2006">
-    <mc:Choice xmlns:p159="http://schemas.microsoft.com/office/powerpoint/2015/09/main" Requires="p159">
+  <mc:AlternateContent xmlns:mc="http://schemas.openxmlformats.org/markup-compatibility/2006" xmlns:p159="http://schemas.microsoft.com/office/powerpoint/2015/09/main">
+    <mc:Choice Requires="p159">
       <p:transition xmlns:p14="http://schemas.microsoft.com/office/powerpoint/2010/main" spd="med" p14:dur="700">
         <p159:morph option="byObject"/>
       </p:transition>
     </mc:Choice>
-    <mc:Fallback>
+    <mc:Fallback xmlns="">
       <p:transition spd="med">
         <p:fade/>
       </p:transition>
@@ -9614,7 +7262,7 @@
                 </a:solidFill>
                 <a:latin typeface="Calibri"/>
               </a:rPr>
-              <a:t>11/04/24</a:t>
+              <a:t>13/04/24</a:t>
             </a:fld>
             <a:endParaRPr lang="en-US" sz="939" b="0" strike="noStrike" spc="-1">
               <a:latin typeface="Times New Roman"/>
@@ -10591,13 +8239,13 @@
   <p:clrMapOvr>
     <a:masterClrMapping/>
   </p:clrMapOvr>
-  <mc:AlternateContent xmlns:mc="http://schemas.openxmlformats.org/markup-compatibility/2006">
-    <mc:Choice xmlns:p159="http://schemas.microsoft.com/office/powerpoint/2015/09/main" Requires="p159">
+  <mc:AlternateContent xmlns:mc="http://schemas.openxmlformats.org/markup-compatibility/2006" xmlns:p159="http://schemas.microsoft.com/office/powerpoint/2015/09/main">
+    <mc:Choice Requires="p159">
       <p:transition xmlns:p14="http://schemas.microsoft.com/office/powerpoint/2010/main" spd="med" p14:dur="700">
         <p159:morph option="byObject"/>
       </p:transition>
     </mc:Choice>
-    <mc:Fallback>
+    <mc:Fallback xmlns="">
       <p:transition spd="med">
         <p:fade/>
       </p:transition>
@@ -10843,7 +8491,7 @@
                 </a:solidFill>
                 <a:latin typeface="Calibri"/>
               </a:rPr>
-              <a:t>11/04/24</a:t>
+              <a:t>13/04/24</a:t>
             </a:fld>
             <a:endParaRPr lang="en-US" sz="939" b="0" strike="noStrike" spc="-1">
               <a:latin typeface="Times New Roman"/>
@@ -11876,13 +9524,13 @@
   <p:clrMapOvr>
     <a:masterClrMapping/>
   </p:clrMapOvr>
-  <mc:AlternateContent xmlns:mc="http://schemas.openxmlformats.org/markup-compatibility/2006">
-    <mc:Choice xmlns:p159="http://schemas.microsoft.com/office/powerpoint/2015/09/main" Requires="p159">
+  <mc:AlternateContent xmlns:mc="http://schemas.openxmlformats.org/markup-compatibility/2006" xmlns:p159="http://schemas.microsoft.com/office/powerpoint/2015/09/main">
+    <mc:Choice Requires="p159">
       <p:transition xmlns:p14="http://schemas.microsoft.com/office/powerpoint/2010/main" spd="med" p14:dur="700">
         <p159:morph option="byObject"/>
       </p:transition>
     </mc:Choice>
-    <mc:Fallback>
+    <mc:Fallback xmlns="">
       <p:transition spd="med">
         <p:fade/>
       </p:transition>
@@ -12128,7 +9776,7 @@
                 </a:solidFill>
                 <a:latin typeface="Calibri"/>
               </a:rPr>
-              <a:t>11/04/24</a:t>
+              <a:t>13/04/24</a:t>
             </a:fld>
             <a:endParaRPr lang="en-US" sz="939" b="0" strike="noStrike" spc="-1">
               <a:latin typeface="Times New Roman"/>
@@ -13055,13 +10703,13 @@
   <p:clrMapOvr>
     <a:masterClrMapping/>
   </p:clrMapOvr>
-  <mc:AlternateContent xmlns:mc="http://schemas.openxmlformats.org/markup-compatibility/2006">
-    <mc:Choice xmlns:p159="http://schemas.microsoft.com/office/powerpoint/2015/09/main" Requires="p159">
+  <mc:AlternateContent xmlns:mc="http://schemas.openxmlformats.org/markup-compatibility/2006" xmlns:p159="http://schemas.microsoft.com/office/powerpoint/2015/09/main">
+    <mc:Choice Requires="p159">
       <p:transition xmlns:p14="http://schemas.microsoft.com/office/powerpoint/2010/main" spd="med" p14:dur="700">
         <p159:morph option="byObject"/>
       </p:transition>
     </mc:Choice>
-    <mc:Fallback>
+    <mc:Fallback xmlns="">
       <p:transition spd="med">
         <p:fade/>
       </p:transition>
@@ -13277,7 +10925,7 @@
                 </a:solidFill>
                 <a:latin typeface="Calibri"/>
               </a:rPr>
-              <a:t>11/04/24</a:t>
+              <a:t>13/04/24</a:t>
             </a:fld>
             <a:endParaRPr lang="en-US" sz="939" b="0" strike="noStrike" spc="-1">
               <a:latin typeface="Times New Roman"/>
@@ -14458,13 +12106,13 @@
   <p:clrMapOvr>
     <a:masterClrMapping/>
   </p:clrMapOvr>
-  <mc:AlternateContent xmlns:mc="http://schemas.openxmlformats.org/markup-compatibility/2006">
-    <mc:Choice xmlns:p159="http://schemas.microsoft.com/office/powerpoint/2015/09/main" Requires="p159">
+  <mc:AlternateContent xmlns:mc="http://schemas.openxmlformats.org/markup-compatibility/2006" xmlns:p159="http://schemas.microsoft.com/office/powerpoint/2015/09/main">
+    <mc:Choice Requires="p159">
       <p:transition xmlns:p14="http://schemas.microsoft.com/office/powerpoint/2010/main" spd="med" p14:dur="700">
         <p159:morph option="byObject"/>
       </p:transition>
     </mc:Choice>
-    <mc:Fallback>
+    <mc:Fallback xmlns="">
       <p:transition spd="med">
         <p:fade/>
       </p:transition>
@@ -14739,7 +12387,7 @@
                 </a:solidFill>
                 <a:latin typeface="Calibri"/>
               </a:rPr>
-              <a:t>11/04/24</a:t>
+              <a:t>13/04/24</a:t>
             </a:fld>
             <a:endParaRPr lang="en-US" sz="939" b="0" strike="noStrike" spc="-1">
               <a:latin typeface="Times New Roman"/>
@@ -15666,13 +13314,13 @@
   <p:clrMapOvr>
     <a:masterClrMapping/>
   </p:clrMapOvr>
-  <mc:AlternateContent xmlns:mc="http://schemas.openxmlformats.org/markup-compatibility/2006">
-    <mc:Choice xmlns:p159="http://schemas.microsoft.com/office/powerpoint/2015/09/main" Requires="p159">
+  <mc:AlternateContent xmlns:mc="http://schemas.openxmlformats.org/markup-compatibility/2006" xmlns:p159="http://schemas.microsoft.com/office/powerpoint/2015/09/main">
+    <mc:Choice Requires="p159">
       <p:transition xmlns:p14="http://schemas.microsoft.com/office/powerpoint/2010/main" spd="med" p14:dur="700">
         <p159:morph option="byObject"/>
       </p:transition>
     </mc:Choice>
-    <mc:Fallback>
+    <mc:Fallback xmlns="">
       <p:transition spd="med">
         <p:fade/>
       </p:transition>
@@ -15888,7 +13536,7 @@
                 </a:solidFill>
                 <a:latin typeface="Calibri"/>
               </a:rPr>
-              <a:t>11/04/24</a:t>
+              <a:t>13/04/24</a:t>
             </a:fld>
             <a:endParaRPr lang="en-US" sz="939" b="0" strike="noStrike" spc="-1">
               <a:latin typeface="Times New Roman"/>
@@ -16922,13 +14570,13 @@
   <p:clrMapOvr>
     <a:masterClrMapping/>
   </p:clrMapOvr>
-  <mc:AlternateContent xmlns:mc="http://schemas.openxmlformats.org/markup-compatibility/2006">
-    <mc:Choice xmlns:p159="http://schemas.microsoft.com/office/powerpoint/2015/09/main" Requires="p159">
+  <mc:AlternateContent xmlns:mc="http://schemas.openxmlformats.org/markup-compatibility/2006" xmlns:p159="http://schemas.microsoft.com/office/powerpoint/2015/09/main">
+    <mc:Choice Requires="p159">
       <p:transition xmlns:p14="http://schemas.microsoft.com/office/powerpoint/2010/main" spd="med" p14:dur="700">
         <p159:morph option="byObject"/>
       </p:transition>
     </mc:Choice>
-    <mc:Fallback>
+    <mc:Fallback xmlns="">
       <p:transition spd="med">
         <p:fade/>
       </p:transition>
@@ -17144,7 +14792,7 @@
                 </a:solidFill>
                 <a:latin typeface="Calibri"/>
               </a:rPr>
-              <a:t>11/04/24</a:t>
+              <a:t>13/04/24</a:t>
             </a:fld>
             <a:endParaRPr lang="en-US" sz="939" b="0" strike="noStrike" spc="-1">
               <a:latin typeface="Times New Roman"/>
@@ -18212,13 +15860,13 @@
   <p:clrMapOvr>
     <a:masterClrMapping/>
   </p:clrMapOvr>
-  <mc:AlternateContent xmlns:mc="http://schemas.openxmlformats.org/markup-compatibility/2006">
-    <mc:Choice xmlns:p159="http://schemas.microsoft.com/office/powerpoint/2015/09/main" Requires="p159">
+  <mc:AlternateContent xmlns:mc="http://schemas.openxmlformats.org/markup-compatibility/2006" xmlns:p159="http://schemas.microsoft.com/office/powerpoint/2015/09/main">
+    <mc:Choice Requires="p159">
       <p:transition xmlns:p14="http://schemas.microsoft.com/office/powerpoint/2010/main" spd="med" p14:dur="700">
         <p159:morph option="byObject"/>
       </p:transition>
     </mc:Choice>
-    <mc:Fallback>
+    <mc:Fallback xmlns="">
       <p:transition spd="med">
         <p:fade/>
       </p:transition>
@@ -18434,7 +16082,7 @@
                 </a:solidFill>
                 <a:latin typeface="Calibri"/>
               </a:rPr>
-              <a:t>11/04/24</a:t>
+              <a:t>13/04/24</a:t>
             </a:fld>
             <a:endParaRPr lang="en-US" sz="939" b="0" strike="noStrike" spc="-1">
               <a:latin typeface="Times New Roman"/>
@@ -19381,13 +17029,13 @@
   <p:clrMapOvr>
     <a:masterClrMapping/>
   </p:clrMapOvr>
-  <mc:AlternateContent xmlns:mc="http://schemas.openxmlformats.org/markup-compatibility/2006">
-    <mc:Choice xmlns:p159="http://schemas.microsoft.com/office/powerpoint/2015/09/main" Requires="p159">
+  <mc:AlternateContent xmlns:mc="http://schemas.openxmlformats.org/markup-compatibility/2006" xmlns:p159="http://schemas.microsoft.com/office/powerpoint/2015/09/main">
+    <mc:Choice Requires="p159">
       <p:transition xmlns:p14="http://schemas.microsoft.com/office/powerpoint/2010/main" spd="med" p14:dur="700">
         <p159:morph option="byObject"/>
       </p:transition>
     </mc:Choice>
-    <mc:Fallback>
+    <mc:Fallback xmlns="">
       <p:transition spd="med">
         <p:fade/>
       </p:transition>
@@ -19603,7 +17251,7 @@
                 </a:solidFill>
                 <a:latin typeface="Calibri"/>
               </a:rPr>
-              <a:t>11/04/24</a:t>
+              <a:t>13/04/24</a:t>
             </a:fld>
             <a:endParaRPr lang="en-US" sz="939" b="0" strike="noStrike" spc="-1">
               <a:latin typeface="Times New Roman"/>
@@ -20522,1176 +18170,115 @@
       </p:grpSp>
       <p:grpSp>
         <p:nvGrpSpPr>
-          <p:cNvPr id="431" name="Gruppieren 6"/>
+          <p:cNvPr id="2" name="Gruppieren 1">
+            <a:extLst>
+              <a:ext uri="{FF2B5EF4-FFF2-40B4-BE49-F238E27FC236}">
+                <a16:creationId xmlns:a16="http://schemas.microsoft.com/office/drawing/2014/main" id="{8070785F-468E-A4B3-BB02-3777B46DF60C}"/>
+              </a:ext>
+            </a:extLst>
+          </p:cNvPr>
           <p:cNvGrpSpPr/>
           <p:nvPr/>
         </p:nvGrpSpPr>
         <p:grpSpPr>
           <a:xfrm>
-            <a:off x="540360" y="1457280"/>
-            <a:ext cx="11226600" cy="4565927"/>
-            <a:chOff x="540360" y="1457280"/>
-            <a:chExt cx="11226600" cy="4565927"/>
+            <a:off x="316876" y="2428265"/>
+            <a:ext cx="11558248" cy="3504118"/>
+            <a:chOff x="430552" y="3507571"/>
+            <a:chExt cx="11328540" cy="2333371"/>
           </a:xfrm>
         </p:grpSpPr>
         <p:sp>
           <p:nvSpPr>
-            <p:cNvPr id="432" name="OTLSHAPE_TB_00000000000000000000000000000000_RightEndCaps"/>
-            <p:cNvSpPr/>
-            <p:nvPr/>
+            <p:cNvPr id="3" name="OTLSHAPE_TB_00000000000000000000000000000000_RightEndCaps">
+              <a:extLst>
+                <a:ext uri="{FF2B5EF4-FFF2-40B4-BE49-F238E27FC236}">
+                  <a16:creationId xmlns:a16="http://schemas.microsoft.com/office/drawing/2014/main" id="{CC7A6249-2DB4-B8C9-D91F-E908B093EC5A}"/>
+                </a:ext>
+              </a:extLst>
+            </p:cNvPr>
+            <p:cNvSpPr txBox="1"/>
+            <p:nvPr>
+              <p:custDataLst>
+                <p:tags r:id="rId1"/>
+              </p:custDataLst>
+            </p:nvPr>
           </p:nvSpPr>
           <p:spPr>
             <a:xfrm>
-              <a:off x="11172600" y="5175360"/>
-              <a:ext cx="447120" cy="275040"/>
+              <a:off x="11060621" y="5303689"/>
+              <a:ext cx="451662" cy="279061"/>
             </a:xfrm>
             <a:prstGeom prst="rect">
               <a:avLst/>
             </a:prstGeom>
             <a:noFill/>
-            <a:ln w="0">
-              <a:noFill/>
-            </a:ln>
           </p:spPr>
-          <p:style>
-            <a:lnRef idx="0">
-              <a:scrgbClr r="0" g="0" b="0"/>
-            </a:lnRef>
-            <a:fillRef idx="0">
-              <a:scrgbClr r="0" g="0" b="0"/>
-            </a:fillRef>
-            <a:effectRef idx="0">
-              <a:scrgbClr r="0" g="0" b="0"/>
-            </a:effectRef>
-            <a:fontRef idx="minor"/>
-          </p:style>
           <p:txBody>
-            <a:bodyPr wrap="none" lIns="0" tIns="0" rIns="0" bIns="0" anchor="ctr">
+            <a:bodyPr vert="horz" wrap="none" lIns="0" tIns="0" rIns="0" bIns="0" rtlCol="0" anchor="ctr" anchorCtr="0">
               <a:spAutoFit/>
             </a:bodyPr>
             <a:lstStyle/>
             <a:p>
-              <a:pPr algn="ctr">
-                <a:lnSpc>
-                  <a:spcPct val="100000"/>
-                </a:lnSpc>
-                <a:buNone/>
-              </a:pPr>
+              <a:pPr algn="ctr"/>
               <a:r>
-                <a:rPr lang="de-AT" sz="1800" b="1" strike="noStrike" spc="-46">
+                <a:rPr lang="de-AT" b="1" spc="-44">
                   <a:solidFill>
                     <a:srgbClr val="ED7D31"/>
                   </a:solidFill>
-                  <a:latin typeface="Calibri"/>
+                  <a:latin typeface="Calibri" panose="020F0502020204030204" pitchFamily="34" charset="0"/>
                 </a:rPr>
                 <a:t>2024</a:t>
               </a:r>
-              <a:endParaRPr lang="en-US" sz="1800" b="0" strike="noStrike" spc="-1">
-                <a:latin typeface="Arial"/>
-              </a:endParaRPr>
             </a:p>
           </p:txBody>
         </p:sp>
         <p:sp>
           <p:nvSpPr>
-            <p:cNvPr id="433" name="OTLSHAPE_T_176d48038d834789a1f5a6cedab58b18_LeftVerticalConnector1"/>
+            <p:cNvPr id="4" name="OTLSHAPE_TB_00000000000000000000000000000000_ScaleContainer">
+              <a:extLst>
+                <a:ext uri="{FF2B5EF4-FFF2-40B4-BE49-F238E27FC236}">
+                  <a16:creationId xmlns:a16="http://schemas.microsoft.com/office/drawing/2014/main" id="{76157538-D198-F3D6-84A4-4B822975A71F}"/>
+                </a:ext>
+              </a:extLst>
+            </p:cNvPr>
             <p:cNvSpPr/>
-            <p:nvPr/>
+            <p:nvPr>
+              <p:custDataLst>
+                <p:tags r:id="rId2"/>
+              </p:custDataLst>
+            </p:nvPr>
           </p:nvSpPr>
           <p:spPr>
             <a:xfrm>
-              <a:off x="2418120" y="1868040"/>
-              <a:ext cx="360" cy="173520"/>
+              <a:off x="430552" y="5316220"/>
+              <a:ext cx="10515600" cy="254000"/>
             </a:xfrm>
-            <a:prstGeom prst="line">
-              <a:avLst/>
-            </a:prstGeom>
-            <a:ln>
-              <a:solidFill>
-                <a:srgbClr val="CCCCCC"/>
-              </a:solidFill>
-            </a:ln>
-          </p:spPr>
-          <p:style>
-            <a:lnRef idx="1">
-              <a:schemeClr val="accent1"/>
-            </a:lnRef>
-            <a:fillRef idx="0">
-              <a:schemeClr val="accent1"/>
-            </a:fillRef>
-            <a:effectRef idx="0">
-              <a:schemeClr val="accent1"/>
-            </a:effectRef>
-            <a:fontRef idx="minor"/>
-          </p:style>
-          <p:txBody>
-            <a:bodyPr/>
-            <a:lstStyle/>
-            <a:p>
-              <a:endParaRPr lang="de-AT"/>
-            </a:p>
-          </p:txBody>
-        </p:sp>
-        <p:sp>
-          <p:nvSpPr>
-            <p:cNvPr id="434" name="OTLSHAPE_T_176d48038d834789a1f5a6cedab58b18_LeftVerticalConnector2"/>
-            <p:cNvSpPr/>
-            <p:nvPr/>
-          </p:nvSpPr>
-          <p:spPr>
-            <a:xfrm>
-              <a:off x="2418120" y="2292480"/>
-              <a:ext cx="360" cy="2740320"/>
-            </a:xfrm>
-            <a:prstGeom prst="line">
-              <a:avLst/>
-            </a:prstGeom>
-            <a:ln>
-              <a:solidFill>
-                <a:srgbClr val="CCCCCC"/>
-              </a:solidFill>
-            </a:ln>
-          </p:spPr>
-          <p:style>
-            <a:lnRef idx="1">
-              <a:schemeClr val="accent1"/>
-            </a:lnRef>
-            <a:fillRef idx="0">
-              <a:schemeClr val="accent1"/>
-            </a:fillRef>
-            <a:effectRef idx="0">
-              <a:schemeClr val="accent1"/>
-            </a:effectRef>
-            <a:fontRef idx="minor"/>
-          </p:style>
-          <p:txBody>
-            <a:bodyPr/>
-            <a:lstStyle/>
-            <a:p>
-              <a:endParaRPr lang="de-AT"/>
-            </a:p>
-          </p:txBody>
-        </p:sp>
-        <p:sp>
-          <p:nvSpPr>
-            <p:cNvPr id="435" name="OTLSHAPE_T_176d48038d834789a1f5a6cedab58b18_RightVerticalConnector1"/>
-            <p:cNvSpPr/>
-            <p:nvPr/>
-          </p:nvSpPr>
-          <p:spPr>
-            <a:xfrm>
-              <a:off x="3252600" y="1868040"/>
-              <a:ext cx="360" cy="93240"/>
-            </a:xfrm>
-            <a:prstGeom prst="line">
-              <a:avLst/>
-            </a:prstGeom>
-            <a:ln>
-              <a:solidFill>
-                <a:srgbClr val="CCCCCC"/>
-              </a:solidFill>
-            </a:ln>
-          </p:spPr>
-          <p:style>
-            <a:lnRef idx="1">
-              <a:schemeClr val="accent1"/>
-            </a:lnRef>
-            <a:fillRef idx="0">
-              <a:schemeClr val="accent1"/>
-            </a:fillRef>
-            <a:effectRef idx="0">
-              <a:schemeClr val="accent1"/>
-            </a:effectRef>
-            <a:fontRef idx="minor"/>
-          </p:style>
-          <p:txBody>
-            <a:bodyPr/>
-            <a:lstStyle/>
-            <a:p>
-              <a:endParaRPr lang="de-AT"/>
-            </a:p>
-          </p:txBody>
-        </p:sp>
-        <p:sp>
-          <p:nvSpPr>
-            <p:cNvPr id="436" name="OTLSHAPE_T_176d48038d834789a1f5a6cedab58b18_RightVerticalConnector2"/>
-            <p:cNvSpPr/>
-            <p:nvPr/>
-          </p:nvSpPr>
-          <p:spPr>
-            <a:xfrm>
-              <a:off x="3252600" y="2372400"/>
-              <a:ext cx="360" cy="2660400"/>
-            </a:xfrm>
-            <a:prstGeom prst="line">
-              <a:avLst/>
-            </a:prstGeom>
-            <a:ln>
-              <a:solidFill>
-                <a:srgbClr val="CCCCCC"/>
-              </a:solidFill>
-            </a:ln>
-          </p:spPr>
-          <p:style>
-            <a:lnRef idx="1">
-              <a:schemeClr val="accent1"/>
-            </a:lnRef>
-            <a:fillRef idx="0">
-              <a:schemeClr val="accent1"/>
-            </a:fillRef>
-            <a:effectRef idx="0">
-              <a:schemeClr val="accent1"/>
-            </a:effectRef>
-            <a:fontRef idx="minor"/>
-          </p:style>
-          <p:txBody>
-            <a:bodyPr/>
-            <a:lstStyle/>
-            <a:p>
-              <a:endParaRPr lang="de-AT"/>
-            </a:p>
-          </p:txBody>
-        </p:sp>
-        <p:sp>
-          <p:nvSpPr>
-            <p:cNvPr id="437" name="OTLSHAPE_T_1d4c38599d614477931637ed991196d0_LeftVerticalConnector1"/>
-            <p:cNvSpPr/>
-            <p:nvPr/>
-          </p:nvSpPr>
-          <p:spPr>
-            <a:xfrm>
-              <a:off x="2904840" y="2372400"/>
-              <a:ext cx="360" cy="2660400"/>
-            </a:xfrm>
-            <a:prstGeom prst="line">
-              <a:avLst/>
-            </a:prstGeom>
-            <a:ln>
-              <a:solidFill>
-                <a:srgbClr val="CCCCCC"/>
-              </a:solidFill>
-            </a:ln>
-          </p:spPr>
-          <p:style>
-            <a:lnRef idx="1">
-              <a:schemeClr val="accent1"/>
-            </a:lnRef>
-            <a:fillRef idx="0">
-              <a:schemeClr val="accent1"/>
-            </a:fillRef>
-            <a:effectRef idx="0">
-              <a:schemeClr val="accent1"/>
-            </a:effectRef>
-            <a:fontRef idx="minor"/>
-          </p:style>
-          <p:txBody>
-            <a:bodyPr/>
-            <a:lstStyle/>
-            <a:p>
-              <a:endParaRPr lang="de-AT"/>
-            </a:p>
-          </p:txBody>
-        </p:sp>
-        <p:sp>
-          <p:nvSpPr>
-            <p:cNvPr id="438" name="OTLSHAPE_T_1d4c38599d614477931637ed991196d0_RightVerticalConnector1"/>
-            <p:cNvSpPr/>
-            <p:nvPr/>
-          </p:nvSpPr>
-          <p:spPr>
-            <a:xfrm>
-              <a:off x="4087440" y="2372400"/>
-              <a:ext cx="360" cy="677880"/>
-            </a:xfrm>
-            <a:prstGeom prst="line">
-              <a:avLst/>
-            </a:prstGeom>
-            <a:ln>
-              <a:solidFill>
-                <a:srgbClr val="CCCCCC"/>
-              </a:solidFill>
-            </a:ln>
-          </p:spPr>
-          <p:style>
-            <a:lnRef idx="1">
-              <a:schemeClr val="accent1"/>
-            </a:lnRef>
-            <a:fillRef idx="0">
-              <a:schemeClr val="accent1"/>
-            </a:fillRef>
-            <a:effectRef idx="0">
-              <a:schemeClr val="accent1"/>
-            </a:effectRef>
-            <a:fontRef idx="minor"/>
-          </p:style>
-          <p:txBody>
-            <a:bodyPr/>
-            <a:lstStyle/>
-            <a:p>
-              <a:endParaRPr lang="de-AT"/>
-            </a:p>
-          </p:txBody>
-        </p:sp>
-        <p:sp>
-          <p:nvSpPr>
-            <p:cNvPr id="439" name="OTLSHAPE_T_1d4c38599d614477931637ed991196d0_RightVerticalConnector2"/>
-            <p:cNvSpPr/>
-            <p:nvPr/>
-          </p:nvSpPr>
-          <p:spPr>
-            <a:xfrm>
-              <a:off x="4087440" y="3301200"/>
-              <a:ext cx="360" cy="1731600"/>
-            </a:xfrm>
-            <a:prstGeom prst="line">
-              <a:avLst/>
-            </a:prstGeom>
-            <a:ln>
-              <a:solidFill>
-                <a:srgbClr val="CCCCCC"/>
-              </a:solidFill>
-            </a:ln>
-          </p:spPr>
-          <p:style>
-            <a:lnRef idx="1">
-              <a:schemeClr val="accent1"/>
-            </a:lnRef>
-            <a:fillRef idx="0">
-              <a:schemeClr val="accent1"/>
-            </a:fillRef>
-            <a:effectRef idx="0">
-              <a:schemeClr val="accent1"/>
-            </a:effectRef>
-            <a:fontRef idx="minor"/>
-          </p:style>
-          <p:txBody>
-            <a:bodyPr/>
-            <a:lstStyle/>
-            <a:p>
-              <a:endParaRPr lang="de-AT"/>
-            </a:p>
-          </p:txBody>
-        </p:sp>
-        <p:sp>
-          <p:nvSpPr>
-            <p:cNvPr id="440" name="OTLSHAPE_T_ffea28121313419c9bdf8dac859bd03c_LeftVerticalConnector1"/>
-            <p:cNvSpPr/>
-            <p:nvPr/>
-          </p:nvSpPr>
-          <p:spPr>
-            <a:xfrm>
-              <a:off x="4226400" y="2876760"/>
-              <a:ext cx="360" cy="173520"/>
-            </a:xfrm>
-            <a:prstGeom prst="line">
-              <a:avLst/>
-            </a:prstGeom>
-            <a:ln>
-              <a:solidFill>
-                <a:srgbClr val="CCCCCC"/>
-              </a:solidFill>
-            </a:ln>
-          </p:spPr>
-          <p:style>
-            <a:lnRef idx="1">
-              <a:schemeClr val="accent1"/>
-            </a:lnRef>
-            <a:fillRef idx="0">
-              <a:schemeClr val="accent1"/>
-            </a:fillRef>
-            <a:effectRef idx="0">
-              <a:schemeClr val="accent1"/>
-            </a:effectRef>
-            <a:fontRef idx="minor"/>
-          </p:style>
-          <p:txBody>
-            <a:bodyPr/>
-            <a:lstStyle/>
-            <a:p>
-              <a:endParaRPr lang="de-AT"/>
-            </a:p>
-          </p:txBody>
-        </p:sp>
-        <p:sp>
-          <p:nvSpPr>
-            <p:cNvPr id="441" name="OTLSHAPE_T_ffea28121313419c9bdf8dac859bd03c_LeftVerticalConnector2"/>
-            <p:cNvSpPr/>
-            <p:nvPr/>
-          </p:nvSpPr>
-          <p:spPr>
-            <a:xfrm>
-              <a:off x="4226400" y="3301200"/>
-              <a:ext cx="360" cy="1731600"/>
-            </a:xfrm>
-            <a:prstGeom prst="line">
-              <a:avLst/>
-            </a:prstGeom>
-            <a:ln>
-              <a:solidFill>
-                <a:srgbClr val="CCCCCC"/>
-              </a:solidFill>
-            </a:ln>
-          </p:spPr>
-          <p:style>
-            <a:lnRef idx="1">
-              <a:schemeClr val="accent1"/>
-            </a:lnRef>
-            <a:fillRef idx="0">
-              <a:schemeClr val="accent1"/>
-            </a:fillRef>
-            <a:effectRef idx="0">
-              <a:schemeClr val="accent1"/>
-            </a:effectRef>
-            <a:fontRef idx="minor"/>
-          </p:style>
-          <p:txBody>
-            <a:bodyPr/>
-            <a:lstStyle/>
-            <a:p>
-              <a:endParaRPr lang="de-AT"/>
-            </a:p>
-          </p:txBody>
-        </p:sp>
-        <p:sp>
-          <p:nvSpPr>
-            <p:cNvPr id="442" name="OTLSHAPE_T_ffea28121313419c9bdf8dac859bd03c_RightVerticalConnector1"/>
-            <p:cNvSpPr/>
-            <p:nvPr/>
-          </p:nvSpPr>
-          <p:spPr>
-            <a:xfrm>
-              <a:off x="5826240" y="2876760"/>
-              <a:ext cx="360" cy="185040"/>
-            </a:xfrm>
-            <a:prstGeom prst="line">
-              <a:avLst/>
-            </a:prstGeom>
-            <a:ln>
-              <a:solidFill>
-                <a:srgbClr val="CCCCCC"/>
-              </a:solidFill>
-            </a:ln>
-          </p:spPr>
-          <p:style>
-            <a:lnRef idx="1">
-              <a:schemeClr val="accent1"/>
-            </a:lnRef>
-            <a:fillRef idx="0">
-              <a:schemeClr val="accent1"/>
-            </a:fillRef>
-            <a:effectRef idx="0">
-              <a:schemeClr val="accent1"/>
-            </a:effectRef>
-            <a:fontRef idx="minor"/>
-          </p:style>
-          <p:txBody>
-            <a:bodyPr/>
-            <a:lstStyle/>
-            <a:p>
-              <a:endParaRPr lang="de-AT"/>
-            </a:p>
-          </p:txBody>
-        </p:sp>
-        <p:sp>
-          <p:nvSpPr>
-            <p:cNvPr id="443" name="OTLSHAPE_T_ffea28121313419c9bdf8dac859bd03c_RightVerticalConnector2"/>
-            <p:cNvSpPr/>
-            <p:nvPr/>
-          </p:nvSpPr>
-          <p:spPr>
-            <a:xfrm>
-              <a:off x="5826240" y="3289680"/>
-              <a:ext cx="360" cy="1216080"/>
-            </a:xfrm>
-            <a:prstGeom prst="line">
-              <a:avLst/>
-            </a:prstGeom>
-            <a:ln>
-              <a:solidFill>
-                <a:srgbClr val="CCCCCC"/>
-              </a:solidFill>
-            </a:ln>
-          </p:spPr>
-          <p:style>
-            <a:lnRef idx="1">
-              <a:schemeClr val="accent1"/>
-            </a:lnRef>
-            <a:fillRef idx="0">
-              <a:schemeClr val="accent1"/>
-            </a:fillRef>
-            <a:effectRef idx="0">
-              <a:schemeClr val="accent1"/>
-            </a:effectRef>
-            <a:fontRef idx="minor"/>
-          </p:style>
-          <p:txBody>
-            <a:bodyPr/>
-            <a:lstStyle/>
-            <a:p>
-              <a:endParaRPr lang="de-AT"/>
-            </a:p>
-          </p:txBody>
-        </p:sp>
-        <p:sp>
-          <p:nvSpPr>
-            <p:cNvPr id="444" name="OTLSHAPE_T_ffea28121313419c9bdf8dac859bd03c_RightVerticalConnector3"/>
-            <p:cNvSpPr/>
-            <p:nvPr/>
-          </p:nvSpPr>
-          <p:spPr>
-            <a:xfrm>
-              <a:off x="5826240" y="4916880"/>
-              <a:ext cx="360" cy="115920"/>
-            </a:xfrm>
-            <a:prstGeom prst="line">
-              <a:avLst/>
-            </a:prstGeom>
-            <a:ln>
-              <a:solidFill>
-                <a:srgbClr val="CCCCCC"/>
-              </a:solidFill>
-            </a:ln>
-          </p:spPr>
-          <p:style>
-            <a:lnRef idx="1">
-              <a:schemeClr val="accent1"/>
-            </a:lnRef>
-            <a:fillRef idx="0">
-              <a:schemeClr val="accent1"/>
-            </a:fillRef>
-            <a:effectRef idx="0">
-              <a:schemeClr val="accent1"/>
-            </a:effectRef>
-            <a:fontRef idx="minor"/>
-          </p:style>
-          <p:txBody>
-            <a:bodyPr/>
-            <a:lstStyle/>
-            <a:p>
-              <a:endParaRPr lang="de-AT"/>
-            </a:p>
-          </p:txBody>
-        </p:sp>
-        <p:sp>
-          <p:nvSpPr>
-            <p:cNvPr id="445" name="OTLSHAPE_T_f3f2b2e75ddd4029b5bdbcc76280ee9a_LeftVerticalConnector1"/>
-            <p:cNvSpPr/>
-            <p:nvPr/>
-          </p:nvSpPr>
-          <p:spPr>
-            <a:xfrm>
-              <a:off x="5130720" y="3381120"/>
-              <a:ext cx="360" cy="1124640"/>
-            </a:xfrm>
-            <a:prstGeom prst="line">
-              <a:avLst/>
-            </a:prstGeom>
-            <a:ln>
-              <a:solidFill>
-                <a:srgbClr val="CCCCCC"/>
-              </a:solidFill>
-            </a:ln>
-          </p:spPr>
-          <p:style>
-            <a:lnRef idx="1">
-              <a:schemeClr val="accent1"/>
-            </a:lnRef>
-            <a:fillRef idx="0">
-              <a:schemeClr val="accent1"/>
-            </a:fillRef>
-            <a:effectRef idx="0">
-              <a:schemeClr val="accent1"/>
-            </a:effectRef>
-            <a:fontRef idx="minor"/>
-          </p:style>
-          <p:txBody>
-            <a:bodyPr/>
-            <a:lstStyle/>
-            <a:p>
-              <a:endParaRPr lang="de-AT"/>
-            </a:p>
-          </p:txBody>
-        </p:sp>
-        <p:sp>
-          <p:nvSpPr>
-            <p:cNvPr id="446" name="OTLSHAPE_T_f3f2b2e75ddd4029b5bdbcc76280ee9a_LeftVerticalConnector2"/>
-            <p:cNvSpPr/>
-            <p:nvPr/>
-          </p:nvSpPr>
-          <p:spPr>
-            <a:xfrm>
-              <a:off x="5130720" y="4916880"/>
-              <a:ext cx="360" cy="115920"/>
-            </a:xfrm>
-            <a:prstGeom prst="line">
-              <a:avLst/>
-            </a:prstGeom>
-            <a:ln>
-              <a:solidFill>
-                <a:srgbClr val="CCCCCC"/>
-              </a:solidFill>
-            </a:ln>
-          </p:spPr>
-          <p:style>
-            <a:lnRef idx="1">
-              <a:schemeClr val="accent1"/>
-            </a:lnRef>
-            <a:fillRef idx="0">
-              <a:schemeClr val="accent1"/>
-            </a:fillRef>
-            <a:effectRef idx="0">
-              <a:schemeClr val="accent1"/>
-            </a:effectRef>
-            <a:fontRef idx="minor"/>
-          </p:style>
-          <p:txBody>
-            <a:bodyPr/>
-            <a:lstStyle/>
-            <a:p>
-              <a:endParaRPr lang="de-AT"/>
-            </a:p>
-          </p:txBody>
-        </p:sp>
-        <p:sp>
-          <p:nvSpPr>
-            <p:cNvPr id="447" name="OTLSHAPE_T_f3f2b2e75ddd4029b5bdbcc76280ee9a_RightVerticalConnector1"/>
-            <p:cNvSpPr/>
-            <p:nvPr/>
-          </p:nvSpPr>
-          <p:spPr>
-            <a:xfrm>
-              <a:off x="5478480" y="3381120"/>
-              <a:ext cx="360" cy="1124640"/>
-            </a:xfrm>
-            <a:prstGeom prst="line">
-              <a:avLst/>
-            </a:prstGeom>
-            <a:ln>
-              <a:solidFill>
-                <a:srgbClr val="CCCCCC"/>
-              </a:solidFill>
-            </a:ln>
-          </p:spPr>
-          <p:style>
-            <a:lnRef idx="1">
-              <a:schemeClr val="accent1"/>
-            </a:lnRef>
-            <a:fillRef idx="0">
-              <a:schemeClr val="accent1"/>
-            </a:fillRef>
-            <a:effectRef idx="0">
-              <a:schemeClr val="accent1"/>
-            </a:effectRef>
-            <a:fontRef idx="minor"/>
-          </p:style>
-          <p:txBody>
-            <a:bodyPr/>
-            <a:lstStyle/>
-            <a:p>
-              <a:endParaRPr lang="de-AT"/>
-            </a:p>
-          </p:txBody>
-        </p:sp>
-        <p:sp>
-          <p:nvSpPr>
-            <p:cNvPr id="448" name="OTLSHAPE_T_f3f2b2e75ddd4029b5bdbcc76280ee9a_RightVerticalConnector2"/>
-            <p:cNvSpPr/>
-            <p:nvPr/>
-          </p:nvSpPr>
-          <p:spPr>
-            <a:xfrm>
-              <a:off x="5478480" y="4916880"/>
-              <a:ext cx="360" cy="115920"/>
-            </a:xfrm>
-            <a:prstGeom prst="line">
-              <a:avLst/>
-            </a:prstGeom>
-            <a:ln>
-              <a:solidFill>
-                <a:srgbClr val="CCCCCC"/>
-              </a:solidFill>
-            </a:ln>
-          </p:spPr>
-          <p:style>
-            <a:lnRef idx="1">
-              <a:schemeClr val="accent1"/>
-            </a:lnRef>
-            <a:fillRef idx="0">
-              <a:schemeClr val="accent1"/>
-            </a:fillRef>
-            <a:effectRef idx="0">
-              <a:schemeClr val="accent1"/>
-            </a:effectRef>
-            <a:fontRef idx="minor"/>
-          </p:style>
-          <p:txBody>
-            <a:bodyPr/>
-            <a:lstStyle/>
-            <a:p>
-              <a:endParaRPr lang="de-AT"/>
-            </a:p>
-          </p:txBody>
-        </p:sp>
-        <p:sp>
-          <p:nvSpPr>
-            <p:cNvPr id="449" name="OTLSHAPE_T_a3e6e87406ac40a3a4677a5c8aa32b7c_LeftVerticalConnector1"/>
-            <p:cNvSpPr/>
-            <p:nvPr/>
-          </p:nvSpPr>
-          <p:spPr>
-            <a:xfrm>
-              <a:off x="6800040" y="3885480"/>
-              <a:ext cx="360" cy="620280"/>
-            </a:xfrm>
-            <a:prstGeom prst="line">
-              <a:avLst/>
-            </a:prstGeom>
-            <a:ln>
-              <a:solidFill>
-                <a:srgbClr val="CCCCCC"/>
-              </a:solidFill>
-            </a:ln>
-          </p:spPr>
-          <p:style>
-            <a:lnRef idx="1">
-              <a:schemeClr val="accent1"/>
-            </a:lnRef>
-            <a:fillRef idx="0">
-              <a:schemeClr val="accent1"/>
-            </a:fillRef>
-            <a:effectRef idx="0">
-              <a:schemeClr val="accent1"/>
-            </a:effectRef>
-            <a:fontRef idx="minor"/>
-          </p:style>
-          <p:txBody>
-            <a:bodyPr/>
-            <a:lstStyle/>
-            <a:p>
-              <a:endParaRPr lang="de-AT"/>
-            </a:p>
-          </p:txBody>
-        </p:sp>
-        <p:sp>
-          <p:nvSpPr>
-            <p:cNvPr id="450" name="OTLSHAPE_T_a3e6e87406ac40a3a4677a5c8aa32b7c_LeftVerticalConnector2"/>
-            <p:cNvSpPr/>
-            <p:nvPr/>
-          </p:nvSpPr>
-          <p:spPr>
-            <a:xfrm>
-              <a:off x="6800040" y="4916880"/>
-              <a:ext cx="360" cy="115920"/>
-            </a:xfrm>
-            <a:prstGeom prst="line">
-              <a:avLst/>
-            </a:prstGeom>
-            <a:ln>
-              <a:solidFill>
-                <a:srgbClr val="CCCCCC"/>
-              </a:solidFill>
-            </a:ln>
-          </p:spPr>
-          <p:style>
-            <a:lnRef idx="1">
-              <a:schemeClr val="accent1"/>
-            </a:lnRef>
-            <a:fillRef idx="0">
-              <a:schemeClr val="accent1"/>
-            </a:fillRef>
-            <a:effectRef idx="0">
-              <a:schemeClr val="accent1"/>
-            </a:effectRef>
-            <a:fontRef idx="minor"/>
-          </p:style>
-          <p:txBody>
-            <a:bodyPr/>
-            <a:lstStyle/>
-            <a:p>
-              <a:endParaRPr lang="de-AT"/>
-            </a:p>
-          </p:txBody>
-        </p:sp>
-        <p:sp>
-          <p:nvSpPr>
-            <p:cNvPr id="451" name="OTLSHAPE_T_a3e6e87406ac40a3a4677a5c8aa32b7c_RightVerticalConnector1"/>
-            <p:cNvSpPr/>
-            <p:nvPr/>
-          </p:nvSpPr>
-          <p:spPr>
-            <a:xfrm>
-              <a:off x="8956440" y="3885480"/>
-              <a:ext cx="360" cy="93600"/>
-            </a:xfrm>
-            <a:prstGeom prst="line">
-              <a:avLst/>
-            </a:prstGeom>
-            <a:ln>
-              <a:solidFill>
-                <a:srgbClr val="CCCCCC"/>
-              </a:solidFill>
-            </a:ln>
-          </p:spPr>
-          <p:style>
-            <a:lnRef idx="1">
-              <a:schemeClr val="accent1"/>
-            </a:lnRef>
-            <a:fillRef idx="0">
-              <a:schemeClr val="accent1"/>
-            </a:fillRef>
-            <a:effectRef idx="0">
-              <a:schemeClr val="accent1"/>
-            </a:effectRef>
-            <a:fontRef idx="minor"/>
-          </p:style>
-          <p:txBody>
-            <a:bodyPr/>
-            <a:lstStyle/>
-            <a:p>
-              <a:endParaRPr lang="de-AT"/>
-            </a:p>
-          </p:txBody>
-        </p:sp>
-        <p:sp>
-          <p:nvSpPr>
-            <p:cNvPr id="452" name="OTLSHAPE_T_a3e6e87406ac40a3a4677a5c8aa32b7c_RightVerticalConnector2"/>
-            <p:cNvSpPr/>
-            <p:nvPr/>
-          </p:nvSpPr>
-          <p:spPr>
-            <a:xfrm>
-              <a:off x="8956440" y="4298400"/>
-              <a:ext cx="360" cy="207360"/>
-            </a:xfrm>
-            <a:prstGeom prst="line">
-              <a:avLst/>
-            </a:prstGeom>
-            <a:ln>
-              <a:solidFill>
-                <a:srgbClr val="CCCCCC"/>
-              </a:solidFill>
-            </a:ln>
-          </p:spPr>
-          <p:style>
-            <a:lnRef idx="1">
-              <a:schemeClr val="accent1"/>
-            </a:lnRef>
-            <a:fillRef idx="0">
-              <a:schemeClr val="accent1"/>
-            </a:fillRef>
-            <a:effectRef idx="0">
-              <a:schemeClr val="accent1"/>
-            </a:effectRef>
-            <a:fontRef idx="minor"/>
-          </p:style>
-          <p:txBody>
-            <a:bodyPr/>
-            <a:lstStyle/>
-            <a:p>
-              <a:endParaRPr lang="de-AT"/>
-            </a:p>
-          </p:txBody>
-        </p:sp>
-        <p:sp>
-          <p:nvSpPr>
-            <p:cNvPr id="453" name="OTLSHAPE_T_a3e6e87406ac40a3a4677a5c8aa32b7c_RightVerticalConnector3"/>
-            <p:cNvSpPr/>
-            <p:nvPr/>
-          </p:nvSpPr>
-          <p:spPr>
-            <a:xfrm>
-              <a:off x="8956440" y="4916880"/>
-              <a:ext cx="360" cy="115920"/>
-            </a:xfrm>
-            <a:prstGeom prst="line">
-              <a:avLst/>
-            </a:prstGeom>
-            <a:ln>
-              <a:solidFill>
-                <a:srgbClr val="CCCCCC"/>
-              </a:solidFill>
-            </a:ln>
-          </p:spPr>
-          <p:style>
-            <a:lnRef idx="1">
-              <a:schemeClr val="accent1"/>
-            </a:lnRef>
-            <a:fillRef idx="0">
-              <a:schemeClr val="accent1"/>
-            </a:fillRef>
-            <a:effectRef idx="0">
-              <a:schemeClr val="accent1"/>
-            </a:effectRef>
-            <a:fontRef idx="minor"/>
-          </p:style>
-          <p:txBody>
-            <a:bodyPr/>
-            <a:lstStyle/>
-            <a:p>
-              <a:endParaRPr lang="de-AT"/>
-            </a:p>
-          </p:txBody>
-        </p:sp>
-        <p:sp>
-          <p:nvSpPr>
-            <p:cNvPr id="454" name="OTLSHAPE_T_50690a89d4324b3aa64ea1dde18cfff0_LeftVerticalConnector1"/>
-            <p:cNvSpPr/>
-            <p:nvPr/>
-          </p:nvSpPr>
-          <p:spPr>
-            <a:xfrm>
-              <a:off x="8886960" y="4389840"/>
-              <a:ext cx="360" cy="115920"/>
-            </a:xfrm>
-            <a:prstGeom prst="line">
-              <a:avLst/>
-            </a:prstGeom>
-            <a:ln>
-              <a:solidFill>
-                <a:srgbClr val="CCCCCC"/>
-              </a:solidFill>
-            </a:ln>
-          </p:spPr>
-          <p:style>
-            <a:lnRef idx="1">
-              <a:schemeClr val="accent1"/>
-            </a:lnRef>
-            <a:fillRef idx="0">
-              <a:schemeClr val="accent1"/>
-            </a:fillRef>
-            <a:effectRef idx="0">
-              <a:schemeClr val="accent1"/>
-            </a:effectRef>
-            <a:fontRef idx="minor"/>
-          </p:style>
-          <p:txBody>
-            <a:bodyPr/>
-            <a:lstStyle/>
-            <a:p>
-              <a:endParaRPr lang="de-AT"/>
-            </a:p>
-          </p:txBody>
-        </p:sp>
-        <p:sp>
-          <p:nvSpPr>
-            <p:cNvPr id="455" name="OTLSHAPE_T_50690a89d4324b3aa64ea1dde18cfff0_LeftVerticalConnector2"/>
-            <p:cNvSpPr/>
-            <p:nvPr/>
-          </p:nvSpPr>
-          <p:spPr>
-            <a:xfrm>
-              <a:off x="8886960" y="4916880"/>
-              <a:ext cx="360" cy="115920"/>
-            </a:xfrm>
-            <a:prstGeom prst="line">
-              <a:avLst/>
-            </a:prstGeom>
-            <a:ln>
-              <a:solidFill>
-                <a:srgbClr val="CCCCCC"/>
-              </a:solidFill>
-            </a:ln>
-          </p:spPr>
-          <p:style>
-            <a:lnRef idx="1">
-              <a:schemeClr val="accent1"/>
-            </a:lnRef>
-            <a:fillRef idx="0">
-              <a:schemeClr val="accent1"/>
-            </a:fillRef>
-            <a:effectRef idx="0">
-              <a:schemeClr val="accent1"/>
-            </a:effectRef>
-            <a:fontRef idx="minor"/>
-          </p:style>
-          <p:txBody>
-            <a:bodyPr/>
-            <a:lstStyle/>
-            <a:p>
-              <a:endParaRPr lang="de-AT"/>
-            </a:p>
-          </p:txBody>
-        </p:sp>
-        <p:sp>
-          <p:nvSpPr>
-            <p:cNvPr id="456" name="OTLSHAPE_T_50690a89d4324b3aa64ea1dde18cfff0_RightVerticalConnector1"/>
-            <p:cNvSpPr/>
-            <p:nvPr/>
-          </p:nvSpPr>
-          <p:spPr>
-            <a:xfrm>
-              <a:off x="10069200" y="4389840"/>
-              <a:ext cx="360" cy="115920"/>
-            </a:xfrm>
-            <a:prstGeom prst="line">
-              <a:avLst/>
-            </a:prstGeom>
-            <a:ln>
-              <a:solidFill>
-                <a:srgbClr val="CCCCCC"/>
-              </a:solidFill>
-            </a:ln>
-          </p:spPr>
-          <p:style>
-            <a:lnRef idx="1">
-              <a:schemeClr val="accent1"/>
-            </a:lnRef>
-            <a:fillRef idx="0">
-              <a:schemeClr val="accent1"/>
-            </a:fillRef>
-            <a:effectRef idx="0">
-              <a:schemeClr val="accent1"/>
-            </a:effectRef>
-            <a:fontRef idx="minor"/>
-          </p:style>
-          <p:txBody>
-            <a:bodyPr/>
-            <a:lstStyle/>
-            <a:p>
-              <a:endParaRPr lang="de-AT"/>
-            </a:p>
-          </p:txBody>
-        </p:sp>
-        <p:sp>
-          <p:nvSpPr>
-            <p:cNvPr id="457" name="OTLSHAPE_T_50690a89d4324b3aa64ea1dde18cfff0_RightVerticalConnector2"/>
-            <p:cNvSpPr/>
-            <p:nvPr/>
-          </p:nvSpPr>
-          <p:spPr>
-            <a:xfrm>
-              <a:off x="10069200" y="4916880"/>
-              <a:ext cx="360" cy="115920"/>
-            </a:xfrm>
-            <a:prstGeom prst="line">
-              <a:avLst/>
-            </a:prstGeom>
-            <a:ln>
-              <a:solidFill>
-                <a:srgbClr val="CCCCCC"/>
-              </a:solidFill>
-            </a:ln>
-          </p:spPr>
-          <p:style>
-            <a:lnRef idx="1">
-              <a:schemeClr val="accent1"/>
-            </a:lnRef>
-            <a:fillRef idx="0">
-              <a:schemeClr val="accent1"/>
-            </a:fillRef>
-            <a:effectRef idx="0">
-              <a:schemeClr val="accent1"/>
-            </a:effectRef>
-            <a:fontRef idx="minor"/>
-          </p:style>
-          <p:txBody>
-            <a:bodyPr/>
-            <a:lstStyle/>
-            <a:p>
-              <a:endParaRPr lang="de-AT"/>
-            </a:p>
-          </p:txBody>
-        </p:sp>
-        <p:sp>
-          <p:nvSpPr>
-            <p:cNvPr id="458" name="OTLSHAPE_T_c8a6c88c5d1743fda7f9dae191c099b1_LeftVerticalConnector1"/>
-            <p:cNvSpPr/>
-            <p:nvPr/>
-          </p:nvSpPr>
-          <p:spPr>
-            <a:xfrm>
-              <a:off x="4435200" y="4916880"/>
-              <a:ext cx="360" cy="115920"/>
-            </a:xfrm>
-            <a:prstGeom prst="line">
-              <a:avLst/>
-            </a:prstGeom>
-            <a:ln>
-              <a:solidFill>
-                <a:srgbClr val="CCCCCC"/>
-              </a:solidFill>
-            </a:ln>
-          </p:spPr>
-          <p:style>
-            <a:lnRef idx="1">
-              <a:schemeClr val="accent1"/>
-            </a:lnRef>
-            <a:fillRef idx="0">
-              <a:schemeClr val="accent1"/>
-            </a:fillRef>
-            <a:effectRef idx="0">
-              <a:schemeClr val="accent1"/>
-            </a:effectRef>
-            <a:fontRef idx="minor"/>
-          </p:style>
-          <p:txBody>
-            <a:bodyPr/>
-            <a:lstStyle/>
-            <a:p>
-              <a:endParaRPr lang="de-AT"/>
-            </a:p>
-          </p:txBody>
-        </p:sp>
-        <p:sp>
-          <p:nvSpPr>
-            <p:cNvPr id="459" name="OTLSHAPE_T_c8a6c88c5d1743fda7f9dae191c099b1_RightVerticalConnector1"/>
-            <p:cNvSpPr/>
-            <p:nvPr/>
-          </p:nvSpPr>
-          <p:spPr>
-            <a:xfrm>
-              <a:off x="11043000" y="4916880"/>
-              <a:ext cx="360" cy="115920"/>
-            </a:xfrm>
-            <a:prstGeom prst="line">
-              <a:avLst/>
-            </a:prstGeom>
-            <a:ln>
-              <a:solidFill>
-                <a:srgbClr val="CCCCCC"/>
-              </a:solidFill>
-            </a:ln>
-          </p:spPr>
-          <p:style>
-            <a:lnRef idx="1">
-              <a:schemeClr val="accent1"/>
-            </a:lnRef>
-            <a:fillRef idx="0">
-              <a:schemeClr val="accent1"/>
-            </a:fillRef>
-            <a:effectRef idx="0">
-              <a:schemeClr val="accent1"/>
-            </a:effectRef>
-            <a:fontRef idx="minor"/>
-          </p:style>
-          <p:txBody>
-            <a:bodyPr/>
-            <a:lstStyle/>
-            <a:p>
-              <a:endParaRPr lang="de-AT"/>
-            </a:p>
-          </p:txBody>
-        </p:sp>
-        <p:sp>
-          <p:nvSpPr>
-            <p:cNvPr id="460" name="OTLSHAPE_TB_00000000000000000000000000000000_ScaleContainer"/>
-            <p:cNvSpPr/>
-            <p:nvPr/>
-          </p:nvSpPr>
-          <p:spPr>
-            <a:xfrm>
-              <a:off x="540360" y="5033160"/>
-              <a:ext cx="10515240" cy="560160"/>
-            </a:xfrm>
-            <a:prstGeom prst="rect">
+            <a:prstGeom prst="roundRect">
               <a:avLst/>
             </a:prstGeom>
             <a:solidFill>
-              <a:srgbClr val="B2B2B2"/>
+              <a:schemeClr val="dk2"/>
             </a:solidFill>
-            <a:ln>
+            <a:ln w="25400" cap="flat" cmpd="sng" algn="ctr">
               <a:noFill/>
+              <a:prstDash val="solid"/>
+              <a:miter/>
             </a:ln>
+            <a:effectLst/>
+            <a:extLst>
+              <a:ext uri="{91240B29-F687-4F45-9708-019B960494DF}">
+                <a14:hiddenLine xmlns:a14="http://schemas.microsoft.com/office/drawing/2010/main" w="25400" cap="flat" cmpd="sng" algn="ctr">
+                  <a:solidFill>
+                    <a:schemeClr val="accent1">
+                      <a:shade val="15000"/>
+                    </a:schemeClr>
+                  </a:solidFill>
+                  <a:prstDash val="solid"/>
+                  <a:miter/>
+                </a14:hiddenLine>
+              </a:ext>
+            </a:extLst>
           </p:spPr>
           <p:style>
             <a:lnRef idx="2">
@@ -21705,38 +18292,67 @@
             <a:effectRef idx="0">
               <a:schemeClr val="accent1"/>
             </a:effectRef>
-            <a:fontRef idx="minor"/>
+            <a:fontRef idx="minor">
+              <a:schemeClr val="lt1"/>
+            </a:fontRef>
           </p:style>
           <p:txBody>
-            <a:bodyPr/>
+            <a:bodyPr rtlCol="0" anchor="ctr"/>
             <a:lstStyle/>
             <a:p>
+              <a:pPr algn="ctr"/>
               <a:endParaRPr lang="de-AT"/>
             </a:p>
           </p:txBody>
         </p:sp>
         <p:sp>
           <p:nvSpPr>
-            <p:cNvPr id="461" name="OTLSHAPE_TB_00000000000000000000000000000000_ElapsedTime"/>
+            <p:cNvPr id="5" name="OTLSHAPE_TB_00000000000000000000000000000000_ElapsedTime">
+              <a:extLst>
+                <a:ext uri="{FF2B5EF4-FFF2-40B4-BE49-F238E27FC236}">
+                  <a16:creationId xmlns:a16="http://schemas.microsoft.com/office/drawing/2014/main" id="{899810D3-6BE5-D63F-E850-488301C1153D}"/>
+                </a:ext>
+              </a:extLst>
+            </p:cNvPr>
             <p:cNvSpPr/>
-            <p:nvPr/>
+            <p:nvPr>
+              <p:custDataLst>
+                <p:tags r:id="rId3"/>
+              </p:custDataLst>
+            </p:nvPr>
           </p:nvSpPr>
           <p:spPr>
             <a:xfrm>
-              <a:off x="542700" y="5030611"/>
-              <a:ext cx="4943700" cy="560160"/>
+              <a:off x="430552" y="5519420"/>
+              <a:ext cx="3136900" cy="50800"/>
             </a:xfrm>
-            <a:prstGeom prst="rect">
+            <a:prstGeom prst="roundRect">
               <a:avLst/>
             </a:prstGeom>
             <a:solidFill>
-              <a:schemeClr val="accent4">
-                <a:alpha val="30000"/>
-              </a:schemeClr>
+              <a:srgbClr val="FF0000">
+                <a:alpha val="74902"/>
+              </a:srgbClr>
             </a:solidFill>
-            <a:ln>
+            <a:ln w="25400" cap="flat" cmpd="sng" algn="ctr">
               <a:noFill/>
+              <a:prstDash val="solid"/>
+              <a:miter/>
             </a:ln>
+            <a:effectLst/>
+            <a:extLst>
+              <a:ext uri="{91240B29-F687-4F45-9708-019B960494DF}">
+                <a14:hiddenLine xmlns:a14="http://schemas.microsoft.com/office/drawing/2010/main" w="25400" cap="flat" cmpd="sng" algn="ctr">
+                  <a:solidFill>
+                    <a:schemeClr val="accent1">
+                      <a:shade val="15000"/>
+                    </a:schemeClr>
+                  </a:solidFill>
+                  <a:prstDash val="solid"/>
+                  <a:miter/>
+                </a14:hiddenLine>
+              </a:ext>
+            </a:extLst>
           </p:spPr>
           <p:style>
             <a:lnRef idx="2">
@@ -21750,48 +18366,65 @@
             <a:effectRef idx="0">
               <a:schemeClr val="accent1"/>
             </a:effectRef>
-            <a:fontRef idx="minor"/>
+            <a:fontRef idx="minor">
+              <a:schemeClr val="lt1"/>
+            </a:fontRef>
           </p:style>
           <p:txBody>
-            <a:bodyPr/>
+            <a:bodyPr rtlCol="0" anchor="ctr"/>
             <a:lstStyle/>
             <a:p>
+              <a:pPr algn="ctr"/>
               <a:endParaRPr lang="de-AT"/>
             </a:p>
           </p:txBody>
         </p:sp>
         <p:sp>
           <p:nvSpPr>
-            <p:cNvPr id="462" name="OTLSHAPE_TB_00000000000000000000000000000000_ElapsedTimeExtension"/>
+            <p:cNvPr id="6" name="OTLSHAPE_TB_00000000000000000000000000000000_TodayMarkerShape">
+              <a:extLst>
+                <a:ext uri="{FF2B5EF4-FFF2-40B4-BE49-F238E27FC236}">
+                  <a16:creationId xmlns:a16="http://schemas.microsoft.com/office/drawing/2014/main" id="{D4A7CE85-6514-D7D2-0606-1FA7E1304F4A}"/>
+                </a:ext>
+              </a:extLst>
+            </p:cNvPr>
             <p:cNvSpPr/>
-            <p:nvPr/>
+            <p:nvPr>
+              <p:custDataLst>
+                <p:tags r:id="rId4"/>
+              </p:custDataLst>
+            </p:nvPr>
           </p:nvSpPr>
           <p:spPr>
             <a:xfrm>
-              <a:off x="540360" y="1457280"/>
-              <a:ext cx="4935960" cy="3575520"/>
+              <a:off x="3523717" y="5570220"/>
+              <a:ext cx="76200" cy="84667"/>
             </a:xfrm>
-            <a:prstGeom prst="rect">
+            <a:prstGeom prst="triangle">
               <a:avLst/>
             </a:prstGeom>
-            <a:gradFill rotWithShape="0">
-              <a:gsLst>
-                <a:gs pos="0">
-                  <a:srgbClr val="FFC000">
-                    <a:alpha val="0"/>
-                  </a:srgbClr>
-                </a:gs>
-                <a:gs pos="100000">
-                  <a:srgbClr val="FFC000">
-                    <a:alpha val="30196"/>
-                  </a:srgbClr>
-                </a:gs>
-              </a:gsLst>
-              <a:lin ang="5400000"/>
-            </a:gradFill>
-            <a:ln>
+            <a:solidFill>
+              <a:srgbClr val="FF0000"/>
+            </a:solidFill>
+            <a:ln w="25400" cap="flat" cmpd="sng" algn="ctr">
               <a:noFill/>
+              <a:prstDash val="solid"/>
+              <a:miter/>
             </a:ln>
+            <a:effectLst/>
+            <a:extLst>
+              <a:ext uri="{91240B29-F687-4F45-9708-019B960494DF}">
+                <a14:hiddenLine xmlns:a14="http://schemas.microsoft.com/office/drawing/2010/main" w="25400" cap="flat" cmpd="sng" algn="ctr">
+                  <a:solidFill>
+                    <a:schemeClr val="accent1">
+                      <a:shade val="15000"/>
+                    </a:schemeClr>
+                  </a:solidFill>
+                  <a:prstDash val="solid"/>
+                  <a:miter/>
+                </a14:hiddenLine>
+              </a:ext>
+            </a:extLst>
           </p:spPr>
           <p:style>
             <a:lnRef idx="2">
@@ -21805,38 +18438,819 @@
             <a:effectRef idx="0">
               <a:schemeClr val="accent1"/>
             </a:effectRef>
-            <a:fontRef idx="minor"/>
+            <a:fontRef idx="minor">
+              <a:schemeClr val="lt1"/>
+            </a:fontRef>
           </p:style>
           <p:txBody>
-            <a:bodyPr/>
+            <a:bodyPr rtlCol="0" anchor="ctr"/>
             <a:lstStyle/>
             <a:p>
+              <a:pPr algn="ctr"/>
               <a:endParaRPr lang="de-AT"/>
             </a:p>
           </p:txBody>
         </p:sp>
         <p:sp>
           <p:nvSpPr>
-            <p:cNvPr id="463" name="OTLSHAPE_TB_00000000000000000000000000000000_TodayMarkerShape"/>
-            <p:cNvSpPr/>
-            <p:nvPr/>
+            <p:cNvPr id="7" name="OTLSHAPE_TB_00000000000000000000000000000000_TodayMarkerText">
+              <a:extLst>
+                <a:ext uri="{FF2B5EF4-FFF2-40B4-BE49-F238E27FC236}">
+                  <a16:creationId xmlns:a16="http://schemas.microsoft.com/office/drawing/2014/main" id="{5DA3B855-8B0F-3B8D-AB94-F6E953858210}"/>
+                </a:ext>
+              </a:extLst>
+            </p:cNvPr>
+            <p:cNvSpPr txBox="1"/>
+            <p:nvPr>
+              <p:custDataLst>
+                <p:tags r:id="rId5"/>
+              </p:custDataLst>
+            </p:nvPr>
           </p:nvSpPr>
           <p:spPr>
             <a:xfrm>
-              <a:off x="5429565" y="5608127"/>
-              <a:ext cx="114120" cy="186480"/>
+              <a:off x="3379874" y="5654887"/>
+              <a:ext cx="368300" cy="186055"/>
             </a:xfrm>
-            <a:prstGeom prst="triangle">
-              <a:avLst>
-                <a:gd name="adj" fmla="val 50000"/>
-              </a:avLst>
+            <a:prstGeom prst="rect">
+              <a:avLst/>
+            </a:prstGeom>
+            <a:noFill/>
+          </p:spPr>
+          <p:txBody>
+            <a:bodyPr vert="horz" wrap="none" lIns="0" tIns="0" rIns="0" bIns="0" rtlCol="0" anchor="ctr" anchorCtr="0">
+              <a:spAutoFit/>
+            </a:bodyPr>
+            <a:lstStyle/>
+            <a:p>
+              <a:pPr algn="ctr"/>
+              <a:r>
+                <a:rPr lang="de-AT" sz="1200" spc="-12">
+                  <a:solidFill>
+                    <a:schemeClr val="dk1"/>
+                  </a:solidFill>
+                  <a:latin typeface="Calibri" panose="020F0502020204030204" pitchFamily="34" charset="0"/>
+                </a:rPr>
+                <a:t>Today</a:t>
+              </a:r>
+            </a:p>
+          </p:txBody>
+        </p:sp>
+        <p:sp>
+          <p:nvSpPr>
+            <p:cNvPr id="8" name="OTLSHAPE_TB_00000000000000000000000000000000_TimescaleInterval1">
+              <a:extLst>
+                <a:ext uri="{FF2B5EF4-FFF2-40B4-BE49-F238E27FC236}">
+                  <a16:creationId xmlns:a16="http://schemas.microsoft.com/office/drawing/2014/main" id="{8D86D999-4CF0-A79E-B057-79312BACE977}"/>
+                </a:ext>
+              </a:extLst>
+            </p:cNvPr>
+            <p:cNvSpPr txBox="1"/>
+            <p:nvPr>
+              <p:custDataLst>
+                <p:tags r:id="rId6"/>
+              </p:custDataLst>
+            </p:nvPr>
+          </p:nvSpPr>
+          <p:spPr>
+            <a:xfrm>
+              <a:off x="494052" y="5350192"/>
+              <a:ext cx="219227" cy="186055"/>
+            </a:xfrm>
+            <a:prstGeom prst="rect">
+              <a:avLst/>
+            </a:prstGeom>
+            <a:noFill/>
+          </p:spPr>
+          <p:txBody>
+            <a:bodyPr vert="horz" wrap="none" lIns="0" tIns="0" rIns="0" bIns="0" rtlCol="0" anchor="ctr" anchorCtr="0">
+              <a:noAutofit/>
+            </a:bodyPr>
+            <a:lstStyle/>
+            <a:p>
+              <a:r>
+                <a:rPr lang="de-AT" sz="1200" spc="-18">
+                  <a:solidFill>
+                    <a:schemeClr val="lt1"/>
+                  </a:solidFill>
+                  <a:latin typeface="Calibri" panose="020F0502020204030204" pitchFamily="34" charset="0"/>
+                </a:rPr>
+                <a:t>Feb</a:t>
+              </a:r>
+            </a:p>
+          </p:txBody>
+        </p:sp>
+        <p:sp>
+          <p:nvSpPr>
+            <p:cNvPr id="10" name="OTLSHAPE_TB_00000000000000000000000000000000_TimescaleInterval2">
+              <a:extLst>
+                <a:ext uri="{FF2B5EF4-FFF2-40B4-BE49-F238E27FC236}">
+                  <a16:creationId xmlns:a16="http://schemas.microsoft.com/office/drawing/2014/main" id="{A9733087-8E36-5062-75C0-4895DA54FCB9}"/>
+                </a:ext>
+              </a:extLst>
+            </p:cNvPr>
+            <p:cNvSpPr txBox="1"/>
+            <p:nvPr>
+              <p:custDataLst>
+                <p:tags r:id="rId7"/>
+              </p:custDataLst>
+            </p:nvPr>
+          </p:nvSpPr>
+          <p:spPr>
+            <a:xfrm>
+              <a:off x="1747505" y="5350192"/>
+              <a:ext cx="255776" cy="186055"/>
+            </a:xfrm>
+            <a:prstGeom prst="rect">
+              <a:avLst/>
+            </a:prstGeom>
+            <a:noFill/>
+          </p:spPr>
+          <p:txBody>
+            <a:bodyPr vert="horz" wrap="none" lIns="0" tIns="0" rIns="0" bIns="0" rtlCol="0" anchor="ctr" anchorCtr="0">
+              <a:noAutofit/>
+            </a:bodyPr>
+            <a:lstStyle/>
+            <a:p>
+              <a:r>
+                <a:rPr lang="de-AT" sz="1200" spc="-18">
+                  <a:solidFill>
+                    <a:schemeClr val="lt1"/>
+                  </a:solidFill>
+                  <a:latin typeface="Calibri" panose="020F0502020204030204" pitchFamily="34" charset="0"/>
+                </a:rPr>
+                <a:t>Mar</a:t>
+              </a:r>
+            </a:p>
+          </p:txBody>
+        </p:sp>
+        <p:sp>
+          <p:nvSpPr>
+            <p:cNvPr id="12" name="OTLSHAPE_TB_00000000000000000000000000000000_TimescaleInterval3">
+              <a:extLst>
+                <a:ext uri="{FF2B5EF4-FFF2-40B4-BE49-F238E27FC236}">
+                  <a16:creationId xmlns:a16="http://schemas.microsoft.com/office/drawing/2014/main" id="{C5107704-FE52-ED0D-6DB2-7D6FB3B12966}"/>
+                </a:ext>
+              </a:extLst>
+            </p:cNvPr>
+            <p:cNvSpPr txBox="1"/>
+            <p:nvPr>
+              <p:custDataLst>
+                <p:tags r:id="rId8"/>
+              </p:custDataLst>
+            </p:nvPr>
+          </p:nvSpPr>
+          <p:spPr>
+            <a:xfrm>
+              <a:off x="3087403" y="5350192"/>
+              <a:ext cx="219740" cy="186055"/>
+            </a:xfrm>
+            <a:prstGeom prst="rect">
+              <a:avLst/>
+            </a:prstGeom>
+            <a:noFill/>
+          </p:spPr>
+          <p:txBody>
+            <a:bodyPr vert="horz" wrap="none" lIns="0" tIns="0" rIns="0" bIns="0" rtlCol="0" anchor="ctr" anchorCtr="0">
+              <a:noAutofit/>
+            </a:bodyPr>
+            <a:lstStyle/>
+            <a:p>
+              <a:r>
+                <a:rPr lang="de-AT" sz="1200" spc="-18">
+                  <a:solidFill>
+                    <a:schemeClr val="lt1"/>
+                  </a:solidFill>
+                  <a:latin typeface="Calibri" panose="020F0502020204030204" pitchFamily="34" charset="0"/>
+                </a:rPr>
+                <a:t>Apr</a:t>
+              </a:r>
+            </a:p>
+          </p:txBody>
+        </p:sp>
+        <p:sp>
+          <p:nvSpPr>
+            <p:cNvPr id="14" name="OTLSHAPE_TB_00000000000000000000000000000000_TimescaleInterval4">
+              <a:extLst>
+                <a:ext uri="{FF2B5EF4-FFF2-40B4-BE49-F238E27FC236}">
+                  <a16:creationId xmlns:a16="http://schemas.microsoft.com/office/drawing/2014/main" id="{A88B0084-611E-67F6-1C48-96A6A795BF77}"/>
+                </a:ext>
+              </a:extLst>
+            </p:cNvPr>
+            <p:cNvSpPr txBox="1"/>
+            <p:nvPr>
+              <p:custDataLst>
+                <p:tags r:id="rId9"/>
+              </p:custDataLst>
+            </p:nvPr>
+          </p:nvSpPr>
+          <p:spPr>
+            <a:xfrm>
+              <a:off x="4384078" y="5350192"/>
+              <a:ext cx="268150" cy="186055"/>
+            </a:xfrm>
+            <a:prstGeom prst="rect">
+              <a:avLst/>
+            </a:prstGeom>
+            <a:noFill/>
+          </p:spPr>
+          <p:txBody>
+            <a:bodyPr vert="horz" wrap="none" lIns="0" tIns="0" rIns="0" bIns="0" rtlCol="0" anchor="ctr" anchorCtr="0">
+              <a:noAutofit/>
+            </a:bodyPr>
+            <a:lstStyle/>
+            <a:p>
+              <a:r>
+                <a:rPr lang="de-AT" sz="1200" spc="-18">
+                  <a:solidFill>
+                    <a:schemeClr val="lt1"/>
+                  </a:solidFill>
+                  <a:latin typeface="Calibri" panose="020F0502020204030204" pitchFamily="34" charset="0"/>
+                </a:rPr>
+                <a:t>May</a:t>
+              </a:r>
+            </a:p>
+          </p:txBody>
+        </p:sp>
+        <p:sp>
+          <p:nvSpPr>
+            <p:cNvPr id="16" name="OTLSHAPE_TB_00000000000000000000000000000000_TimescaleInterval5">
+              <a:extLst>
+                <a:ext uri="{FF2B5EF4-FFF2-40B4-BE49-F238E27FC236}">
+                  <a16:creationId xmlns:a16="http://schemas.microsoft.com/office/drawing/2014/main" id="{E089C82D-F33C-7053-B6B7-5269446A53B6}"/>
+                </a:ext>
+              </a:extLst>
+            </p:cNvPr>
+            <p:cNvSpPr txBox="1"/>
+            <p:nvPr>
+              <p:custDataLst>
+                <p:tags r:id="rId10"/>
+              </p:custDataLst>
+            </p:nvPr>
+          </p:nvSpPr>
+          <p:spPr>
+            <a:xfrm>
+              <a:off x="5723976" y="5350192"/>
+              <a:ext cx="206916" cy="186055"/>
+            </a:xfrm>
+            <a:prstGeom prst="rect">
+              <a:avLst/>
+            </a:prstGeom>
+            <a:noFill/>
+          </p:spPr>
+          <p:txBody>
+            <a:bodyPr vert="horz" wrap="none" lIns="0" tIns="0" rIns="0" bIns="0" rtlCol="0" anchor="ctr" anchorCtr="0">
+              <a:noAutofit/>
+            </a:bodyPr>
+            <a:lstStyle/>
+            <a:p>
+              <a:r>
+                <a:rPr lang="de-AT" sz="1200" spc="-18">
+                  <a:solidFill>
+                    <a:schemeClr val="lt1"/>
+                  </a:solidFill>
+                  <a:latin typeface="Calibri" panose="020F0502020204030204" pitchFamily="34" charset="0"/>
+                </a:rPr>
+                <a:t>Jun</a:t>
+              </a:r>
+            </a:p>
+          </p:txBody>
+        </p:sp>
+        <p:sp>
+          <p:nvSpPr>
+            <p:cNvPr id="18" name="OTLSHAPE_TB_00000000000000000000000000000000_TimescaleInterval6">
+              <a:extLst>
+                <a:ext uri="{FF2B5EF4-FFF2-40B4-BE49-F238E27FC236}">
+                  <a16:creationId xmlns:a16="http://schemas.microsoft.com/office/drawing/2014/main" id="{68810885-D460-F2DC-CB6F-F0318BF3C51C}"/>
+                </a:ext>
+              </a:extLst>
+            </p:cNvPr>
+            <p:cNvSpPr txBox="1"/>
+            <p:nvPr>
+              <p:custDataLst>
+                <p:tags r:id="rId11"/>
+              </p:custDataLst>
+            </p:nvPr>
+          </p:nvSpPr>
+          <p:spPr>
+            <a:xfrm>
+              <a:off x="7020651" y="5350192"/>
+              <a:ext cx="158185" cy="186055"/>
+            </a:xfrm>
+            <a:prstGeom prst="rect">
+              <a:avLst/>
+            </a:prstGeom>
+            <a:noFill/>
+          </p:spPr>
+          <p:txBody>
+            <a:bodyPr vert="horz" wrap="none" lIns="0" tIns="0" rIns="0" bIns="0" rtlCol="0" anchor="ctr" anchorCtr="0">
+              <a:noAutofit/>
+            </a:bodyPr>
+            <a:lstStyle/>
+            <a:p>
+              <a:r>
+                <a:rPr lang="de-AT" sz="1200" spc="-20">
+                  <a:solidFill>
+                    <a:schemeClr val="lt1"/>
+                  </a:solidFill>
+                  <a:latin typeface="Calibri" panose="020F0502020204030204" pitchFamily="34" charset="0"/>
+                </a:rPr>
+                <a:t>Jul</a:t>
+              </a:r>
+            </a:p>
+          </p:txBody>
+        </p:sp>
+        <p:sp>
+          <p:nvSpPr>
+            <p:cNvPr id="20" name="OTLSHAPE_TB_00000000000000000000000000000000_TimescaleInterval7">
+              <a:extLst>
+                <a:ext uri="{FF2B5EF4-FFF2-40B4-BE49-F238E27FC236}">
+                  <a16:creationId xmlns:a16="http://schemas.microsoft.com/office/drawing/2014/main" id="{D9C407F7-79BF-CA68-C5B8-A8D5A865F8E9}"/>
+                </a:ext>
+              </a:extLst>
+            </p:cNvPr>
+            <p:cNvSpPr txBox="1"/>
+            <p:nvPr>
+              <p:custDataLst>
+                <p:tags r:id="rId12"/>
+              </p:custDataLst>
+            </p:nvPr>
+          </p:nvSpPr>
+          <p:spPr>
+            <a:xfrm>
+              <a:off x="8360549" y="5350192"/>
+              <a:ext cx="241300" cy="186055"/>
+            </a:xfrm>
+            <a:prstGeom prst="rect">
+              <a:avLst/>
+            </a:prstGeom>
+            <a:noFill/>
+          </p:spPr>
+          <p:txBody>
+            <a:bodyPr vert="horz" wrap="none" lIns="0" tIns="0" rIns="0" bIns="0" rtlCol="0" anchor="ctr" anchorCtr="0">
+              <a:noAutofit/>
+            </a:bodyPr>
+            <a:lstStyle/>
+            <a:p>
+              <a:r>
+                <a:rPr lang="de-AT" sz="1200" spc="-20">
+                  <a:solidFill>
+                    <a:schemeClr val="lt1"/>
+                  </a:solidFill>
+                  <a:latin typeface="Calibri" panose="020F0502020204030204" pitchFamily="34" charset="0"/>
+                </a:rPr>
+                <a:t>Aug</a:t>
+              </a:r>
+            </a:p>
+          </p:txBody>
+        </p:sp>
+        <p:sp>
+          <p:nvSpPr>
+            <p:cNvPr id="22" name="OTLSHAPE_TB_00000000000000000000000000000000_TimescaleInterval8">
+              <a:extLst>
+                <a:ext uri="{FF2B5EF4-FFF2-40B4-BE49-F238E27FC236}">
+                  <a16:creationId xmlns:a16="http://schemas.microsoft.com/office/drawing/2014/main" id="{AFB2B6F9-0416-6444-FD86-4575D9D8D196}"/>
+                </a:ext>
+              </a:extLst>
+            </p:cNvPr>
+            <p:cNvSpPr txBox="1"/>
+            <p:nvPr>
+              <p:custDataLst>
+                <p:tags r:id="rId13"/>
+              </p:custDataLst>
+            </p:nvPr>
+          </p:nvSpPr>
+          <p:spPr>
+            <a:xfrm>
+              <a:off x="9700447" y="5350192"/>
+              <a:ext cx="228600" cy="186055"/>
+            </a:xfrm>
+            <a:prstGeom prst="rect">
+              <a:avLst/>
+            </a:prstGeom>
+            <a:noFill/>
+          </p:spPr>
+          <p:txBody>
+            <a:bodyPr vert="horz" wrap="none" lIns="0" tIns="0" rIns="0" bIns="0" rtlCol="0" anchor="ctr" anchorCtr="0">
+              <a:noAutofit/>
+            </a:bodyPr>
+            <a:lstStyle/>
+            <a:p>
+              <a:r>
+                <a:rPr lang="de-AT" sz="1200" spc="-18">
+                  <a:solidFill>
+                    <a:schemeClr val="lt1"/>
+                  </a:solidFill>
+                  <a:latin typeface="Calibri" panose="020F0502020204030204" pitchFamily="34" charset="0"/>
+                </a:rPr>
+                <a:t>Sep</a:t>
+              </a:r>
+            </a:p>
+          </p:txBody>
+        </p:sp>
+        <p:cxnSp>
+          <p:nvCxnSpPr>
+            <p:cNvPr id="9" name="OTLSHAPE_TB_00000000000000000000000000000000_Separator1">
+              <a:extLst>
+                <a:ext uri="{FF2B5EF4-FFF2-40B4-BE49-F238E27FC236}">
+                  <a16:creationId xmlns:a16="http://schemas.microsoft.com/office/drawing/2014/main" id="{C5A9107A-FB3D-E12A-D9DE-421A9DB77244}"/>
+                </a:ext>
+              </a:extLst>
+            </p:cNvPr>
+            <p:cNvCxnSpPr/>
+            <p:nvPr>
+              <p:custDataLst>
+                <p:tags r:id="rId14"/>
+              </p:custDataLst>
+            </p:nvPr>
+          </p:nvCxnSpPr>
+          <p:spPr>
+            <a:xfrm>
+              <a:off x="1684005" y="5354320"/>
+              <a:ext cx="0" cy="177800"/>
+            </a:xfrm>
+            <a:prstGeom prst="line">
+              <a:avLst/>
+            </a:prstGeom>
+            <a:ln w="6350" cap="flat" cmpd="sng" algn="ctr">
+              <a:solidFill>
+                <a:schemeClr val="lt1">
+                  <a:alpha val="29804"/>
+                </a:schemeClr>
+              </a:solidFill>
+              <a:prstDash val="solid"/>
+              <a:miter lim="800000"/>
+              <a:headEnd type="none" w="med" len="med"/>
+              <a:tailEnd type="none" w="med" len="med"/>
+            </a:ln>
+          </p:spPr>
+          <p:style>
+            <a:lnRef idx="1">
+              <a:schemeClr val="accent1"/>
+            </a:lnRef>
+            <a:fillRef idx="0">
+              <a:schemeClr val="accent1"/>
+            </a:fillRef>
+            <a:effectRef idx="0">
+              <a:schemeClr val="accent1"/>
+            </a:effectRef>
+            <a:fontRef idx="minor">
+              <a:schemeClr val="tx1"/>
+            </a:fontRef>
+          </p:style>
+        </p:cxnSp>
+        <p:cxnSp>
+          <p:nvCxnSpPr>
+            <p:cNvPr id="11" name="OTLSHAPE_TB_00000000000000000000000000000000_Separator2">
+              <a:extLst>
+                <a:ext uri="{FF2B5EF4-FFF2-40B4-BE49-F238E27FC236}">
+                  <a16:creationId xmlns:a16="http://schemas.microsoft.com/office/drawing/2014/main" id="{EC9C7E03-EB54-D3E5-D77A-03BD76BF302F}"/>
+                </a:ext>
+              </a:extLst>
+            </p:cNvPr>
+            <p:cNvCxnSpPr/>
+            <p:nvPr>
+              <p:custDataLst>
+                <p:tags r:id="rId15"/>
+              </p:custDataLst>
+            </p:nvPr>
+          </p:nvCxnSpPr>
+          <p:spPr>
+            <a:xfrm>
+              <a:off x="3023902" y="5354320"/>
+              <a:ext cx="0" cy="177800"/>
+            </a:xfrm>
+            <a:prstGeom prst="line">
+              <a:avLst/>
+            </a:prstGeom>
+            <a:ln w="6350" cap="flat" cmpd="sng" algn="ctr">
+              <a:solidFill>
+                <a:schemeClr val="lt1">
+                  <a:alpha val="29804"/>
+                </a:schemeClr>
+              </a:solidFill>
+              <a:prstDash val="solid"/>
+              <a:miter lim="800000"/>
+              <a:headEnd type="none" w="med" len="med"/>
+              <a:tailEnd type="none" w="med" len="med"/>
+            </a:ln>
+          </p:spPr>
+          <p:style>
+            <a:lnRef idx="1">
+              <a:schemeClr val="accent1"/>
+            </a:lnRef>
+            <a:fillRef idx="0">
+              <a:schemeClr val="accent1"/>
+            </a:fillRef>
+            <a:effectRef idx="0">
+              <a:schemeClr val="accent1"/>
+            </a:effectRef>
+            <a:fontRef idx="minor">
+              <a:schemeClr val="tx1"/>
+            </a:fontRef>
+          </p:style>
+        </p:cxnSp>
+        <p:cxnSp>
+          <p:nvCxnSpPr>
+            <p:cNvPr id="13" name="OTLSHAPE_TB_00000000000000000000000000000000_Separator3">
+              <a:extLst>
+                <a:ext uri="{FF2B5EF4-FFF2-40B4-BE49-F238E27FC236}">
+                  <a16:creationId xmlns:a16="http://schemas.microsoft.com/office/drawing/2014/main" id="{4909B62A-5614-2944-DAE6-DC46D80D3797}"/>
+                </a:ext>
+              </a:extLst>
+            </p:cNvPr>
+            <p:cNvCxnSpPr/>
+            <p:nvPr>
+              <p:custDataLst>
+                <p:tags r:id="rId16"/>
+              </p:custDataLst>
+            </p:nvPr>
+          </p:nvCxnSpPr>
+          <p:spPr>
+            <a:xfrm>
+              <a:off x="4320578" y="5354320"/>
+              <a:ext cx="0" cy="177800"/>
+            </a:xfrm>
+            <a:prstGeom prst="line">
+              <a:avLst/>
+            </a:prstGeom>
+            <a:ln w="6350" cap="flat" cmpd="sng" algn="ctr">
+              <a:solidFill>
+                <a:schemeClr val="lt1">
+                  <a:alpha val="29804"/>
+                </a:schemeClr>
+              </a:solidFill>
+              <a:prstDash val="solid"/>
+              <a:miter lim="800000"/>
+              <a:headEnd type="none" w="med" len="med"/>
+              <a:tailEnd type="none" w="med" len="med"/>
+            </a:ln>
+          </p:spPr>
+          <p:style>
+            <a:lnRef idx="1">
+              <a:schemeClr val="accent1"/>
+            </a:lnRef>
+            <a:fillRef idx="0">
+              <a:schemeClr val="accent1"/>
+            </a:fillRef>
+            <a:effectRef idx="0">
+              <a:schemeClr val="accent1"/>
+            </a:effectRef>
+            <a:fontRef idx="minor">
+              <a:schemeClr val="tx1"/>
+            </a:fontRef>
+          </p:style>
+        </p:cxnSp>
+        <p:cxnSp>
+          <p:nvCxnSpPr>
+            <p:cNvPr id="15" name="OTLSHAPE_TB_00000000000000000000000000000000_Separator4">
+              <a:extLst>
+                <a:ext uri="{FF2B5EF4-FFF2-40B4-BE49-F238E27FC236}">
+                  <a16:creationId xmlns:a16="http://schemas.microsoft.com/office/drawing/2014/main" id="{C2629469-A07B-836F-3720-07213EAE4496}"/>
+                </a:ext>
+              </a:extLst>
+            </p:cNvPr>
+            <p:cNvCxnSpPr/>
+            <p:nvPr>
+              <p:custDataLst>
+                <p:tags r:id="rId17"/>
+              </p:custDataLst>
+            </p:nvPr>
+          </p:nvCxnSpPr>
+          <p:spPr>
+            <a:xfrm>
+              <a:off x="5660476" y="5354320"/>
+              <a:ext cx="0" cy="177800"/>
+            </a:xfrm>
+            <a:prstGeom prst="line">
+              <a:avLst/>
+            </a:prstGeom>
+            <a:ln w="6350" cap="flat" cmpd="sng" algn="ctr">
+              <a:solidFill>
+                <a:schemeClr val="lt1">
+                  <a:alpha val="29804"/>
+                </a:schemeClr>
+              </a:solidFill>
+              <a:prstDash val="solid"/>
+              <a:miter lim="800000"/>
+              <a:headEnd type="none" w="med" len="med"/>
+              <a:tailEnd type="none" w="med" len="med"/>
+            </a:ln>
+          </p:spPr>
+          <p:style>
+            <a:lnRef idx="1">
+              <a:schemeClr val="accent1"/>
+            </a:lnRef>
+            <a:fillRef idx="0">
+              <a:schemeClr val="accent1"/>
+            </a:fillRef>
+            <a:effectRef idx="0">
+              <a:schemeClr val="accent1"/>
+            </a:effectRef>
+            <a:fontRef idx="minor">
+              <a:schemeClr val="tx1"/>
+            </a:fontRef>
+          </p:style>
+        </p:cxnSp>
+        <p:cxnSp>
+          <p:nvCxnSpPr>
+            <p:cNvPr id="17" name="OTLSHAPE_TB_00000000000000000000000000000000_Separator5">
+              <a:extLst>
+                <a:ext uri="{FF2B5EF4-FFF2-40B4-BE49-F238E27FC236}">
+                  <a16:creationId xmlns:a16="http://schemas.microsoft.com/office/drawing/2014/main" id="{159969BF-59CB-D0E5-F396-139C7E503CA6}"/>
+                </a:ext>
+              </a:extLst>
+            </p:cNvPr>
+            <p:cNvCxnSpPr/>
+            <p:nvPr>
+              <p:custDataLst>
+                <p:tags r:id="rId18"/>
+              </p:custDataLst>
+            </p:nvPr>
+          </p:nvCxnSpPr>
+          <p:spPr>
+            <a:xfrm>
+              <a:off x="6957151" y="5354320"/>
+              <a:ext cx="0" cy="177800"/>
+            </a:xfrm>
+            <a:prstGeom prst="line">
+              <a:avLst/>
+            </a:prstGeom>
+            <a:ln w="6350" cap="flat" cmpd="sng" algn="ctr">
+              <a:solidFill>
+                <a:schemeClr val="lt1">
+                  <a:alpha val="29804"/>
+                </a:schemeClr>
+              </a:solidFill>
+              <a:prstDash val="solid"/>
+              <a:miter lim="800000"/>
+              <a:headEnd type="none" w="med" len="med"/>
+              <a:tailEnd type="none" w="med" len="med"/>
+            </a:ln>
+          </p:spPr>
+          <p:style>
+            <a:lnRef idx="1">
+              <a:schemeClr val="accent1"/>
+            </a:lnRef>
+            <a:fillRef idx="0">
+              <a:schemeClr val="accent1"/>
+            </a:fillRef>
+            <a:effectRef idx="0">
+              <a:schemeClr val="accent1"/>
+            </a:effectRef>
+            <a:fontRef idx="minor">
+              <a:schemeClr val="tx1"/>
+            </a:fontRef>
+          </p:style>
+        </p:cxnSp>
+        <p:cxnSp>
+          <p:nvCxnSpPr>
+            <p:cNvPr id="19" name="OTLSHAPE_TB_00000000000000000000000000000000_Separator6">
+              <a:extLst>
+                <a:ext uri="{FF2B5EF4-FFF2-40B4-BE49-F238E27FC236}">
+                  <a16:creationId xmlns:a16="http://schemas.microsoft.com/office/drawing/2014/main" id="{2F045EB1-0FA1-8410-6A5A-11211FEBC647}"/>
+                </a:ext>
+              </a:extLst>
+            </p:cNvPr>
+            <p:cNvCxnSpPr/>
+            <p:nvPr>
+              <p:custDataLst>
+                <p:tags r:id="rId19"/>
+              </p:custDataLst>
+            </p:nvPr>
+          </p:nvCxnSpPr>
+          <p:spPr>
+            <a:xfrm>
+              <a:off x="8297048" y="5354320"/>
+              <a:ext cx="0" cy="177800"/>
+            </a:xfrm>
+            <a:prstGeom prst="line">
+              <a:avLst/>
+            </a:prstGeom>
+            <a:ln w="6350" cap="flat" cmpd="sng" algn="ctr">
+              <a:solidFill>
+                <a:schemeClr val="lt1">
+                  <a:alpha val="29804"/>
+                </a:schemeClr>
+              </a:solidFill>
+              <a:prstDash val="solid"/>
+              <a:miter lim="800000"/>
+              <a:headEnd type="none" w="med" len="med"/>
+              <a:tailEnd type="none" w="med" len="med"/>
+            </a:ln>
+          </p:spPr>
+          <p:style>
+            <a:lnRef idx="1">
+              <a:schemeClr val="accent1"/>
+            </a:lnRef>
+            <a:fillRef idx="0">
+              <a:schemeClr val="accent1"/>
+            </a:fillRef>
+            <a:effectRef idx="0">
+              <a:schemeClr val="accent1"/>
+            </a:effectRef>
+            <a:fontRef idx="minor">
+              <a:schemeClr val="tx1"/>
+            </a:fontRef>
+          </p:style>
+        </p:cxnSp>
+        <p:cxnSp>
+          <p:nvCxnSpPr>
+            <p:cNvPr id="21" name="OTLSHAPE_TB_00000000000000000000000000000000_Separator7">
+              <a:extLst>
+                <a:ext uri="{FF2B5EF4-FFF2-40B4-BE49-F238E27FC236}">
+                  <a16:creationId xmlns:a16="http://schemas.microsoft.com/office/drawing/2014/main" id="{33A1D0E3-2F07-5D2F-8E6A-65C25D8997F2}"/>
+                </a:ext>
+              </a:extLst>
+            </p:cNvPr>
+            <p:cNvCxnSpPr/>
+            <p:nvPr>
+              <p:custDataLst>
+                <p:tags r:id="rId20"/>
+              </p:custDataLst>
+            </p:nvPr>
+          </p:nvCxnSpPr>
+          <p:spPr>
+            <a:xfrm>
+              <a:off x="9636946" y="5354320"/>
+              <a:ext cx="0" cy="177800"/>
+            </a:xfrm>
+            <a:prstGeom prst="line">
+              <a:avLst/>
+            </a:prstGeom>
+            <a:ln w="6350" cap="flat" cmpd="sng" algn="ctr">
+              <a:solidFill>
+                <a:schemeClr val="lt1">
+                  <a:alpha val="29804"/>
+                </a:schemeClr>
+              </a:solidFill>
+              <a:prstDash val="solid"/>
+              <a:miter lim="800000"/>
+              <a:headEnd type="none" w="med" len="med"/>
+              <a:tailEnd type="none" w="med" len="med"/>
+            </a:ln>
+          </p:spPr>
+          <p:style>
+            <a:lnRef idx="1">
+              <a:schemeClr val="accent1"/>
+            </a:lnRef>
+            <a:fillRef idx="0">
+              <a:schemeClr val="accent1"/>
+            </a:fillRef>
+            <a:effectRef idx="0">
+              <a:schemeClr val="accent1"/>
+            </a:effectRef>
+            <a:fontRef idx="minor">
+              <a:schemeClr val="tx1"/>
+            </a:fontRef>
+          </p:style>
+        </p:cxnSp>
+        <p:sp>
+          <p:nvSpPr>
+            <p:cNvPr id="23" name="OTLSHAPE_T_bd896f8e8b8a4119aec8774a702b3f27_Shape">
+              <a:extLst>
+                <a:ext uri="{FF2B5EF4-FFF2-40B4-BE49-F238E27FC236}">
+                  <a16:creationId xmlns:a16="http://schemas.microsoft.com/office/drawing/2014/main" id="{2BED4ED1-2D2A-419C-4E13-313B431D1A10}"/>
+                </a:ext>
+              </a:extLst>
+            </p:cNvPr>
+            <p:cNvSpPr/>
+            <p:nvPr>
+              <p:custDataLst>
+                <p:tags r:id="rId21"/>
+              </p:custDataLst>
+            </p:nvPr>
+          </p:nvSpPr>
+          <p:spPr>
+            <a:xfrm>
+              <a:off x="1597560" y="3529330"/>
+              <a:ext cx="520700" cy="127000"/>
+            </a:xfrm>
+            <a:prstGeom prst="roundRect">
+              <a:avLst/>
             </a:prstGeom>
             <a:solidFill>
-              <a:srgbClr val="FF0000"/>
+              <a:schemeClr val="accent5"/>
             </a:solidFill>
-            <a:ln>
+            <a:ln w="25400" cap="flat" cmpd="sng" algn="ctr">
               <a:noFill/>
+              <a:prstDash val="solid"/>
+              <a:miter/>
             </a:ln>
+            <a:effectLst/>
+            <a:extLst>
+              <a:ext uri="{91240B29-F687-4F45-9708-019B960494DF}">
+                <a14:hiddenLine xmlns:a14="http://schemas.microsoft.com/office/drawing/2010/main" w="25400" cap="flat" cmpd="sng" algn="ctr">
+                  <a:solidFill>
+                    <a:schemeClr val="accent1">
+                      <a:shade val="15000"/>
+                    </a:schemeClr>
+                  </a:solidFill>
+                  <a:prstDash val="solid"/>
+                  <a:miter/>
+                </a14:hiddenLine>
+              </a:ext>
+            </a:extLst>
           </p:spPr>
           <p:style>
             <a:lnRef idx="2">
@@ -21850,552 +19264,65 @@
             <a:effectRef idx="0">
               <a:schemeClr val="accent1"/>
             </a:effectRef>
-            <a:fontRef idx="minor"/>
+            <a:fontRef idx="minor">
+              <a:schemeClr val="lt1"/>
+            </a:fontRef>
           </p:style>
           <p:txBody>
-            <a:bodyPr/>
+            <a:bodyPr rtlCol="0" anchor="ctr"/>
             <a:lstStyle/>
             <a:p>
+              <a:pPr algn="ctr"/>
               <a:endParaRPr lang="de-AT"/>
             </a:p>
           </p:txBody>
         </p:sp>
         <p:sp>
           <p:nvSpPr>
-            <p:cNvPr id="464" name="OTLSHAPE_TB_00000000000000000000000000000000_TodayMarkerText"/>
+            <p:cNvPr id="31" name="OTLSHAPE_T_ebf7c018d34649509a004dbec5eae34c_Shape">
+              <a:extLst>
+                <a:ext uri="{FF2B5EF4-FFF2-40B4-BE49-F238E27FC236}">
+                  <a16:creationId xmlns:a16="http://schemas.microsoft.com/office/drawing/2014/main" id="{370AA379-D21F-6266-61DF-0549392C2C92}"/>
+                </a:ext>
+              </a:extLst>
+            </p:cNvPr>
             <p:cNvSpPr/>
-            <p:nvPr/>
+            <p:nvPr>
+              <p:custDataLst>
+                <p:tags r:id="rId22"/>
+              </p:custDataLst>
+            </p:nvPr>
           </p:nvSpPr>
           <p:spPr>
             <a:xfrm>
-              <a:off x="5309685" y="5839967"/>
-              <a:ext cx="356400" cy="183240"/>
+              <a:off x="2116230" y="3763349"/>
+              <a:ext cx="876300" cy="127000"/>
             </a:xfrm>
-            <a:prstGeom prst="rect">
-              <a:avLst/>
-            </a:prstGeom>
-            <a:noFill/>
-            <a:ln w="0">
-              <a:noFill/>
-            </a:ln>
-          </p:spPr>
-          <p:style>
-            <a:lnRef idx="0">
-              <a:scrgbClr r="0" g="0" b="0"/>
-            </a:lnRef>
-            <a:fillRef idx="0">
-              <a:scrgbClr r="0" g="0" b="0"/>
-            </a:fillRef>
-            <a:effectRef idx="0">
-              <a:scrgbClr r="0" g="0" b="0"/>
-            </a:effectRef>
-            <a:fontRef idx="minor"/>
-          </p:style>
-          <p:txBody>
-            <a:bodyPr wrap="none" lIns="0" tIns="0" rIns="0" bIns="0" anchor="ctr">
-              <a:spAutoFit/>
-            </a:bodyPr>
-            <a:lstStyle/>
-            <a:p>
-              <a:pPr algn="ctr">
-                <a:lnSpc>
-                  <a:spcPct val="100000"/>
-                </a:lnSpc>
-                <a:buNone/>
-              </a:pPr>
-              <a:r>
-                <a:rPr lang="de-AT" sz="1200" b="0" strike="noStrike" spc="-12">
-                  <a:solidFill>
-                    <a:srgbClr val="000000"/>
-                  </a:solidFill>
-                  <a:latin typeface="Calibri"/>
-                </a:rPr>
-                <a:t>Today</a:t>
-              </a:r>
-              <a:endParaRPr lang="en-US" sz="1200" b="0" strike="noStrike" spc="-1">
-                <a:latin typeface="Arial"/>
-              </a:endParaRPr>
-            </a:p>
-          </p:txBody>
-        </p:sp>
-        <p:sp>
-          <p:nvSpPr>
-            <p:cNvPr id="465" name="OTLSHAPE_TB_00000000000000000000000000000000_TimescaleInterval1"/>
-            <p:cNvSpPr/>
-            <p:nvPr/>
-          </p:nvSpPr>
-          <p:spPr>
-            <a:xfrm>
-              <a:off x="603720" y="5176440"/>
-              <a:ext cx="218880" cy="273240"/>
-            </a:xfrm>
-            <a:prstGeom prst="rect">
-              <a:avLst/>
-            </a:prstGeom>
-            <a:noFill/>
-            <a:ln w="0">
-              <a:noFill/>
-            </a:ln>
-          </p:spPr>
-          <p:style>
-            <a:lnRef idx="0">
-              <a:scrgbClr r="0" g="0" b="0"/>
-            </a:lnRef>
-            <a:fillRef idx="0">
-              <a:scrgbClr r="0" g="0" b="0"/>
-            </a:fillRef>
-            <a:effectRef idx="0">
-              <a:scrgbClr r="0" g="0" b="0"/>
-            </a:effectRef>
-            <a:fontRef idx="minor"/>
-          </p:style>
-          <p:txBody>
-            <a:bodyPr wrap="none" lIns="0" tIns="0" rIns="0" bIns="0" anchor="ctr">
-              <a:noAutofit/>
-            </a:bodyPr>
-            <a:lstStyle/>
-            <a:p>
-              <a:pPr>
-                <a:lnSpc>
-                  <a:spcPct val="100000"/>
-                </a:lnSpc>
-                <a:buNone/>
-              </a:pPr>
-              <a:r>
-                <a:rPr lang="de-AT" sz="1200" b="0" strike="noStrike" spc="-18">
-                  <a:solidFill>
-                    <a:srgbClr val="000000"/>
-                  </a:solidFill>
-                  <a:latin typeface="Calibri"/>
-                </a:rPr>
-                <a:t>Feb</a:t>
-              </a:r>
-              <a:endParaRPr lang="en-US" sz="1200" b="0" strike="noStrike" spc="-1">
-                <a:latin typeface="Arial"/>
-              </a:endParaRPr>
-            </a:p>
-          </p:txBody>
-        </p:sp>
-        <p:sp>
-          <p:nvSpPr>
-            <p:cNvPr id="466" name="OTLSHAPE_TB_00000000000000000000000000000000_TimescaleInterval2"/>
-            <p:cNvSpPr/>
-            <p:nvPr/>
-          </p:nvSpPr>
-          <p:spPr>
-            <a:xfrm>
-              <a:off x="2620800" y="5176440"/>
-              <a:ext cx="255240" cy="273240"/>
-            </a:xfrm>
-            <a:prstGeom prst="rect">
-              <a:avLst/>
-            </a:prstGeom>
-            <a:noFill/>
-            <a:ln w="0">
-              <a:noFill/>
-            </a:ln>
-          </p:spPr>
-          <p:style>
-            <a:lnRef idx="0">
-              <a:scrgbClr r="0" g="0" b="0"/>
-            </a:lnRef>
-            <a:fillRef idx="0">
-              <a:scrgbClr r="0" g="0" b="0"/>
-            </a:fillRef>
-            <a:effectRef idx="0">
-              <a:scrgbClr r="0" g="0" b="0"/>
-            </a:effectRef>
-            <a:fontRef idx="minor"/>
-          </p:style>
-          <p:txBody>
-            <a:bodyPr wrap="none" lIns="0" tIns="0" rIns="0" bIns="0" anchor="ctr">
-              <a:noAutofit/>
-            </a:bodyPr>
-            <a:lstStyle/>
-            <a:p>
-              <a:pPr>
-                <a:lnSpc>
-                  <a:spcPct val="100000"/>
-                </a:lnSpc>
-                <a:buNone/>
-              </a:pPr>
-              <a:r>
-                <a:rPr lang="de-AT" sz="1200" b="0" strike="noStrike" spc="-18">
-                  <a:solidFill>
-                    <a:srgbClr val="000000"/>
-                  </a:solidFill>
-                  <a:latin typeface="Calibri"/>
-                </a:rPr>
-                <a:t>Mar</a:t>
-              </a:r>
-              <a:endParaRPr lang="en-US" sz="1200" b="0" strike="noStrike" spc="-1">
-                <a:latin typeface="Arial"/>
-              </a:endParaRPr>
-            </a:p>
-          </p:txBody>
-        </p:sp>
-        <p:sp>
-          <p:nvSpPr>
-            <p:cNvPr id="467" name="OTLSHAPE_TB_00000000000000000000000000000000_TimescaleInterval3"/>
-            <p:cNvSpPr/>
-            <p:nvPr/>
-          </p:nvSpPr>
-          <p:spPr>
-            <a:xfrm>
-              <a:off x="4777200" y="5176440"/>
-              <a:ext cx="219240" cy="273240"/>
-            </a:xfrm>
-            <a:prstGeom prst="rect">
-              <a:avLst/>
-            </a:prstGeom>
-            <a:noFill/>
-            <a:ln w="0">
-              <a:noFill/>
-            </a:ln>
-          </p:spPr>
-          <p:style>
-            <a:lnRef idx="0">
-              <a:scrgbClr r="0" g="0" b="0"/>
-            </a:lnRef>
-            <a:fillRef idx="0">
-              <a:scrgbClr r="0" g="0" b="0"/>
-            </a:fillRef>
-            <a:effectRef idx="0">
-              <a:scrgbClr r="0" g="0" b="0"/>
-            </a:effectRef>
-            <a:fontRef idx="minor"/>
-          </p:style>
-          <p:txBody>
-            <a:bodyPr wrap="none" lIns="0" tIns="0" rIns="0" bIns="0" anchor="ctr">
-              <a:noAutofit/>
-            </a:bodyPr>
-            <a:lstStyle/>
-            <a:p>
-              <a:pPr>
-                <a:lnSpc>
-                  <a:spcPct val="100000"/>
-                </a:lnSpc>
-                <a:buNone/>
-              </a:pPr>
-              <a:r>
-                <a:rPr lang="de-AT" sz="1200" b="0" strike="noStrike" spc="-18">
-                  <a:solidFill>
-                    <a:srgbClr val="000000"/>
-                  </a:solidFill>
-                  <a:latin typeface="Calibri"/>
-                </a:rPr>
-                <a:t>Apr</a:t>
-              </a:r>
-              <a:endParaRPr lang="en-US" sz="1200" b="0" strike="noStrike" spc="-1">
-                <a:latin typeface="Arial"/>
-              </a:endParaRPr>
-            </a:p>
-          </p:txBody>
-        </p:sp>
-        <p:sp>
-          <p:nvSpPr>
-            <p:cNvPr id="468" name="OTLSHAPE_TB_00000000000000000000000000000000_TimescaleInterval4"/>
-            <p:cNvSpPr/>
-            <p:nvPr/>
-          </p:nvSpPr>
-          <p:spPr>
-            <a:xfrm>
-              <a:off x="6863760" y="5176440"/>
-              <a:ext cx="267840" cy="273240"/>
-            </a:xfrm>
-            <a:prstGeom prst="rect">
-              <a:avLst/>
-            </a:prstGeom>
-            <a:noFill/>
-            <a:ln w="0">
-              <a:noFill/>
-            </a:ln>
-          </p:spPr>
-          <p:style>
-            <a:lnRef idx="0">
-              <a:scrgbClr r="0" g="0" b="0"/>
-            </a:lnRef>
-            <a:fillRef idx="0">
-              <a:scrgbClr r="0" g="0" b="0"/>
-            </a:fillRef>
-            <a:effectRef idx="0">
-              <a:scrgbClr r="0" g="0" b="0"/>
-            </a:effectRef>
-            <a:fontRef idx="minor"/>
-          </p:style>
-          <p:txBody>
-            <a:bodyPr wrap="none" lIns="0" tIns="0" rIns="0" bIns="0" anchor="ctr">
-              <a:noAutofit/>
-            </a:bodyPr>
-            <a:lstStyle/>
-            <a:p>
-              <a:pPr>
-                <a:lnSpc>
-                  <a:spcPct val="100000"/>
-                </a:lnSpc>
-                <a:buNone/>
-              </a:pPr>
-              <a:r>
-                <a:rPr lang="de-AT" sz="1200" b="0" strike="noStrike" spc="-18">
-                  <a:solidFill>
-                    <a:srgbClr val="000000"/>
-                  </a:solidFill>
-                  <a:latin typeface="Calibri"/>
-                </a:rPr>
-                <a:t>May</a:t>
-              </a:r>
-              <a:endParaRPr lang="en-US" sz="1200" b="0" strike="noStrike" spc="-1">
-                <a:latin typeface="Arial"/>
-              </a:endParaRPr>
-            </a:p>
-          </p:txBody>
-        </p:sp>
-        <p:sp>
-          <p:nvSpPr>
-            <p:cNvPr id="469" name="OTLSHAPE_TB_00000000000000000000000000000000_TimescaleInterval5"/>
-            <p:cNvSpPr/>
-            <p:nvPr/>
-          </p:nvSpPr>
-          <p:spPr>
-            <a:xfrm>
-              <a:off x="9020160" y="5176440"/>
-              <a:ext cx="206640" cy="273240"/>
-            </a:xfrm>
-            <a:prstGeom prst="rect">
-              <a:avLst/>
-            </a:prstGeom>
-            <a:noFill/>
-            <a:ln w="0">
-              <a:noFill/>
-            </a:ln>
-          </p:spPr>
-          <p:style>
-            <a:lnRef idx="0">
-              <a:scrgbClr r="0" g="0" b="0"/>
-            </a:lnRef>
-            <a:fillRef idx="0">
-              <a:scrgbClr r="0" g="0" b="0"/>
-            </a:fillRef>
-            <a:effectRef idx="0">
-              <a:scrgbClr r="0" g="0" b="0"/>
-            </a:effectRef>
-            <a:fontRef idx="minor"/>
-          </p:style>
-          <p:txBody>
-            <a:bodyPr wrap="none" lIns="0" tIns="0" rIns="0" bIns="0" anchor="ctr">
-              <a:noAutofit/>
-            </a:bodyPr>
-            <a:lstStyle/>
-            <a:p>
-              <a:pPr>
-                <a:lnSpc>
-                  <a:spcPct val="100000"/>
-                </a:lnSpc>
-                <a:buNone/>
-              </a:pPr>
-              <a:r>
-                <a:rPr lang="de-AT" sz="1200" b="0" strike="noStrike" spc="-18">
-                  <a:solidFill>
-                    <a:srgbClr val="000000"/>
-                  </a:solidFill>
-                  <a:latin typeface="Calibri"/>
-                </a:rPr>
-                <a:t>Jun</a:t>
-              </a:r>
-              <a:endParaRPr lang="en-US" sz="1200" b="0" strike="noStrike" spc="-1">
-                <a:latin typeface="Arial"/>
-              </a:endParaRPr>
-            </a:p>
-          </p:txBody>
-        </p:sp>
-        <p:sp>
-          <p:nvSpPr>
-            <p:cNvPr id="470" name="OTLSHAPE_TB_00000000000000000000000000000000_Separator1"/>
-            <p:cNvSpPr/>
-            <p:nvPr/>
-          </p:nvSpPr>
-          <p:spPr>
-            <a:xfrm>
-              <a:off x="2557080" y="5088960"/>
-              <a:ext cx="360" cy="448200"/>
-            </a:xfrm>
-            <a:prstGeom prst="line">
-              <a:avLst/>
-            </a:prstGeom>
-            <a:ln>
-              <a:solidFill>
-                <a:srgbClr val="000000">
-                  <a:alpha val="29804"/>
-                </a:srgbClr>
-              </a:solidFill>
-            </a:ln>
-          </p:spPr>
-          <p:style>
-            <a:lnRef idx="1">
-              <a:schemeClr val="accent1"/>
-            </a:lnRef>
-            <a:fillRef idx="0">
-              <a:schemeClr val="accent1"/>
-            </a:fillRef>
-            <a:effectRef idx="0">
-              <a:schemeClr val="accent1"/>
-            </a:effectRef>
-            <a:fontRef idx="minor"/>
-          </p:style>
-          <p:txBody>
-            <a:bodyPr/>
-            <a:lstStyle/>
-            <a:p>
-              <a:endParaRPr lang="de-AT"/>
-            </a:p>
-          </p:txBody>
-        </p:sp>
-        <p:sp>
-          <p:nvSpPr>
-            <p:cNvPr id="471" name="OTLSHAPE_TB_00000000000000000000000000000000_Separator2"/>
-            <p:cNvSpPr/>
-            <p:nvPr/>
-          </p:nvSpPr>
-          <p:spPr>
-            <a:xfrm>
-              <a:off x="4713480" y="5088960"/>
-              <a:ext cx="360" cy="448200"/>
-            </a:xfrm>
-            <a:prstGeom prst="line">
-              <a:avLst/>
-            </a:prstGeom>
-            <a:ln>
-              <a:solidFill>
-                <a:srgbClr val="000000">
-                  <a:alpha val="29804"/>
-                </a:srgbClr>
-              </a:solidFill>
-            </a:ln>
-          </p:spPr>
-          <p:style>
-            <a:lnRef idx="1">
-              <a:schemeClr val="accent1"/>
-            </a:lnRef>
-            <a:fillRef idx="0">
-              <a:schemeClr val="accent1"/>
-            </a:fillRef>
-            <a:effectRef idx="0">
-              <a:schemeClr val="accent1"/>
-            </a:effectRef>
-            <a:fontRef idx="minor"/>
-          </p:style>
-          <p:txBody>
-            <a:bodyPr/>
-            <a:lstStyle/>
-            <a:p>
-              <a:endParaRPr lang="de-AT"/>
-            </a:p>
-          </p:txBody>
-        </p:sp>
-        <p:sp>
-          <p:nvSpPr>
-            <p:cNvPr id="472" name="OTLSHAPE_TB_00000000000000000000000000000000_Separator3"/>
-            <p:cNvSpPr/>
-            <p:nvPr/>
-          </p:nvSpPr>
-          <p:spPr>
-            <a:xfrm>
-              <a:off x="6800040" y="5088960"/>
-              <a:ext cx="360" cy="448200"/>
-            </a:xfrm>
-            <a:prstGeom prst="line">
-              <a:avLst/>
-            </a:prstGeom>
-            <a:ln>
-              <a:solidFill>
-                <a:srgbClr val="000000">
-                  <a:alpha val="29804"/>
-                </a:srgbClr>
-              </a:solidFill>
-            </a:ln>
-          </p:spPr>
-          <p:style>
-            <a:lnRef idx="1">
-              <a:schemeClr val="accent1"/>
-            </a:lnRef>
-            <a:fillRef idx="0">
-              <a:schemeClr val="accent1"/>
-            </a:fillRef>
-            <a:effectRef idx="0">
-              <a:schemeClr val="accent1"/>
-            </a:effectRef>
-            <a:fontRef idx="minor"/>
-          </p:style>
-          <p:txBody>
-            <a:bodyPr/>
-            <a:lstStyle/>
-            <a:p>
-              <a:endParaRPr lang="de-AT"/>
-            </a:p>
-          </p:txBody>
-        </p:sp>
-        <p:sp>
-          <p:nvSpPr>
-            <p:cNvPr id="473" name="OTLSHAPE_TB_00000000000000000000000000000000_Separator4"/>
-            <p:cNvSpPr/>
-            <p:nvPr/>
-          </p:nvSpPr>
-          <p:spPr>
-            <a:xfrm>
-              <a:off x="8956440" y="5088960"/>
-              <a:ext cx="360" cy="448200"/>
-            </a:xfrm>
-            <a:prstGeom prst="line">
-              <a:avLst/>
-            </a:prstGeom>
-            <a:ln>
-              <a:solidFill>
-                <a:srgbClr val="000000">
-                  <a:alpha val="29804"/>
-                </a:srgbClr>
-              </a:solidFill>
-            </a:ln>
-          </p:spPr>
-          <p:style>
-            <a:lnRef idx="1">
-              <a:schemeClr val="accent1"/>
-            </a:lnRef>
-            <a:fillRef idx="0">
-              <a:schemeClr val="accent1"/>
-            </a:fillRef>
-            <a:effectRef idx="0">
-              <a:schemeClr val="accent1"/>
-            </a:effectRef>
-            <a:fontRef idx="minor"/>
-          </p:style>
-          <p:txBody>
-            <a:bodyPr/>
-            <a:lstStyle/>
-            <a:p>
-              <a:endParaRPr lang="de-AT"/>
-            </a:p>
-          </p:txBody>
-        </p:sp>
-        <p:sp>
-          <p:nvSpPr>
-            <p:cNvPr id="474" name="OTLSHAPE_T_176d48038d834789a1f5a6cedab58b18_Shape"/>
-            <p:cNvSpPr/>
-            <p:nvPr/>
-          </p:nvSpPr>
-          <p:spPr>
-            <a:xfrm>
-              <a:off x="2418120" y="1457280"/>
-              <a:ext cx="837720" cy="410760"/>
-            </a:xfrm>
-            <a:prstGeom prst="rect">
+            <a:prstGeom prst="roundRect">
               <a:avLst/>
             </a:prstGeom>
             <a:solidFill>
-              <a:schemeClr val="accent1"/>
+              <a:schemeClr val="accent5"/>
             </a:solidFill>
-            <a:ln>
+            <a:ln w="25400" cap="flat" cmpd="sng" algn="ctr">
               <a:noFill/>
+              <a:prstDash val="solid"/>
+              <a:miter/>
             </a:ln>
+            <a:effectLst/>
+            <a:extLst>
+              <a:ext uri="{91240B29-F687-4F45-9708-019B960494DF}">
+                <a14:hiddenLine xmlns:a14="http://schemas.microsoft.com/office/drawing/2010/main" w="25400" cap="flat" cmpd="sng" algn="ctr">
+                  <a:solidFill>
+                    <a:schemeClr val="accent1">
+                      <a:shade val="15000"/>
+                    </a:schemeClr>
+                  </a:solidFill>
+                  <a:prstDash val="solid"/>
+                  <a:miter/>
+                </a14:hiddenLine>
+              </a:ext>
+            </a:extLst>
           </p:spPr>
           <p:style>
             <a:lnRef idx="2">
@@ -22409,36 +19336,65 @@
             <a:effectRef idx="0">
               <a:schemeClr val="accent1"/>
             </a:effectRef>
-            <a:fontRef idx="minor"/>
+            <a:fontRef idx="minor">
+              <a:schemeClr val="lt1"/>
+            </a:fontRef>
           </p:style>
           <p:txBody>
-            <a:bodyPr/>
+            <a:bodyPr rtlCol="0" anchor="ctr"/>
             <a:lstStyle/>
             <a:p>
+              <a:pPr algn="ctr"/>
               <a:endParaRPr lang="de-AT"/>
             </a:p>
           </p:txBody>
         </p:sp>
         <p:sp>
           <p:nvSpPr>
-            <p:cNvPr id="475" name="OTLSHAPE_T_1d4c38599d614477931637ed991196d0_Shape"/>
+            <p:cNvPr id="39" name="OTLSHAPE_T_65675a73da8d4b41894545a6f9adccb7_Shape">
+              <a:extLst>
+                <a:ext uri="{FF2B5EF4-FFF2-40B4-BE49-F238E27FC236}">
+                  <a16:creationId xmlns:a16="http://schemas.microsoft.com/office/drawing/2014/main" id="{9B5F3B7E-9FD1-BCDC-F442-DC63DB6BA4FB}"/>
+                </a:ext>
+              </a:extLst>
+            </p:cNvPr>
             <p:cNvSpPr/>
-            <p:nvPr/>
+            <p:nvPr>
+              <p:custDataLst>
+                <p:tags r:id="rId23"/>
+              </p:custDataLst>
+            </p:nvPr>
           </p:nvSpPr>
           <p:spPr>
             <a:xfrm>
-              <a:off x="2905200" y="1961640"/>
-              <a:ext cx="1193400" cy="410760"/>
+              <a:off x="2980650" y="3997367"/>
+              <a:ext cx="6667500" cy="127000"/>
             </a:xfrm>
-            <a:prstGeom prst="rect">
+            <a:prstGeom prst="roundRect">
               <a:avLst/>
             </a:prstGeom>
             <a:solidFill>
-              <a:schemeClr val="accent1"/>
+              <a:schemeClr val="accent5"/>
             </a:solidFill>
-            <a:ln>
+            <a:ln w="25400" cap="flat" cmpd="sng" algn="ctr">
               <a:noFill/>
+              <a:prstDash val="solid"/>
+              <a:miter/>
             </a:ln>
+            <a:effectLst/>
+            <a:extLst>
+              <a:ext uri="{91240B29-F687-4F45-9708-019B960494DF}">
+                <a14:hiddenLine xmlns:a14="http://schemas.microsoft.com/office/drawing/2010/main" w="25400" cap="flat" cmpd="sng" algn="ctr">
+                  <a:solidFill>
+                    <a:schemeClr val="accent1">
+                      <a:shade val="15000"/>
+                    </a:schemeClr>
+                  </a:solidFill>
+                  <a:prstDash val="solid"/>
+                  <a:miter/>
+                </a14:hiddenLine>
+              </a:ext>
+            </a:extLst>
           </p:spPr>
           <p:style>
             <a:lnRef idx="2">
@@ -22452,36 +19408,65 @@
             <a:effectRef idx="0">
               <a:schemeClr val="accent1"/>
             </a:effectRef>
-            <a:fontRef idx="minor"/>
+            <a:fontRef idx="minor">
+              <a:schemeClr val="lt1"/>
+            </a:fontRef>
           </p:style>
           <p:txBody>
-            <a:bodyPr/>
+            <a:bodyPr rtlCol="0" anchor="ctr"/>
             <a:lstStyle/>
             <a:p>
+              <a:pPr algn="ctr"/>
               <a:endParaRPr lang="de-AT"/>
             </a:p>
           </p:txBody>
         </p:sp>
         <p:sp>
           <p:nvSpPr>
-            <p:cNvPr id="476" name="OTLSHAPE_T_ffea28121313419c9bdf8dac859bd03c_Shape"/>
+            <p:cNvPr id="47" name="OTLSHAPE_T_4dc6df0c3a3e4ea78686d60dc8d3743d_Shape">
+              <a:extLst>
+                <a:ext uri="{FF2B5EF4-FFF2-40B4-BE49-F238E27FC236}">
+                  <a16:creationId xmlns:a16="http://schemas.microsoft.com/office/drawing/2014/main" id="{B8753F2C-7616-AA03-C52A-B819365C5D9E}"/>
+                </a:ext>
+              </a:extLst>
+            </p:cNvPr>
             <p:cNvSpPr/>
-            <p:nvPr/>
+            <p:nvPr>
+              <p:custDataLst>
+                <p:tags r:id="rId24"/>
+              </p:custDataLst>
+            </p:nvPr>
           </p:nvSpPr>
           <p:spPr>
             <a:xfrm>
-              <a:off x="4226760" y="2466000"/>
-              <a:ext cx="2814120" cy="410760"/>
+              <a:off x="2721345" y="4231386"/>
+              <a:ext cx="1003300" cy="127000"/>
             </a:xfrm>
-            <a:prstGeom prst="rect">
+            <a:prstGeom prst="roundRect">
               <a:avLst/>
             </a:prstGeom>
             <a:solidFill>
-              <a:schemeClr val="accent1"/>
+              <a:schemeClr val="accent5"/>
             </a:solidFill>
-            <a:ln>
+            <a:ln w="25400" cap="flat" cmpd="sng" algn="ctr">
               <a:noFill/>
+              <a:prstDash val="solid"/>
+              <a:miter/>
             </a:ln>
+            <a:effectLst/>
+            <a:extLst>
+              <a:ext uri="{91240B29-F687-4F45-9708-019B960494DF}">
+                <a14:hiddenLine xmlns:a14="http://schemas.microsoft.com/office/drawing/2010/main" w="25400" cap="flat" cmpd="sng" algn="ctr">
+                  <a:solidFill>
+                    <a:schemeClr val="accent1">
+                      <a:shade val="15000"/>
+                    </a:schemeClr>
+                  </a:solidFill>
+                  <a:prstDash val="solid"/>
+                  <a:miter/>
+                </a14:hiddenLine>
+              </a:ext>
+            </a:extLst>
           </p:spPr>
           <p:style>
             <a:lnRef idx="2">
@@ -22495,36 +19480,65 @@
             <a:effectRef idx="0">
               <a:schemeClr val="accent1"/>
             </a:effectRef>
-            <a:fontRef idx="minor"/>
+            <a:fontRef idx="minor">
+              <a:schemeClr val="lt1"/>
+            </a:fontRef>
           </p:style>
           <p:txBody>
-            <a:bodyPr/>
+            <a:bodyPr rtlCol="0" anchor="ctr"/>
             <a:lstStyle/>
             <a:p>
+              <a:pPr algn="ctr"/>
               <a:endParaRPr lang="de-AT"/>
             </a:p>
           </p:txBody>
         </p:sp>
         <p:sp>
           <p:nvSpPr>
-            <p:cNvPr id="477" name="OTLSHAPE_T_f3f2b2e75ddd4029b5bdbcc76280ee9a_Shape"/>
+            <p:cNvPr id="55" name="OTLSHAPE_T_30e590c925fc4c439485ee079ac0118a_Shape">
+              <a:extLst>
+                <a:ext uri="{FF2B5EF4-FFF2-40B4-BE49-F238E27FC236}">
+                  <a16:creationId xmlns:a16="http://schemas.microsoft.com/office/drawing/2014/main" id="{CFA7D454-4672-25DC-EE70-F2BB09FA8E9A}"/>
+                </a:ext>
+              </a:extLst>
+            </p:cNvPr>
             <p:cNvSpPr/>
-            <p:nvPr/>
+            <p:nvPr>
+              <p:custDataLst>
+                <p:tags r:id="rId25"/>
+              </p:custDataLst>
+            </p:nvPr>
           </p:nvSpPr>
           <p:spPr>
             <a:xfrm>
-              <a:off x="5131080" y="2970360"/>
-              <a:ext cx="355320" cy="410760"/>
+              <a:off x="4061243" y="4465404"/>
+              <a:ext cx="2463800" cy="127000"/>
             </a:xfrm>
-            <a:prstGeom prst="rect">
+            <a:prstGeom prst="roundRect">
               <a:avLst/>
             </a:prstGeom>
             <a:solidFill>
-              <a:schemeClr val="accent1"/>
+              <a:schemeClr val="accent5"/>
             </a:solidFill>
-            <a:ln>
+            <a:ln w="25400" cap="flat" cmpd="sng" algn="ctr">
               <a:noFill/>
+              <a:prstDash val="solid"/>
+              <a:miter/>
             </a:ln>
+            <a:effectLst/>
+            <a:extLst>
+              <a:ext uri="{91240B29-F687-4F45-9708-019B960494DF}">
+                <a14:hiddenLine xmlns:a14="http://schemas.microsoft.com/office/drawing/2010/main" w="25400" cap="flat" cmpd="sng" algn="ctr">
+                  <a:solidFill>
+                    <a:schemeClr val="accent1">
+                      <a:shade val="15000"/>
+                    </a:schemeClr>
+                  </a:solidFill>
+                  <a:prstDash val="solid"/>
+                  <a:miter/>
+                </a14:hiddenLine>
+              </a:ext>
+            </a:extLst>
           </p:spPr>
           <p:style>
             <a:lnRef idx="2">
@@ -22538,36 +19552,65 @@
             <a:effectRef idx="0">
               <a:schemeClr val="accent1"/>
             </a:effectRef>
-            <a:fontRef idx="minor"/>
+            <a:fontRef idx="minor">
+              <a:schemeClr val="lt1"/>
+            </a:fontRef>
           </p:style>
           <p:txBody>
-            <a:bodyPr/>
+            <a:bodyPr rtlCol="0" anchor="ctr"/>
             <a:lstStyle/>
             <a:p>
+              <a:pPr algn="ctr"/>
               <a:endParaRPr lang="de-AT"/>
             </a:p>
           </p:txBody>
         </p:sp>
         <p:sp>
           <p:nvSpPr>
-            <p:cNvPr id="478" name="OTLSHAPE_T_a3e6e87406ac40a3a4677a5c8aa32b7c_Shape"/>
+            <p:cNvPr id="63" name="OTLSHAPE_T_487bf8f964e14138b4ebfc198e056c72_Shape">
+              <a:extLst>
+                <a:ext uri="{FF2B5EF4-FFF2-40B4-BE49-F238E27FC236}">
+                  <a16:creationId xmlns:a16="http://schemas.microsoft.com/office/drawing/2014/main" id="{BD57981C-0E00-E2CB-E1F0-1E6EAA282594}"/>
+                </a:ext>
+              </a:extLst>
+            </p:cNvPr>
             <p:cNvSpPr/>
-            <p:nvPr/>
+            <p:nvPr>
+              <p:custDataLst>
+                <p:tags r:id="rId26"/>
+              </p:custDataLst>
+            </p:nvPr>
           </p:nvSpPr>
           <p:spPr>
             <a:xfrm>
-              <a:off x="6800400" y="3474720"/>
-              <a:ext cx="2158560" cy="410760"/>
+              <a:off x="9636947" y="4784683"/>
+              <a:ext cx="1308100" cy="127000"/>
             </a:xfrm>
-            <a:prstGeom prst="rect">
+            <a:prstGeom prst="roundRect">
               <a:avLst/>
             </a:prstGeom>
             <a:solidFill>
-              <a:schemeClr val="accent1"/>
+              <a:schemeClr val="accent5"/>
             </a:solidFill>
-            <a:ln>
+            <a:ln w="25400" cap="flat" cmpd="sng" algn="ctr">
               <a:noFill/>
+              <a:prstDash val="solid"/>
+              <a:miter/>
             </a:ln>
+            <a:effectLst/>
+            <a:extLst>
+              <a:ext uri="{91240B29-F687-4F45-9708-019B960494DF}">
+                <a14:hiddenLine xmlns:a14="http://schemas.microsoft.com/office/drawing/2010/main" w="25400" cap="flat" cmpd="sng" algn="ctr">
+                  <a:solidFill>
+                    <a:schemeClr val="accent1">
+                      <a:shade val="15000"/>
+                    </a:schemeClr>
+                  </a:solidFill>
+                  <a:prstDash val="solid"/>
+                  <a:miter/>
+                </a14:hiddenLine>
+              </a:ext>
+            </a:extLst>
           </p:spPr>
           <p:style>
             <a:lnRef idx="2">
@@ -22581,36 +19624,65 @@
             <a:effectRef idx="0">
               <a:schemeClr val="accent1"/>
             </a:effectRef>
-            <a:fontRef idx="minor"/>
+            <a:fontRef idx="minor">
+              <a:schemeClr val="lt1"/>
+            </a:fontRef>
           </p:style>
           <p:txBody>
-            <a:bodyPr/>
+            <a:bodyPr rtlCol="0" anchor="ctr"/>
             <a:lstStyle/>
             <a:p>
+              <a:pPr algn="ctr"/>
               <a:endParaRPr lang="de-AT"/>
             </a:p>
           </p:txBody>
         </p:sp>
         <p:sp>
           <p:nvSpPr>
-            <p:cNvPr id="479" name="OTLSHAPE_T_50690a89d4324b3aa64ea1dde18cfff0_Shape"/>
+            <p:cNvPr id="71" name="OTLSHAPE_T_394b5331fba3411b8e849607697f0700_Shape">
+              <a:extLst>
+                <a:ext uri="{FF2B5EF4-FFF2-40B4-BE49-F238E27FC236}">
+                  <a16:creationId xmlns:a16="http://schemas.microsoft.com/office/drawing/2014/main" id="{5C63F35E-A39A-529D-7C7E-01A46610FF7F}"/>
+                </a:ext>
+              </a:extLst>
+            </p:cNvPr>
             <p:cNvSpPr/>
-            <p:nvPr/>
+            <p:nvPr>
+              <p:custDataLst>
+                <p:tags r:id="rId27"/>
+              </p:custDataLst>
+            </p:nvPr>
           </p:nvSpPr>
           <p:spPr>
             <a:xfrm>
-              <a:off x="8886960" y="3979080"/>
-              <a:ext cx="1193400" cy="410760"/>
+              <a:off x="5574031" y="5103960"/>
+              <a:ext cx="4114800" cy="127000"/>
             </a:xfrm>
-            <a:prstGeom prst="rect">
+            <a:prstGeom prst="roundRect">
               <a:avLst/>
             </a:prstGeom>
             <a:solidFill>
-              <a:schemeClr val="accent1"/>
+              <a:schemeClr val="accent5"/>
             </a:solidFill>
-            <a:ln>
+            <a:ln w="25400" cap="flat" cmpd="sng" algn="ctr">
               <a:noFill/>
+              <a:prstDash val="solid"/>
+              <a:miter/>
             </a:ln>
+            <a:effectLst/>
+            <a:extLst>
+              <a:ext uri="{91240B29-F687-4F45-9708-019B960494DF}">
+                <a14:hiddenLine xmlns:a14="http://schemas.microsoft.com/office/drawing/2010/main" w="25400" cap="flat" cmpd="sng" algn="ctr">
+                  <a:solidFill>
+                    <a:schemeClr val="accent1">
+                      <a:shade val="15000"/>
+                    </a:schemeClr>
+                  </a:solidFill>
+                  <a:prstDash val="solid"/>
+                  <a:miter/>
+                </a14:hiddenLine>
+              </a:ext>
+            </a:extLst>
           </p:spPr>
           <p:style>
             <a:lnRef idx="2">
@@ -22624,1708 +19696,655 @@
             <a:effectRef idx="0">
               <a:schemeClr val="accent1"/>
             </a:effectRef>
-            <a:fontRef idx="minor"/>
+            <a:fontRef idx="minor">
+              <a:schemeClr val="lt1"/>
+            </a:fontRef>
           </p:style>
           <p:txBody>
-            <a:bodyPr/>
+            <a:bodyPr rtlCol="0" anchor="ctr"/>
             <a:lstStyle/>
             <a:p>
+              <a:pPr algn="ctr"/>
               <a:endParaRPr lang="de-AT"/>
             </a:p>
           </p:txBody>
         </p:sp>
         <p:sp>
           <p:nvSpPr>
-            <p:cNvPr id="480" name="OTLSHAPE_T_c8a6c88c5d1743fda7f9dae191c099b1_Shape"/>
-            <p:cNvSpPr/>
-            <p:nvPr/>
+            <p:cNvPr id="29" name="OTLSHAPE_T_bd896f8e8b8a4119aec8774a702b3f27_JoinedDate">
+              <a:extLst>
+                <a:ext uri="{FF2B5EF4-FFF2-40B4-BE49-F238E27FC236}">
+                  <a16:creationId xmlns:a16="http://schemas.microsoft.com/office/drawing/2014/main" id="{F46C2CB3-07B5-015B-719B-EF71EB630598}"/>
+                </a:ext>
+              </a:extLst>
+            </p:cNvPr>
+            <p:cNvSpPr txBox="1"/>
+            <p:nvPr>
+              <p:custDataLst>
+                <p:tags r:id="rId28"/>
+              </p:custDataLst>
+            </p:nvPr>
           </p:nvSpPr>
           <p:spPr>
             <a:xfrm>
-              <a:off x="4435560" y="4506120"/>
-              <a:ext cx="6616440" cy="410760"/>
+              <a:off x="735442" y="3515318"/>
+              <a:ext cx="812800" cy="155025"/>
             </a:xfrm>
             <a:prstGeom prst="rect">
               <a:avLst/>
             </a:prstGeom>
-            <a:solidFill>
-              <a:schemeClr val="accent1"/>
-            </a:solidFill>
-            <a:ln>
-              <a:noFill/>
-            </a:ln>
+            <a:noFill/>
           </p:spPr>
-          <p:style>
-            <a:lnRef idx="2">
-              <a:schemeClr val="accent1">
-                <a:shade val="15000"/>
-              </a:schemeClr>
-            </a:lnRef>
-            <a:fillRef idx="1">
-              <a:schemeClr val="accent1"/>
-            </a:fillRef>
-            <a:effectRef idx="0">
-              <a:schemeClr val="accent1"/>
-            </a:effectRef>
-            <a:fontRef idx="minor"/>
-          </p:style>
           <p:txBody>
-            <a:bodyPr/>
+            <a:bodyPr vert="horz" wrap="square" lIns="0" tIns="0" rIns="0" bIns="0" rtlCol="0" anchor="ctr" anchorCtr="0">
+              <a:spAutoFit/>
+            </a:bodyPr>
             <a:lstStyle/>
             <a:p>
-              <a:endParaRPr lang="de-AT"/>
+              <a:pPr algn="r"/>
+              <a:r>
+                <a:rPr lang="de-AT" sz="1000" spc="-4" dirty="0">
+                  <a:solidFill>
+                    <a:schemeClr val="dk2"/>
+                  </a:solidFill>
+                  <a:latin typeface="Calibri" panose="020F0502020204030204" pitchFamily="34" charset="0"/>
+                </a:rPr>
+                <a:t>Feb 28 - Mar 10</a:t>
+              </a:r>
             </a:p>
           </p:txBody>
         </p:sp>
         <p:sp>
           <p:nvSpPr>
-            <p:cNvPr id="481" name="OTLSHAPE_T_176d48038d834789a1f5a6cedab58b18_ShapePercentage"/>
-            <p:cNvSpPr/>
-            <p:nvPr/>
+            <p:cNvPr id="30" name="OTLSHAPE_T_bd896f8e8b8a4119aec8774a702b3f27_Title">
+              <a:extLst>
+                <a:ext uri="{FF2B5EF4-FFF2-40B4-BE49-F238E27FC236}">
+                  <a16:creationId xmlns:a16="http://schemas.microsoft.com/office/drawing/2014/main" id="{DB300B19-AF2B-61F5-BEFD-D65598256A2B}"/>
+                </a:ext>
+              </a:extLst>
+            </p:cNvPr>
+            <p:cNvSpPr txBox="1"/>
+            <p:nvPr>
+              <p:custDataLst>
+                <p:tags r:id="rId29"/>
+              </p:custDataLst>
+            </p:nvPr>
           </p:nvSpPr>
           <p:spPr>
             <a:xfrm>
-              <a:off x="2418120" y="1457280"/>
-              <a:ext cx="736200" cy="410760"/>
+              <a:off x="2167000" y="3507571"/>
+              <a:ext cx="1524000" cy="170519"/>
             </a:xfrm>
             <a:prstGeom prst="rect">
               <a:avLst/>
             </a:prstGeom>
-            <a:solidFill>
-              <a:schemeClr val="dk1">
-                <a:alpha val="35000"/>
-              </a:schemeClr>
-            </a:solidFill>
-            <a:ln>
-              <a:noFill/>
-            </a:ln>
+            <a:noFill/>
           </p:spPr>
-          <p:style>
-            <a:lnRef idx="2">
-              <a:schemeClr val="accent1">
-                <a:shade val="15000"/>
-              </a:schemeClr>
-            </a:lnRef>
-            <a:fillRef idx="1">
-              <a:schemeClr val="accent1"/>
-            </a:fillRef>
-            <a:effectRef idx="0">
-              <a:schemeClr val="accent1"/>
-            </a:effectRef>
-            <a:fontRef idx="minor"/>
-          </p:style>
           <p:txBody>
-            <a:bodyPr/>
+            <a:bodyPr vert="horz" wrap="square" lIns="0" tIns="0" rIns="0" bIns="0" rtlCol="0" anchor="ctr" anchorCtr="0">
+              <a:spAutoFit/>
+            </a:bodyPr>
             <a:lstStyle/>
             <a:p>
-              <a:endParaRPr lang="de-AT"/>
+              <a:r>
+                <a:rPr lang="de-AT" sz="1100" b="1" spc="-6">
+                  <a:solidFill>
+                    <a:schemeClr val="dk1"/>
+                  </a:solidFill>
+                  <a:latin typeface="Calibri" panose="020F0502020204030204" pitchFamily="34" charset="0"/>
+                </a:rPr>
+                <a:t>Design Konzepte festlegen</a:t>
+              </a:r>
             </a:p>
           </p:txBody>
         </p:sp>
         <p:sp>
           <p:nvSpPr>
-            <p:cNvPr id="482" name="OTLSHAPE_T_1d4c38599d614477931637ed991196d0_ShapePercentage"/>
-            <p:cNvSpPr/>
-            <p:nvPr/>
+            <p:cNvPr id="37" name="OTLSHAPE_T_ebf7c018d34649509a004dbec5eae34c_JoinedDate">
+              <a:extLst>
+                <a:ext uri="{FF2B5EF4-FFF2-40B4-BE49-F238E27FC236}">
+                  <a16:creationId xmlns:a16="http://schemas.microsoft.com/office/drawing/2014/main" id="{D7DA6F1C-2F4A-79D7-70BB-693AEAC1F606}"/>
+                </a:ext>
+              </a:extLst>
+            </p:cNvPr>
+            <p:cNvSpPr txBox="1"/>
+            <p:nvPr>
+              <p:custDataLst>
+                <p:tags r:id="rId30"/>
+              </p:custDataLst>
+            </p:nvPr>
           </p:nvSpPr>
           <p:spPr>
             <a:xfrm>
-              <a:off x="2905200" y="1961640"/>
-              <a:ext cx="685440" cy="410760"/>
+              <a:off x="1226807" y="3749336"/>
+              <a:ext cx="850900" cy="155025"/>
             </a:xfrm>
             <a:prstGeom prst="rect">
               <a:avLst/>
             </a:prstGeom>
-            <a:solidFill>
-              <a:schemeClr val="dk1">
-                <a:alpha val="35000"/>
-              </a:schemeClr>
-            </a:solidFill>
-            <a:ln>
-              <a:noFill/>
-            </a:ln>
+            <a:noFill/>
           </p:spPr>
-          <p:style>
-            <a:lnRef idx="2">
-              <a:schemeClr val="accent1">
-                <a:shade val="15000"/>
-              </a:schemeClr>
-            </a:lnRef>
-            <a:fillRef idx="1">
-              <a:schemeClr val="accent1"/>
-            </a:fillRef>
-            <a:effectRef idx="0">
-              <a:schemeClr val="accent1"/>
-            </a:effectRef>
-            <a:fontRef idx="minor"/>
-          </p:style>
           <p:txBody>
-            <a:bodyPr/>
+            <a:bodyPr vert="horz" wrap="square" lIns="0" tIns="0" rIns="0" bIns="0" rtlCol="0" anchor="ctr" anchorCtr="0">
+              <a:spAutoFit/>
+            </a:bodyPr>
             <a:lstStyle/>
             <a:p>
-              <a:endParaRPr lang="de-AT"/>
+              <a:pPr algn="r"/>
+              <a:r>
+                <a:rPr lang="de-AT" sz="1000" spc="-2">
+                  <a:solidFill>
+                    <a:schemeClr val="dk2"/>
+                  </a:solidFill>
+                  <a:latin typeface="Calibri" panose="020F0502020204030204" pitchFamily="34" charset="0"/>
+                </a:rPr>
+                <a:t>Mar 11 - Mar 30</a:t>
+              </a:r>
             </a:p>
           </p:txBody>
         </p:sp>
         <p:sp>
           <p:nvSpPr>
-            <p:cNvPr id="483" name="OTLSHAPE_T_ffea28121313419c9bdf8dac859bd03c_ShapePercentage"/>
-            <p:cNvSpPr/>
-            <p:nvPr/>
+            <p:cNvPr id="38" name="OTLSHAPE_T_ebf7c018d34649509a004dbec5eae34c_Title">
+              <a:extLst>
+                <a:ext uri="{FF2B5EF4-FFF2-40B4-BE49-F238E27FC236}">
+                  <a16:creationId xmlns:a16="http://schemas.microsoft.com/office/drawing/2014/main" id="{64E8A31F-3D71-5058-650F-93D9C6B9B4EF}"/>
+                </a:ext>
+              </a:extLst>
+            </p:cNvPr>
+            <p:cNvSpPr txBox="1"/>
+            <p:nvPr>
+              <p:custDataLst>
+                <p:tags r:id="rId31"/>
+              </p:custDataLst>
+            </p:nvPr>
           </p:nvSpPr>
           <p:spPr>
             <a:xfrm>
-              <a:off x="4226760" y="2466000"/>
-              <a:ext cx="1302480" cy="410760"/>
+              <a:off x="3031450" y="3741589"/>
+              <a:ext cx="1727200" cy="170519"/>
             </a:xfrm>
             <a:prstGeom prst="rect">
               <a:avLst/>
             </a:prstGeom>
-            <a:solidFill>
-              <a:schemeClr val="dk1">
-                <a:alpha val="35000"/>
-              </a:schemeClr>
-            </a:solidFill>
-            <a:ln>
-              <a:noFill/>
-            </a:ln>
+            <a:noFill/>
           </p:spPr>
-          <p:style>
-            <a:lnRef idx="2">
-              <a:schemeClr val="accent1">
-                <a:shade val="15000"/>
-              </a:schemeClr>
-            </a:lnRef>
-            <a:fillRef idx="1">
-              <a:schemeClr val="accent1"/>
-            </a:fillRef>
-            <a:effectRef idx="0">
-              <a:schemeClr val="accent1"/>
-            </a:effectRef>
-            <a:fontRef idx="minor"/>
-          </p:style>
           <p:txBody>
-            <a:bodyPr/>
+            <a:bodyPr vert="horz" wrap="square" lIns="0" tIns="0" rIns="0" bIns="0" rtlCol="0" anchor="ctr" anchorCtr="0">
+              <a:spAutoFit/>
+            </a:bodyPr>
             <a:lstStyle/>
             <a:p>
-              <a:endParaRPr lang="de-AT"/>
+              <a:r>
+                <a:rPr lang="de-AT" sz="1100" b="1" spc="-4">
+                  <a:solidFill>
+                    <a:schemeClr val="dk1"/>
+                  </a:solidFill>
+                  <a:latin typeface="Calibri" panose="020F0502020204030204" pitchFamily="34" charset="0"/>
+                </a:rPr>
+                <a:t>Basis Klassen implementieren</a:t>
+              </a:r>
             </a:p>
           </p:txBody>
         </p:sp>
         <p:sp>
           <p:nvSpPr>
-            <p:cNvPr id="484" name="OTLSHAPE_T_f3f2b2e75ddd4029b5bdbcc76280ee9a_ShapePercentage"/>
-            <p:cNvSpPr/>
-            <p:nvPr/>
+            <p:cNvPr id="45" name="OTLSHAPE_T_65675a73da8d4b41894545a6f9adccb7_JoinedDate">
+              <a:extLst>
+                <a:ext uri="{FF2B5EF4-FFF2-40B4-BE49-F238E27FC236}">
+                  <a16:creationId xmlns:a16="http://schemas.microsoft.com/office/drawing/2014/main" id="{D151BC25-B0A2-AD66-CF1D-7A4011FD08C3}"/>
+                </a:ext>
+              </a:extLst>
+            </p:cNvPr>
+            <p:cNvSpPr txBox="1"/>
+            <p:nvPr>
+              <p:custDataLst>
+                <p:tags r:id="rId32"/>
+              </p:custDataLst>
+            </p:nvPr>
           </p:nvSpPr>
           <p:spPr>
             <a:xfrm>
-              <a:off x="5131080" y="2970360"/>
-              <a:ext cx="355320" cy="410760"/>
+              <a:off x="2104943" y="3983355"/>
+              <a:ext cx="825500" cy="155025"/>
             </a:xfrm>
             <a:prstGeom prst="rect">
               <a:avLst/>
             </a:prstGeom>
-            <a:solidFill>
-              <a:schemeClr val="dk1">
-                <a:alpha val="35000"/>
-              </a:schemeClr>
-            </a:solidFill>
-            <a:ln>
-              <a:noFill/>
-            </a:ln>
+            <a:noFill/>
           </p:spPr>
-          <p:style>
-            <a:lnRef idx="2">
-              <a:schemeClr val="accent1">
-                <a:shade val="15000"/>
-              </a:schemeClr>
-            </a:lnRef>
-            <a:fillRef idx="1">
-              <a:schemeClr val="accent1"/>
-            </a:fillRef>
-            <a:effectRef idx="0">
-              <a:schemeClr val="accent1"/>
-            </a:effectRef>
-            <a:fontRef idx="minor"/>
-          </p:style>
           <p:txBody>
-            <a:bodyPr/>
+            <a:bodyPr vert="horz" wrap="square" lIns="0" tIns="0" rIns="0" bIns="0" rtlCol="0" anchor="ctr" anchorCtr="0">
+              <a:spAutoFit/>
+            </a:bodyPr>
             <a:lstStyle/>
             <a:p>
-              <a:endParaRPr lang="de-AT"/>
+              <a:pPr algn="r"/>
+              <a:r>
+                <a:rPr lang="de-AT" sz="1000" spc="-2">
+                  <a:solidFill>
+                    <a:schemeClr val="dk2"/>
+                  </a:solidFill>
+                  <a:latin typeface="Calibri" panose="020F0502020204030204" pitchFamily="34" charset="0"/>
+                </a:rPr>
+                <a:t>Mar 30 - Aug 31</a:t>
+              </a:r>
             </a:p>
           </p:txBody>
         </p:sp>
         <p:sp>
           <p:nvSpPr>
-            <p:cNvPr id="485" name="OTLSHAPE_T_a3e6e87406ac40a3a4677a5c8aa32b7c_ShapePercentage"/>
-            <p:cNvSpPr/>
-            <p:nvPr/>
+            <p:cNvPr id="46" name="OTLSHAPE_T_65675a73da8d4b41894545a6f9adccb7_Title">
+              <a:extLst>
+                <a:ext uri="{FF2B5EF4-FFF2-40B4-BE49-F238E27FC236}">
+                  <a16:creationId xmlns:a16="http://schemas.microsoft.com/office/drawing/2014/main" id="{54A20CA6-DFF6-7364-D209-F2B721C417FC}"/>
+                </a:ext>
+              </a:extLst>
+            </p:cNvPr>
+            <p:cNvSpPr txBox="1"/>
+            <p:nvPr>
+              <p:custDataLst>
+                <p:tags r:id="rId33"/>
+              </p:custDataLst>
+            </p:nvPr>
           </p:nvSpPr>
           <p:spPr>
             <a:xfrm>
-              <a:off x="6800400" y="3474720"/>
-              <a:ext cx="360" cy="410760"/>
+              <a:off x="9687717" y="3975608"/>
+              <a:ext cx="1079500" cy="170519"/>
             </a:xfrm>
             <a:prstGeom prst="rect">
               <a:avLst/>
             </a:prstGeom>
-            <a:solidFill>
-              <a:schemeClr val="dk1">
-                <a:alpha val="35000"/>
-              </a:schemeClr>
-            </a:solidFill>
-            <a:ln>
-              <a:noFill/>
-            </a:ln>
+            <a:noFill/>
           </p:spPr>
-          <p:style>
-            <a:lnRef idx="2">
-              <a:schemeClr val="accent1">
-                <a:shade val="15000"/>
-              </a:schemeClr>
-            </a:lnRef>
-            <a:fillRef idx="1">
-              <a:schemeClr val="accent1"/>
-            </a:fillRef>
-            <a:effectRef idx="0">
-              <a:schemeClr val="accent1"/>
-            </a:effectRef>
-            <a:fontRef idx="minor"/>
-          </p:style>
           <p:txBody>
-            <a:bodyPr/>
+            <a:bodyPr vert="horz" wrap="square" lIns="0" tIns="0" rIns="0" bIns="0" rtlCol="0" anchor="ctr" anchorCtr="0">
+              <a:spAutoFit/>
+            </a:bodyPr>
             <a:lstStyle/>
             <a:p>
-              <a:endParaRPr lang="de-AT"/>
+              <a:r>
+                <a:rPr lang="de-AT" sz="1100" b="1" spc="-4">
+                  <a:solidFill>
+                    <a:schemeClr val="dk1"/>
+                  </a:solidFill>
+                  <a:latin typeface="Calibri" panose="020F0502020204030204" pitchFamily="34" charset="0"/>
+                </a:rPr>
+                <a:t>Features einbauen</a:t>
+              </a:r>
             </a:p>
           </p:txBody>
         </p:sp>
         <p:sp>
           <p:nvSpPr>
-            <p:cNvPr id="486" name="OTLSHAPE_T_50690a89d4324b3aa64ea1dde18cfff0_ShapePercentage"/>
-            <p:cNvSpPr/>
-            <p:nvPr/>
+            <p:cNvPr id="53" name="OTLSHAPE_T_4dc6df0c3a3e4ea78686d60dc8d3743d_JoinedDate">
+              <a:extLst>
+                <a:ext uri="{FF2B5EF4-FFF2-40B4-BE49-F238E27FC236}">
+                  <a16:creationId xmlns:a16="http://schemas.microsoft.com/office/drawing/2014/main" id="{43D67B48-DFCC-08BB-2666-26A3F6F76823}"/>
+                </a:ext>
+              </a:extLst>
+            </p:cNvPr>
+            <p:cNvSpPr txBox="1"/>
+            <p:nvPr>
+              <p:custDataLst>
+                <p:tags r:id="rId34"/>
+              </p:custDataLst>
+            </p:nvPr>
           </p:nvSpPr>
           <p:spPr>
             <a:xfrm>
-              <a:off x="8886960" y="3979080"/>
-              <a:ext cx="164880" cy="410760"/>
+              <a:off x="1861132" y="4217374"/>
+              <a:ext cx="812800" cy="155025"/>
             </a:xfrm>
             <a:prstGeom prst="rect">
               <a:avLst/>
             </a:prstGeom>
-            <a:solidFill>
-              <a:schemeClr val="dk1">
-                <a:alpha val="35000"/>
-              </a:schemeClr>
-            </a:solidFill>
-            <a:ln>
-              <a:noFill/>
-            </a:ln>
+            <a:noFill/>
           </p:spPr>
-          <p:style>
-            <a:lnRef idx="2">
-              <a:schemeClr val="accent1">
-                <a:shade val="15000"/>
-              </a:schemeClr>
-            </a:lnRef>
-            <a:fillRef idx="1">
-              <a:schemeClr val="accent1"/>
-            </a:fillRef>
-            <a:effectRef idx="0">
-              <a:schemeClr val="accent1"/>
-            </a:effectRef>
-            <a:fontRef idx="minor"/>
-          </p:style>
           <p:txBody>
-            <a:bodyPr/>
+            <a:bodyPr vert="horz" wrap="square" lIns="0" tIns="0" rIns="0" bIns="0" rtlCol="0" anchor="ctr" anchorCtr="0">
+              <a:spAutoFit/>
+            </a:bodyPr>
             <a:lstStyle/>
             <a:p>
-              <a:endParaRPr lang="de-AT"/>
+              <a:pPr algn="r"/>
+              <a:r>
+                <a:rPr lang="de-AT" sz="1000" spc="-2">
+                  <a:solidFill>
+                    <a:schemeClr val="dk2"/>
+                  </a:solidFill>
+                  <a:latin typeface="Calibri" panose="020F0502020204030204" pitchFamily="34" charset="0"/>
+                </a:rPr>
+                <a:t>Mar 25 - Apr 16</a:t>
+              </a:r>
             </a:p>
           </p:txBody>
         </p:sp>
         <p:sp>
           <p:nvSpPr>
-            <p:cNvPr id="487" name="OTLSHAPE_T_c8a6c88c5d1743fda7f9dae191c099b1_ShapePercentage"/>
-            <p:cNvSpPr/>
-            <p:nvPr/>
+            <p:cNvPr id="54" name="OTLSHAPE_T_4dc6df0c3a3e4ea78686d60dc8d3743d_Title">
+              <a:extLst>
+                <a:ext uri="{FF2B5EF4-FFF2-40B4-BE49-F238E27FC236}">
+                  <a16:creationId xmlns:a16="http://schemas.microsoft.com/office/drawing/2014/main" id="{F7CB9D1F-360B-ABBD-5BB0-E03EA88095D9}"/>
+                </a:ext>
+              </a:extLst>
+            </p:cNvPr>
+            <p:cNvSpPr txBox="1"/>
+            <p:nvPr>
+              <p:custDataLst>
+                <p:tags r:id="rId35"/>
+              </p:custDataLst>
+            </p:nvPr>
           </p:nvSpPr>
           <p:spPr>
             <a:xfrm>
-              <a:off x="4435560" y="4506120"/>
-              <a:ext cx="202680" cy="410760"/>
+              <a:off x="3766233" y="4209627"/>
+              <a:ext cx="1181100" cy="170519"/>
             </a:xfrm>
             <a:prstGeom prst="rect">
               <a:avLst/>
             </a:prstGeom>
-            <a:solidFill>
-              <a:schemeClr val="dk1">
-                <a:alpha val="35000"/>
-              </a:schemeClr>
-            </a:solidFill>
-            <a:ln>
-              <a:noFill/>
-            </a:ln>
+            <a:noFill/>
           </p:spPr>
-          <p:style>
-            <a:lnRef idx="2">
-              <a:schemeClr val="accent1">
-                <a:shade val="15000"/>
-              </a:schemeClr>
-            </a:lnRef>
-            <a:fillRef idx="1">
-              <a:schemeClr val="accent1"/>
-            </a:fillRef>
-            <a:effectRef idx="0">
-              <a:schemeClr val="accent1"/>
-            </a:effectRef>
-            <a:fontRef idx="minor"/>
-          </p:style>
           <p:txBody>
-            <a:bodyPr/>
+            <a:bodyPr vert="horz" wrap="square" lIns="0" tIns="0" rIns="0" bIns="0" rtlCol="0" anchor="ctr" anchorCtr="0">
+              <a:spAutoFit/>
+            </a:bodyPr>
             <a:lstStyle/>
             <a:p>
-              <a:endParaRPr lang="de-AT"/>
+              <a:r>
+                <a:rPr lang="de-AT" sz="1100" b="1" spc="-6">
+                  <a:solidFill>
+                    <a:schemeClr val="dk1"/>
+                  </a:solidFill>
+                  <a:latin typeface="Calibri" panose="020F0502020204030204" pitchFamily="34" charset="0"/>
+                </a:rPr>
+                <a:t>Initiale Präsentation</a:t>
+              </a:r>
             </a:p>
           </p:txBody>
         </p:sp>
         <p:sp>
           <p:nvSpPr>
-            <p:cNvPr id="488" name="OTLSHAPE_T_176d48038d834789a1f5a6cedab58b18_Title"/>
-            <p:cNvSpPr/>
-            <p:nvPr/>
+            <p:cNvPr id="61" name="OTLSHAPE_T_30e590c925fc4c439485ee079ac0118a_JoinedDate">
+              <a:extLst>
+                <a:ext uri="{FF2B5EF4-FFF2-40B4-BE49-F238E27FC236}">
+                  <a16:creationId xmlns:a16="http://schemas.microsoft.com/office/drawing/2014/main" id="{5CB7920B-6F98-2FB4-DF13-A176C073B0F7}"/>
+                </a:ext>
+              </a:extLst>
+            </p:cNvPr>
+            <p:cNvSpPr txBox="1"/>
+            <p:nvPr>
+              <p:custDataLst>
+                <p:tags r:id="rId36"/>
+              </p:custDataLst>
+            </p:nvPr>
           </p:nvSpPr>
           <p:spPr>
             <a:xfrm>
-              <a:off x="880920" y="1578240"/>
-              <a:ext cx="1498320" cy="168120"/>
+              <a:off x="3240781" y="4451392"/>
+              <a:ext cx="774700" cy="155025"/>
             </a:xfrm>
             <a:prstGeom prst="rect">
               <a:avLst/>
             </a:prstGeom>
             <a:noFill/>
-            <a:ln w="0">
-              <a:noFill/>
-            </a:ln>
           </p:spPr>
-          <p:style>
-            <a:lnRef idx="0">
-              <a:scrgbClr r="0" g="0" b="0"/>
-            </a:lnRef>
-            <a:fillRef idx="0">
-              <a:scrgbClr r="0" g="0" b="0"/>
-            </a:fillRef>
-            <a:effectRef idx="0">
-              <a:scrgbClr r="0" g="0" b="0"/>
-            </a:effectRef>
-            <a:fontRef idx="minor"/>
-          </p:style>
           <p:txBody>
-            <a:bodyPr lIns="0" tIns="0" rIns="0" bIns="0" anchor="ctr">
+            <a:bodyPr vert="horz" wrap="square" lIns="0" tIns="0" rIns="0" bIns="0" rtlCol="0" anchor="ctr" anchorCtr="0">
               <a:spAutoFit/>
             </a:bodyPr>
             <a:lstStyle/>
             <a:p>
-              <a:pPr algn="r">
-                <a:lnSpc>
-                  <a:spcPct val="100000"/>
-                </a:lnSpc>
-                <a:buNone/>
-              </a:pPr>
+              <a:pPr algn="r"/>
               <a:r>
-                <a:rPr lang="de-AT" sz="1100" b="1" strike="noStrike" spc="-7">
+                <a:rPr lang="de-AT" sz="1000" spc="-4">
                   <a:solidFill>
-                    <a:srgbClr val="000000"/>
+                    <a:schemeClr val="dk2"/>
                   </a:solidFill>
-                  <a:latin typeface="Calibri"/>
+                  <a:latin typeface="Calibri" panose="020F0502020204030204" pitchFamily="34" charset="0"/>
                 </a:rPr>
-                <a:t>Desgn Konzepte festlegen</a:t>
+                <a:t>Apr 25 - Jun 20</a:t>
               </a:r>
-              <a:endParaRPr lang="en-US" sz="1100" b="0" strike="noStrike" spc="-1">
-                <a:latin typeface="Arial"/>
-              </a:endParaRPr>
             </a:p>
           </p:txBody>
         </p:sp>
         <p:sp>
           <p:nvSpPr>
-            <p:cNvPr id="489" name="OTLSHAPE_T_176d48038d834789a1f5a6cedab58b18_JoinedDate"/>
-            <p:cNvSpPr/>
-            <p:nvPr/>
+            <p:cNvPr id="62" name="OTLSHAPE_T_30e590c925fc4c439485ee079ac0118a_Title">
+              <a:extLst>
+                <a:ext uri="{FF2B5EF4-FFF2-40B4-BE49-F238E27FC236}">
+                  <a16:creationId xmlns:a16="http://schemas.microsoft.com/office/drawing/2014/main" id="{63CF8E37-D2A0-9441-2324-8B55DF4D3136}"/>
+                </a:ext>
+              </a:extLst>
+            </p:cNvPr>
+            <p:cNvSpPr txBox="1"/>
+            <p:nvPr>
+              <p:custDataLst>
+                <p:tags r:id="rId37"/>
+              </p:custDataLst>
+            </p:nvPr>
           </p:nvSpPr>
           <p:spPr>
             <a:xfrm>
-              <a:off x="3303720" y="1585800"/>
-              <a:ext cx="812520" cy="153000"/>
+              <a:off x="6575696" y="4443645"/>
+              <a:ext cx="2298700" cy="170519"/>
             </a:xfrm>
             <a:prstGeom prst="rect">
               <a:avLst/>
             </a:prstGeom>
             <a:noFill/>
-            <a:ln w="0">
-              <a:noFill/>
-            </a:ln>
           </p:spPr>
-          <p:style>
-            <a:lnRef idx="0">
-              <a:scrgbClr r="0" g="0" b="0"/>
-            </a:lnRef>
-            <a:fillRef idx="0">
-              <a:scrgbClr r="0" g="0" b="0"/>
-            </a:fillRef>
-            <a:effectRef idx="0">
-              <a:scrgbClr r="0" g="0" b="0"/>
-            </a:effectRef>
-            <a:fontRef idx="minor"/>
-          </p:style>
           <p:txBody>
-            <a:bodyPr lIns="0" tIns="0" rIns="0" bIns="0" anchor="ctr">
+            <a:bodyPr vert="horz" wrap="square" lIns="0" tIns="0" rIns="0" bIns="0" rtlCol="0" anchor="ctr" anchorCtr="0">
               <a:spAutoFit/>
             </a:bodyPr>
             <a:lstStyle/>
             <a:p>
-              <a:pPr>
-                <a:lnSpc>
-                  <a:spcPct val="100000"/>
-                </a:lnSpc>
-                <a:buNone/>
-              </a:pPr>
               <a:r>
-                <a:rPr lang="de-AT" sz="1000" b="0" strike="noStrike" spc="-4">
+                <a:rPr lang="de-AT" sz="1100" b="1" spc="-4">
                   <a:solidFill>
-                    <a:srgbClr val="44546A"/>
+                    <a:schemeClr val="dk1"/>
                   </a:solidFill>
-                  <a:latin typeface="Calibri"/>
+                  <a:latin typeface="Calibri" panose="020F0502020204030204" pitchFamily="34" charset="0"/>
                 </a:rPr>
-                <a:t>Feb 28 - Mar 10</a:t>
+                <a:t>Scheduling Algorithmus implemenieren</a:t>
               </a:r>
-              <a:endParaRPr lang="en-US" sz="1000" b="0" strike="noStrike" spc="-1">
-                <a:latin typeface="Arial"/>
-              </a:endParaRPr>
             </a:p>
           </p:txBody>
         </p:sp>
         <p:sp>
           <p:nvSpPr>
-            <p:cNvPr id="490" name="OTLSHAPE_T_176d48038d834789a1f5a6cedab58b18_TextPercentage"/>
-            <p:cNvSpPr/>
-            <p:nvPr/>
+            <p:cNvPr id="69" name="OTLSHAPE_T_487bf8f964e14138b4ebfc198e056c72_JoinedDate">
+              <a:extLst>
+                <a:ext uri="{FF2B5EF4-FFF2-40B4-BE49-F238E27FC236}">
+                  <a16:creationId xmlns:a16="http://schemas.microsoft.com/office/drawing/2014/main" id="{DC1857A2-8096-68E8-C7E0-6DD687843E1F}"/>
+                </a:ext>
+              </a:extLst>
+            </p:cNvPr>
+            <p:cNvSpPr txBox="1"/>
+            <p:nvPr>
+              <p:custDataLst>
+                <p:tags r:id="rId38"/>
+              </p:custDataLst>
+            </p:nvPr>
           </p:nvSpPr>
           <p:spPr>
             <a:xfrm>
-              <a:off x="2925000" y="1585800"/>
-              <a:ext cx="228240" cy="153000"/>
+              <a:off x="8862798" y="4770670"/>
+              <a:ext cx="723900" cy="155025"/>
             </a:xfrm>
             <a:prstGeom prst="rect">
               <a:avLst/>
             </a:prstGeom>
             <a:noFill/>
-            <a:ln w="0">
-              <a:noFill/>
-            </a:ln>
           </p:spPr>
-          <p:style>
-            <a:lnRef idx="0">
-              <a:scrgbClr r="0" g="0" b="0"/>
-            </a:lnRef>
-            <a:fillRef idx="0">
-              <a:scrgbClr r="0" g="0" b="0"/>
-            </a:fillRef>
-            <a:effectRef idx="0">
-              <a:scrgbClr r="0" g="0" b="0"/>
-            </a:effectRef>
-            <a:fontRef idx="minor"/>
-          </p:style>
           <p:txBody>
-            <a:bodyPr lIns="0" tIns="0" rIns="0" bIns="0" anchor="ctr">
+            <a:bodyPr vert="horz" wrap="square" lIns="0" tIns="0" rIns="0" bIns="0" rtlCol="0" anchor="ctr" anchorCtr="0">
               <a:spAutoFit/>
             </a:bodyPr>
             <a:lstStyle/>
             <a:p>
-              <a:pPr>
-                <a:lnSpc>
-                  <a:spcPct val="100000"/>
-                </a:lnSpc>
-                <a:buNone/>
-              </a:pPr>
+              <a:pPr algn="r"/>
               <a:r>
-                <a:rPr lang="de-AT" sz="1000" b="0" strike="noStrike" spc="-12">
+                <a:rPr lang="de-AT" sz="1000" spc="-4">
                   <a:solidFill>
-                    <a:srgbClr val="EEECE1"/>
+                    <a:schemeClr val="dk2"/>
                   </a:solidFill>
-                  <a:latin typeface="Calibri"/>
+                  <a:latin typeface="Calibri" panose="020F0502020204030204" pitchFamily="34" charset="0"/>
                 </a:rPr>
-                <a:t>87%</a:t>
+                <a:t>Sep 1 - Sep 30</a:t>
               </a:r>
-              <a:endParaRPr lang="en-US" sz="1000" b="0" strike="noStrike" spc="-1">
-                <a:latin typeface="Arial"/>
-              </a:endParaRPr>
             </a:p>
           </p:txBody>
         </p:sp>
         <p:sp>
           <p:nvSpPr>
-            <p:cNvPr id="491" name="OTLSHAPE_T_1d4c38599d614477931637ed991196d0_Title"/>
-            <p:cNvSpPr/>
-            <p:nvPr/>
+            <p:cNvPr id="70" name="OTLSHAPE_T_487bf8f964e14138b4ebfc198e056c72_Title">
+              <a:extLst>
+                <a:ext uri="{FF2B5EF4-FFF2-40B4-BE49-F238E27FC236}">
+                  <a16:creationId xmlns:a16="http://schemas.microsoft.com/office/drawing/2014/main" id="{2606296C-11E7-B4AF-7615-CC0EBBBA0C8E}"/>
+                </a:ext>
+              </a:extLst>
+            </p:cNvPr>
+            <p:cNvSpPr txBox="1"/>
+            <p:nvPr>
+              <p:custDataLst>
+                <p:tags r:id="rId39"/>
+              </p:custDataLst>
+            </p:nvPr>
           </p:nvSpPr>
           <p:spPr>
             <a:xfrm>
-              <a:off x="1131120" y="2082600"/>
-              <a:ext cx="1726920" cy="168120"/>
+              <a:off x="10984392" y="4677664"/>
+              <a:ext cx="774700" cy="341037"/>
             </a:xfrm>
             <a:prstGeom prst="rect">
               <a:avLst/>
             </a:prstGeom>
             <a:noFill/>
-            <a:ln w="0">
-              <a:noFill/>
-            </a:ln>
           </p:spPr>
-          <p:style>
-            <a:lnRef idx="0">
-              <a:scrgbClr r="0" g="0" b="0"/>
-            </a:lnRef>
-            <a:fillRef idx="0">
-              <a:scrgbClr r="0" g="0" b="0"/>
-            </a:fillRef>
-            <a:effectRef idx="0">
-              <a:scrgbClr r="0" g="0" b="0"/>
-            </a:effectRef>
-            <a:fontRef idx="minor"/>
-          </p:style>
           <p:txBody>
-            <a:bodyPr lIns="0" tIns="0" rIns="0" bIns="0" anchor="ctr">
+            <a:bodyPr vert="horz" wrap="square" lIns="0" tIns="0" rIns="0" bIns="0" rtlCol="0" anchor="ctr" anchorCtr="0">
               <a:spAutoFit/>
             </a:bodyPr>
             <a:lstStyle/>
             <a:p>
-              <a:pPr algn="r">
-                <a:lnSpc>
-                  <a:spcPct val="100000"/>
-                </a:lnSpc>
-                <a:buNone/>
-              </a:pPr>
               <a:r>
-                <a:rPr lang="de-AT" sz="1100" b="1" strike="noStrike" spc="-4">
+                <a:rPr lang="de-AT" sz="1100" b="1">
                   <a:solidFill>
-                    <a:srgbClr val="000000"/>
+                    <a:schemeClr val="dk1"/>
                   </a:solidFill>
-                  <a:latin typeface="Calibri"/>
+                  <a:latin typeface="Calibri" panose="020F0502020204030204" pitchFamily="34" charset="0"/>
                 </a:rPr>
-                <a:t>Basis Klassen implementieren</a:t>
+                <a:t>Finalisierung Projekt</a:t>
               </a:r>
-              <a:endParaRPr lang="en-US" sz="1100" b="0" strike="noStrike" spc="-1">
-                <a:latin typeface="Arial"/>
-              </a:endParaRPr>
             </a:p>
           </p:txBody>
         </p:sp>
         <p:sp>
           <p:nvSpPr>
-            <p:cNvPr id="492" name="OTLSHAPE_T_1d4c38599d614477931637ed991196d0_JoinedDate"/>
-            <p:cNvSpPr/>
-            <p:nvPr/>
+            <p:cNvPr id="77" name="OTLSHAPE_T_394b5331fba3411b8e849607697f0700_JoinedDate">
+              <a:extLst>
+                <a:ext uri="{FF2B5EF4-FFF2-40B4-BE49-F238E27FC236}">
+                  <a16:creationId xmlns:a16="http://schemas.microsoft.com/office/drawing/2014/main" id="{A367795E-4515-1926-876D-730E9EA6F79D}"/>
+                </a:ext>
+              </a:extLst>
+            </p:cNvPr>
+            <p:cNvSpPr txBox="1"/>
+            <p:nvPr>
+              <p:custDataLst>
+                <p:tags r:id="rId40"/>
+              </p:custDataLst>
+            </p:nvPr>
           </p:nvSpPr>
           <p:spPr>
             <a:xfrm>
-              <a:off x="4138560" y="2090160"/>
-              <a:ext cx="774360" cy="153000"/>
+              <a:off x="4763602" y="5089948"/>
+              <a:ext cx="762000" cy="155025"/>
             </a:xfrm>
             <a:prstGeom prst="rect">
               <a:avLst/>
             </a:prstGeom>
             <a:noFill/>
-            <a:ln w="0">
-              <a:noFill/>
-            </a:ln>
           </p:spPr>
-          <p:style>
-            <a:lnRef idx="0">
-              <a:scrgbClr r="0" g="0" b="0"/>
-            </a:lnRef>
-            <a:fillRef idx="0">
-              <a:scrgbClr r="0" g="0" b="0"/>
-            </a:fillRef>
-            <a:effectRef idx="0">
-              <a:scrgbClr r="0" g="0" b="0"/>
-            </a:effectRef>
-            <a:fontRef idx="minor"/>
-          </p:style>
           <p:txBody>
-            <a:bodyPr lIns="0" tIns="0" rIns="0" bIns="0" anchor="ctr">
+            <a:bodyPr vert="horz" wrap="square" lIns="0" tIns="0" rIns="0" bIns="0" rtlCol="0" anchor="ctr" anchorCtr="0">
               <a:spAutoFit/>
             </a:bodyPr>
             <a:lstStyle/>
             <a:p>
-              <a:pPr>
-                <a:lnSpc>
-                  <a:spcPct val="100000"/>
-                </a:lnSpc>
-                <a:buNone/>
-              </a:pPr>
+              <a:pPr algn="r"/>
               <a:r>
-                <a:rPr lang="de-AT" sz="1000" b="0" strike="noStrike" spc="-4">
+                <a:rPr lang="de-AT" sz="1000" spc="-4">
                   <a:solidFill>
-                    <a:srgbClr val="44546A"/>
+                    <a:schemeClr val="dk2"/>
                   </a:solidFill>
-                  <a:latin typeface="Calibri"/>
+                  <a:latin typeface="Calibri" panose="020F0502020204030204" pitchFamily="34" charset="0"/>
                 </a:rPr>
-                <a:t>Mar 6 - Mar 22</a:t>
+                <a:t>May 30 - Sep 1</a:t>
               </a:r>
-              <a:endParaRPr lang="en-US" sz="1000" b="0" strike="noStrike" spc="-1">
-                <a:latin typeface="Arial"/>
-              </a:endParaRPr>
             </a:p>
           </p:txBody>
         </p:sp>
         <p:sp>
           <p:nvSpPr>
-            <p:cNvPr id="493" name="OTLSHAPE_T_1d4c38599d614477931637ed991196d0_TextPercentage"/>
-            <p:cNvSpPr/>
-            <p:nvPr/>
+            <p:cNvPr id="78" name="OTLSHAPE_T_394b5331fba3411b8e849607697f0700_Title">
+              <a:extLst>
+                <a:ext uri="{FF2B5EF4-FFF2-40B4-BE49-F238E27FC236}">
+                  <a16:creationId xmlns:a16="http://schemas.microsoft.com/office/drawing/2014/main" id="{E457445F-271D-7999-E97B-73C3C8AEFB38}"/>
+                </a:ext>
+              </a:extLst>
+            </p:cNvPr>
+            <p:cNvSpPr txBox="1"/>
+            <p:nvPr>
+              <p:custDataLst>
+                <p:tags r:id="rId41"/>
+              </p:custDataLst>
+            </p:nvPr>
           </p:nvSpPr>
           <p:spPr>
             <a:xfrm>
-              <a:off x="3359520" y="2090160"/>
-              <a:ext cx="228240" cy="153000"/>
+              <a:off x="9730939" y="5082201"/>
+              <a:ext cx="1612900" cy="170519"/>
             </a:xfrm>
             <a:prstGeom prst="rect">
               <a:avLst/>
             </a:prstGeom>
             <a:noFill/>
-            <a:ln w="0">
-              <a:noFill/>
-            </a:ln>
           </p:spPr>
-          <p:style>
-            <a:lnRef idx="0">
-              <a:scrgbClr r="0" g="0" b="0"/>
-            </a:lnRef>
-            <a:fillRef idx="0">
-              <a:scrgbClr r="0" g="0" b="0"/>
-            </a:fillRef>
-            <a:effectRef idx="0">
-              <a:scrgbClr r="0" g="0" b="0"/>
-            </a:effectRef>
-            <a:fontRef idx="minor"/>
-          </p:style>
           <p:txBody>
-            <a:bodyPr lIns="0" tIns="0" rIns="0" bIns="0" anchor="ctr">
+            <a:bodyPr vert="horz" wrap="square" lIns="0" tIns="0" rIns="0" bIns="0" rtlCol="0" anchor="ctr" anchorCtr="0">
               <a:spAutoFit/>
             </a:bodyPr>
             <a:lstStyle/>
             <a:p>
-              <a:pPr>
-                <a:lnSpc>
-                  <a:spcPct val="100000"/>
-                </a:lnSpc>
-                <a:buNone/>
-              </a:pPr>
               <a:r>
-                <a:rPr lang="de-AT" sz="1000" b="0" strike="noStrike" spc="-12">
+                <a:rPr lang="de-AT" sz="1100" b="1" spc="-4">
                   <a:solidFill>
-                    <a:srgbClr val="EEECE1"/>
+                    <a:schemeClr val="dk1"/>
                   </a:solidFill>
-                  <a:latin typeface="Calibri"/>
+                  <a:latin typeface="Calibri" panose="020F0502020204030204" pitchFamily="34" charset="0"/>
                 </a:rPr>
-                <a:t>57%</a:t>
+                <a:t>eigentliche Arbeit verfassen</a:t>
               </a:r>
-              <a:endParaRPr lang="en-US" sz="1000" b="0" strike="noStrike" spc="-1">
-                <a:latin typeface="Arial"/>
-              </a:endParaRPr>
-            </a:p>
-          </p:txBody>
-        </p:sp>
-        <p:sp>
-          <p:nvSpPr>
-            <p:cNvPr id="494" name="OTLSHAPE_T_ffea28121313419c9bdf8dac859bd03c_JoinedDate"/>
-            <p:cNvSpPr/>
-            <p:nvPr/>
-          </p:nvSpPr>
-          <p:spPr>
-            <a:xfrm>
-              <a:off x="7131960" y="2594520"/>
-              <a:ext cx="812520" cy="153000"/>
-            </a:xfrm>
-            <a:prstGeom prst="rect">
-              <a:avLst/>
-            </a:prstGeom>
-            <a:noFill/>
-            <a:ln w="0">
-              <a:noFill/>
-            </a:ln>
-          </p:spPr>
-          <p:style>
-            <a:lnRef idx="0">
-              <a:scrgbClr r="0" g="0" b="0"/>
-            </a:lnRef>
-            <a:fillRef idx="0">
-              <a:scrgbClr r="0" g="0" b="0"/>
-            </a:fillRef>
-            <a:effectRef idx="0">
-              <a:scrgbClr r="0" g="0" b="0"/>
-            </a:effectRef>
-            <a:fontRef idx="minor"/>
-          </p:style>
-          <p:txBody>
-            <a:bodyPr lIns="0" tIns="0" rIns="0" bIns="0" anchor="ctr">
-              <a:spAutoFit/>
-            </a:bodyPr>
-            <a:lstStyle/>
-            <a:p>
-              <a:pPr>
-                <a:lnSpc>
-                  <a:spcPct val="100000"/>
-                </a:lnSpc>
-                <a:buNone/>
-              </a:pPr>
-              <a:r>
-                <a:rPr lang="de-AT" sz="1000" b="0" strike="noStrike" spc="-4">
-                  <a:solidFill>
-                    <a:srgbClr val="44546A"/>
-                  </a:solidFill>
-                  <a:latin typeface="Calibri"/>
-                </a:rPr>
-                <a:t>Mar 25 – May 5</a:t>
-              </a:r>
-              <a:endParaRPr lang="en-US" sz="1000" b="0" strike="noStrike" spc="-1">
-                <a:latin typeface="Arial"/>
-              </a:endParaRPr>
-            </a:p>
-          </p:txBody>
-        </p:sp>
-        <p:sp>
-          <p:nvSpPr>
-            <p:cNvPr id="495" name="OTLSHAPE_T_ffea28121313419c9bdf8dac859bd03c_Title"/>
-            <p:cNvSpPr/>
-            <p:nvPr/>
-          </p:nvSpPr>
-          <p:spPr>
-            <a:xfrm>
-              <a:off x="3017160" y="2591640"/>
-              <a:ext cx="1079280" cy="168120"/>
-            </a:xfrm>
-            <a:prstGeom prst="rect">
-              <a:avLst/>
-            </a:prstGeom>
-            <a:noFill/>
-            <a:ln w="0">
-              <a:noFill/>
-            </a:ln>
-          </p:spPr>
-          <p:style>
-            <a:lnRef idx="0">
-              <a:scrgbClr r="0" g="0" b="0"/>
-            </a:lnRef>
-            <a:fillRef idx="0">
-              <a:scrgbClr r="0" g="0" b="0"/>
-            </a:fillRef>
-            <a:effectRef idx="0">
-              <a:scrgbClr r="0" g="0" b="0"/>
-            </a:effectRef>
-            <a:fontRef idx="minor"/>
-          </p:style>
-          <p:txBody>
-            <a:bodyPr lIns="0" tIns="0" rIns="0" bIns="0" anchor="ctr">
-              <a:spAutoFit/>
-            </a:bodyPr>
-            <a:lstStyle/>
-            <a:p>
-              <a:pPr algn="ctr">
-                <a:lnSpc>
-                  <a:spcPct val="100000"/>
-                </a:lnSpc>
-                <a:buNone/>
-              </a:pPr>
-              <a:r>
-                <a:rPr lang="de-AT" sz="1100" b="1" strike="noStrike" spc="-4">
-                  <a:solidFill>
-                    <a:srgbClr val="474643"/>
-                  </a:solidFill>
-                  <a:latin typeface="Calibri"/>
-                </a:rPr>
-                <a:t>Features einbauen</a:t>
-              </a:r>
-              <a:endParaRPr lang="en-US" sz="1100" b="0" strike="noStrike" spc="-1">
-                <a:latin typeface="Arial"/>
-              </a:endParaRPr>
-            </a:p>
-          </p:txBody>
-        </p:sp>
-        <p:sp>
-          <p:nvSpPr>
-            <p:cNvPr id="496" name="OTLSHAPE_T_f3f2b2e75ddd4029b5bdbcc76280ee9a_Title"/>
-            <p:cNvSpPr/>
-            <p:nvPr/>
-          </p:nvSpPr>
-          <p:spPr>
-            <a:xfrm>
-              <a:off x="3844440" y="3091320"/>
-              <a:ext cx="1244160" cy="168120"/>
-            </a:xfrm>
-            <a:prstGeom prst="rect">
-              <a:avLst/>
-            </a:prstGeom>
-            <a:noFill/>
-            <a:ln w="0">
-              <a:noFill/>
-            </a:ln>
-          </p:spPr>
-          <p:style>
-            <a:lnRef idx="0">
-              <a:scrgbClr r="0" g="0" b="0"/>
-            </a:lnRef>
-            <a:fillRef idx="0">
-              <a:scrgbClr r="0" g="0" b="0"/>
-            </a:fillRef>
-            <a:effectRef idx="0">
-              <a:scrgbClr r="0" g="0" b="0"/>
-            </a:effectRef>
-            <a:fontRef idx="minor"/>
-          </p:style>
-          <p:txBody>
-            <a:bodyPr lIns="0" tIns="0" rIns="0" bIns="0" anchor="ctr">
-              <a:spAutoFit/>
-            </a:bodyPr>
-            <a:lstStyle/>
-            <a:p>
-              <a:pPr algn="r">
-                <a:lnSpc>
-                  <a:spcPct val="100000"/>
-                </a:lnSpc>
-                <a:buNone/>
-              </a:pPr>
-              <a:r>
-                <a:rPr lang="de-AT" sz="1100" b="1" strike="noStrike" spc="-7">
-                  <a:solidFill>
-                    <a:srgbClr val="000000"/>
-                  </a:solidFill>
-                  <a:latin typeface="Calibri"/>
-                </a:rPr>
-                <a:t>initiale Präsenatation</a:t>
-              </a:r>
-              <a:endParaRPr lang="en-US" sz="1100" b="0" strike="noStrike" spc="-1">
-                <a:latin typeface="Arial"/>
-              </a:endParaRPr>
-            </a:p>
-          </p:txBody>
-        </p:sp>
-        <p:sp>
-          <p:nvSpPr>
-            <p:cNvPr id="497" name="OTLSHAPE_T_f3f2b2e75ddd4029b5bdbcc76280ee9a_JoinedDate"/>
-            <p:cNvSpPr/>
-            <p:nvPr/>
-          </p:nvSpPr>
-          <p:spPr>
-            <a:xfrm>
-              <a:off x="5529600" y="3098880"/>
-              <a:ext cx="723600" cy="153000"/>
-            </a:xfrm>
-            <a:prstGeom prst="rect">
-              <a:avLst/>
-            </a:prstGeom>
-            <a:noFill/>
-            <a:ln w="0">
-              <a:noFill/>
-            </a:ln>
-          </p:spPr>
-          <p:style>
-            <a:lnRef idx="0">
-              <a:scrgbClr r="0" g="0" b="0"/>
-            </a:lnRef>
-            <a:fillRef idx="0">
-              <a:scrgbClr r="0" g="0" b="0"/>
-            </a:fillRef>
-            <a:effectRef idx="0">
-              <a:scrgbClr r="0" g="0" b="0"/>
-            </a:effectRef>
-            <a:fontRef idx="minor"/>
-          </p:style>
-          <p:txBody>
-            <a:bodyPr lIns="0" tIns="0" rIns="0" bIns="0" anchor="ctr">
-              <a:spAutoFit/>
-            </a:bodyPr>
-            <a:lstStyle/>
-            <a:p>
-              <a:pPr>
-                <a:lnSpc>
-                  <a:spcPct val="100000"/>
-                </a:lnSpc>
-                <a:buNone/>
-              </a:pPr>
-              <a:r>
-                <a:rPr lang="de-AT" sz="1000" b="0" strike="noStrike" spc="-4">
-                  <a:solidFill>
-                    <a:srgbClr val="44546A"/>
-                  </a:solidFill>
-                  <a:latin typeface="Calibri"/>
-                </a:rPr>
-                <a:t>Apr 7 - Apr 11</a:t>
-              </a:r>
-              <a:endParaRPr lang="en-US" sz="1000" b="0" strike="noStrike" spc="-1">
-                <a:latin typeface="Arial"/>
-              </a:endParaRPr>
-            </a:p>
-          </p:txBody>
-        </p:sp>
-        <p:sp>
-          <p:nvSpPr>
-            <p:cNvPr id="498" name="OTLSHAPE_T_f3f2b2e75ddd4029b5bdbcc76280ee9a_TextPercentage"/>
-            <p:cNvSpPr/>
-            <p:nvPr/>
-          </p:nvSpPr>
-          <p:spPr>
-            <a:xfrm>
-              <a:off x="5167080" y="3098880"/>
-              <a:ext cx="291600" cy="153000"/>
-            </a:xfrm>
-            <a:prstGeom prst="rect">
-              <a:avLst/>
-            </a:prstGeom>
-            <a:noFill/>
-            <a:ln w="0">
-              <a:noFill/>
-            </a:ln>
-          </p:spPr>
-          <p:style>
-            <a:lnRef idx="0">
-              <a:scrgbClr r="0" g="0" b="0"/>
-            </a:lnRef>
-            <a:fillRef idx="0">
-              <a:scrgbClr r="0" g="0" b="0"/>
-            </a:fillRef>
-            <a:effectRef idx="0">
-              <a:scrgbClr r="0" g="0" b="0"/>
-            </a:effectRef>
-            <a:fontRef idx="minor"/>
-          </p:style>
-          <p:txBody>
-            <a:bodyPr lIns="0" tIns="0" rIns="0" bIns="0" anchor="ctr">
-              <a:spAutoFit/>
-            </a:bodyPr>
-            <a:lstStyle/>
-            <a:p>
-              <a:pPr>
-                <a:lnSpc>
-                  <a:spcPct val="100000"/>
-                </a:lnSpc>
-                <a:buNone/>
-              </a:pPr>
-              <a:r>
-                <a:rPr lang="de-AT" sz="1000" b="0" strike="noStrike" spc="-9">
-                  <a:solidFill>
-                    <a:srgbClr val="EEECE1"/>
-                  </a:solidFill>
-                  <a:latin typeface="Calibri"/>
-                </a:rPr>
-                <a:t>100%</a:t>
-              </a:r>
-              <a:endParaRPr lang="en-US" sz="1000" b="0" strike="noStrike" spc="-1">
-                <a:latin typeface="Arial"/>
-              </a:endParaRPr>
-            </a:p>
-          </p:txBody>
-        </p:sp>
-        <p:sp>
-          <p:nvSpPr>
-            <p:cNvPr id="499" name="OTLSHAPE_T_a3e6e87406ac40a3a4677a5c8aa32b7c_JoinedDate"/>
-            <p:cNvSpPr/>
-            <p:nvPr/>
-          </p:nvSpPr>
-          <p:spPr>
-            <a:xfrm>
-              <a:off x="9007200" y="3603240"/>
-              <a:ext cx="799920" cy="153000"/>
-            </a:xfrm>
-            <a:prstGeom prst="rect">
-              <a:avLst/>
-            </a:prstGeom>
-            <a:noFill/>
-            <a:ln w="0">
-              <a:noFill/>
-            </a:ln>
-          </p:spPr>
-          <p:style>
-            <a:lnRef idx="0">
-              <a:scrgbClr r="0" g="0" b="0"/>
-            </a:lnRef>
-            <a:fillRef idx="0">
-              <a:scrgbClr r="0" g="0" b="0"/>
-            </a:fillRef>
-            <a:effectRef idx="0">
-              <a:scrgbClr r="0" g="0" b="0"/>
-            </a:effectRef>
-            <a:fontRef idx="minor"/>
-          </p:style>
-          <p:txBody>
-            <a:bodyPr lIns="0" tIns="0" rIns="0" bIns="0" anchor="ctr">
-              <a:spAutoFit/>
-            </a:bodyPr>
-            <a:lstStyle/>
-            <a:p>
-              <a:pPr>
-                <a:lnSpc>
-                  <a:spcPct val="100000"/>
-                </a:lnSpc>
-                <a:buNone/>
-              </a:pPr>
-              <a:r>
-                <a:rPr lang="de-AT" sz="1000" b="0" strike="noStrike" spc="-4">
-                  <a:solidFill>
-                    <a:srgbClr val="44546A"/>
-                  </a:solidFill>
-                  <a:latin typeface="Calibri"/>
-                </a:rPr>
-                <a:t>May 1 - May 31</a:t>
-              </a:r>
-              <a:endParaRPr lang="en-US" sz="1000" b="0" strike="noStrike" spc="-1">
-                <a:latin typeface="Arial"/>
-              </a:endParaRPr>
-            </a:p>
-          </p:txBody>
-        </p:sp>
-        <p:sp>
-          <p:nvSpPr>
-            <p:cNvPr id="500" name="OTLSHAPE_T_a3e6e87406ac40a3a4677a5c8aa32b7c_Title"/>
-            <p:cNvSpPr/>
-            <p:nvPr/>
-          </p:nvSpPr>
-          <p:spPr>
-            <a:xfrm>
-              <a:off x="4938120" y="3595680"/>
-              <a:ext cx="1777680" cy="168120"/>
-            </a:xfrm>
-            <a:prstGeom prst="rect">
-              <a:avLst/>
-            </a:prstGeom>
-            <a:noFill/>
-            <a:ln w="0">
-              <a:noFill/>
-            </a:ln>
-          </p:spPr>
-          <p:style>
-            <a:lnRef idx="0">
-              <a:scrgbClr r="0" g="0" b="0"/>
-            </a:lnRef>
-            <a:fillRef idx="0">
-              <a:scrgbClr r="0" g="0" b="0"/>
-            </a:fillRef>
-            <a:effectRef idx="0">
-              <a:scrgbClr r="0" g="0" b="0"/>
-            </a:effectRef>
-            <a:fontRef idx="minor"/>
-          </p:style>
-          <p:txBody>
-            <a:bodyPr lIns="0" tIns="0" rIns="0" bIns="0" anchor="ctr">
-              <a:spAutoFit/>
-            </a:bodyPr>
-            <a:lstStyle/>
-            <a:p>
-              <a:pPr algn="ctr">
-                <a:lnSpc>
-                  <a:spcPct val="100000"/>
-                </a:lnSpc>
-                <a:buNone/>
-              </a:pPr>
-              <a:r>
-                <a:rPr lang="de-AT" sz="1100" b="1" strike="noStrike" spc="-4">
-                  <a:solidFill>
-                    <a:srgbClr val="000000"/>
-                  </a:solidFill>
-                  <a:latin typeface="Calibri"/>
-                </a:rPr>
-                <a:t>Scheduling Algorithmus bauen</a:t>
-              </a:r>
-              <a:endParaRPr lang="en-US" sz="1100" b="0" strike="noStrike" spc="-1">
-                <a:latin typeface="Arial"/>
-              </a:endParaRPr>
-            </a:p>
-          </p:txBody>
-        </p:sp>
-        <p:sp>
-          <p:nvSpPr>
-            <p:cNvPr id="501" name="OTLSHAPE_T_50690a89d4324b3aa64ea1dde18cfff0_Title"/>
-            <p:cNvSpPr/>
-            <p:nvPr/>
-          </p:nvSpPr>
-          <p:spPr>
-            <a:xfrm>
-              <a:off x="7649280" y="4100400"/>
-              <a:ext cx="1193400" cy="168120"/>
-            </a:xfrm>
-            <a:prstGeom prst="rect">
-              <a:avLst/>
-            </a:prstGeom>
-            <a:noFill/>
-            <a:ln w="0">
-              <a:noFill/>
-            </a:ln>
-          </p:spPr>
-          <p:style>
-            <a:lnRef idx="0">
-              <a:scrgbClr r="0" g="0" b="0"/>
-            </a:lnRef>
-            <a:fillRef idx="0">
-              <a:scrgbClr r="0" g="0" b="0"/>
-            </a:fillRef>
-            <a:effectRef idx="0">
-              <a:scrgbClr r="0" g="0" b="0"/>
-            </a:effectRef>
-            <a:fontRef idx="minor"/>
-          </p:style>
-          <p:txBody>
-            <a:bodyPr lIns="0" tIns="0" rIns="0" bIns="0" anchor="ctr">
-              <a:spAutoFit/>
-            </a:bodyPr>
-            <a:lstStyle/>
-            <a:p>
-              <a:pPr algn="r">
-                <a:lnSpc>
-                  <a:spcPct val="100000"/>
-                </a:lnSpc>
-                <a:buNone/>
-              </a:pPr>
-              <a:r>
-                <a:rPr lang="de-AT" sz="1100" b="1" strike="noStrike" spc="-4">
-                  <a:solidFill>
-                    <a:srgbClr val="000000"/>
-                  </a:solidFill>
-                  <a:latin typeface="Calibri"/>
-                </a:rPr>
-                <a:t>Finalisierung Projekt</a:t>
-              </a:r>
-              <a:endParaRPr lang="en-US" sz="1100" b="0" strike="noStrike" spc="-1">
-                <a:latin typeface="Arial"/>
-              </a:endParaRPr>
-            </a:p>
-          </p:txBody>
-        </p:sp>
-        <p:sp>
-          <p:nvSpPr>
-            <p:cNvPr id="502" name="OTLSHAPE_T_50690a89d4324b3aa64ea1dde18cfff0_JoinedDate"/>
-            <p:cNvSpPr/>
-            <p:nvPr/>
-          </p:nvSpPr>
-          <p:spPr>
-            <a:xfrm>
-              <a:off x="10120320" y="4107600"/>
-              <a:ext cx="812520" cy="153000"/>
-            </a:xfrm>
-            <a:prstGeom prst="rect">
-              <a:avLst/>
-            </a:prstGeom>
-            <a:noFill/>
-            <a:ln w="0">
-              <a:noFill/>
-            </a:ln>
-          </p:spPr>
-          <p:style>
-            <a:lnRef idx="0">
-              <a:scrgbClr r="0" g="0" b="0"/>
-            </a:lnRef>
-            <a:fillRef idx="0">
-              <a:scrgbClr r="0" g="0" b="0"/>
-            </a:fillRef>
-            <a:effectRef idx="0">
-              <a:scrgbClr r="0" g="0" b="0"/>
-            </a:effectRef>
-            <a:fontRef idx="minor"/>
-          </p:style>
-          <p:txBody>
-            <a:bodyPr lIns="0" tIns="0" rIns="0" bIns="0" anchor="ctr">
-              <a:spAutoFit/>
-            </a:bodyPr>
-            <a:lstStyle/>
-            <a:p>
-              <a:pPr>
-                <a:lnSpc>
-                  <a:spcPct val="100000"/>
-                </a:lnSpc>
-                <a:buNone/>
-              </a:pPr>
-              <a:r>
-                <a:rPr lang="de-AT" sz="1000" b="0" strike="noStrike" spc="-4">
-                  <a:solidFill>
-                    <a:srgbClr val="44546A"/>
-                  </a:solidFill>
-                  <a:latin typeface="Calibri"/>
-                </a:rPr>
-                <a:t>May 31 - Jun 16</a:t>
-              </a:r>
-              <a:endParaRPr lang="en-US" sz="1000" b="0" strike="noStrike" spc="-1">
-                <a:latin typeface="Arial"/>
-              </a:endParaRPr>
-            </a:p>
-          </p:txBody>
-        </p:sp>
-        <p:sp>
-          <p:nvSpPr>
-            <p:cNvPr id="503" name="OTLSHAPE_T_50690a89d4324b3aa64ea1dde18cfff0_TextPercentage"/>
-            <p:cNvSpPr/>
-            <p:nvPr/>
-          </p:nvSpPr>
-          <p:spPr>
-            <a:xfrm>
-              <a:off x="8886960" y="4107600"/>
-              <a:ext cx="164880" cy="153000"/>
-            </a:xfrm>
-            <a:prstGeom prst="rect">
-              <a:avLst/>
-            </a:prstGeom>
-            <a:noFill/>
-            <a:ln w="0">
-              <a:noFill/>
-            </a:ln>
-          </p:spPr>
-          <p:style>
-            <a:lnRef idx="0">
-              <a:scrgbClr r="0" g="0" b="0"/>
-            </a:lnRef>
-            <a:fillRef idx="0">
-              <a:scrgbClr r="0" g="0" b="0"/>
-            </a:fillRef>
-            <a:effectRef idx="0">
-              <a:scrgbClr r="0" g="0" b="0"/>
-            </a:effectRef>
-            <a:fontRef idx="minor"/>
-          </p:style>
-          <p:txBody>
-            <a:bodyPr lIns="0" tIns="0" rIns="0" bIns="0" anchor="ctr">
-              <a:spAutoFit/>
-            </a:bodyPr>
-            <a:lstStyle/>
-            <a:p>
-              <a:pPr>
-                <a:lnSpc>
-                  <a:spcPct val="100000"/>
-                </a:lnSpc>
-                <a:buNone/>
-              </a:pPr>
-              <a:r>
-                <a:rPr lang="de-AT" sz="1000" b="0" strike="noStrike" spc="-12">
-                  <a:solidFill>
-                    <a:srgbClr val="EEECE1"/>
-                  </a:solidFill>
-                  <a:latin typeface="Calibri"/>
-                </a:rPr>
-                <a:t>0%</a:t>
-              </a:r>
-              <a:endParaRPr lang="en-US" sz="1000" b="0" strike="noStrike" spc="-1">
-                <a:latin typeface="Arial"/>
-              </a:endParaRPr>
-            </a:p>
-          </p:txBody>
-        </p:sp>
-        <p:sp>
-          <p:nvSpPr>
-            <p:cNvPr id="504" name="OTLSHAPE_T_c8a6c88c5d1743fda7f9dae191c099b1_JoinedDate"/>
-            <p:cNvSpPr/>
-            <p:nvPr/>
-          </p:nvSpPr>
-          <p:spPr>
-            <a:xfrm>
-              <a:off x="11094120" y="4558680"/>
-              <a:ext cx="672840" cy="305280"/>
-            </a:xfrm>
-            <a:prstGeom prst="rect">
-              <a:avLst/>
-            </a:prstGeom>
-            <a:noFill/>
-            <a:ln w="0">
-              <a:noFill/>
-            </a:ln>
-          </p:spPr>
-          <p:style>
-            <a:lnRef idx="0">
-              <a:scrgbClr r="0" g="0" b="0"/>
-            </a:lnRef>
-            <a:fillRef idx="0">
-              <a:scrgbClr r="0" g="0" b="0"/>
-            </a:fillRef>
-            <a:effectRef idx="0">
-              <a:scrgbClr r="0" g="0" b="0"/>
-            </a:effectRef>
-            <a:fontRef idx="minor"/>
-          </p:style>
-          <p:txBody>
-            <a:bodyPr lIns="0" tIns="0" rIns="0" bIns="0" anchor="ctr">
-              <a:spAutoFit/>
-            </a:bodyPr>
-            <a:lstStyle/>
-            <a:p>
-              <a:pPr>
-                <a:lnSpc>
-                  <a:spcPct val="100000"/>
-                </a:lnSpc>
-                <a:buNone/>
-              </a:pPr>
-              <a:r>
-                <a:rPr lang="de-AT" sz="1000" b="0" strike="noStrike" spc="-1">
-                  <a:solidFill>
-                    <a:srgbClr val="44546A"/>
-                  </a:solidFill>
-                  <a:latin typeface="Calibri"/>
-                </a:rPr>
-                <a:t>Mar 28 - Jun 30</a:t>
-              </a:r>
-              <a:endParaRPr lang="en-US" sz="1000" b="0" strike="noStrike" spc="-1">
-                <a:latin typeface="Arial"/>
-              </a:endParaRPr>
-            </a:p>
-          </p:txBody>
-        </p:sp>
-        <p:sp>
-          <p:nvSpPr>
-            <p:cNvPr id="505" name="OTLSHAPE_T_c8a6c88c5d1743fda7f9dae191c099b1_Title"/>
-            <p:cNvSpPr/>
-            <p:nvPr/>
-          </p:nvSpPr>
-          <p:spPr>
-            <a:xfrm>
-              <a:off x="3434760" y="4627080"/>
-              <a:ext cx="952200" cy="168120"/>
-            </a:xfrm>
-            <a:prstGeom prst="rect">
-              <a:avLst/>
-            </a:prstGeom>
-            <a:noFill/>
-            <a:ln w="0">
-              <a:noFill/>
-            </a:ln>
-          </p:spPr>
-          <p:style>
-            <a:lnRef idx="0">
-              <a:scrgbClr r="0" g="0" b="0"/>
-            </a:lnRef>
-            <a:fillRef idx="0">
-              <a:scrgbClr r="0" g="0" b="0"/>
-            </a:fillRef>
-            <a:effectRef idx="0">
-              <a:scrgbClr r="0" g="0" b="0"/>
-            </a:effectRef>
-            <a:fontRef idx="minor"/>
-          </p:style>
-          <p:txBody>
-            <a:bodyPr lIns="0" tIns="0" rIns="0" bIns="0" anchor="ctr">
-              <a:spAutoFit/>
-            </a:bodyPr>
-            <a:lstStyle/>
-            <a:p>
-              <a:pPr algn="ctr">
-                <a:lnSpc>
-                  <a:spcPct val="100000"/>
-                </a:lnSpc>
-                <a:buNone/>
-              </a:pPr>
-              <a:r>
-                <a:rPr lang="de-AT" sz="1100" b="1" strike="noStrike" spc="-4">
-                  <a:solidFill>
-                    <a:srgbClr val="000000"/>
-                  </a:solidFill>
-                  <a:latin typeface="Calibri"/>
-                </a:rPr>
-                <a:t>Arbeit verfassen</a:t>
-              </a:r>
-              <a:endParaRPr lang="en-US" sz="1100" b="0" strike="noStrike" spc="-1">
-                <a:latin typeface="Arial"/>
-              </a:endParaRPr>
             </a:p>
           </p:txBody>
         </p:sp>
       </p:grpSp>
-      <p:sp>
-        <p:nvSpPr>
-          <p:cNvPr id="506" name="OTLSHAPE_T_1d4c38599d614477931637ed991196d0_TextPercentage"/>
-          <p:cNvSpPr/>
-          <p:nvPr/>
-        </p:nvSpPr>
-        <p:spPr>
-          <a:xfrm>
-            <a:off x="4687560" y="3027960"/>
-            <a:ext cx="228240" cy="153000"/>
-          </a:xfrm>
-          <a:prstGeom prst="rect">
-            <a:avLst/>
-          </a:prstGeom>
-          <a:noFill/>
-          <a:ln w="0">
-            <a:noFill/>
-          </a:ln>
-        </p:spPr>
-        <p:style>
-          <a:lnRef idx="0">
-            <a:scrgbClr r="0" g="0" b="0"/>
-          </a:lnRef>
-          <a:fillRef idx="0">
-            <a:scrgbClr r="0" g="0" b="0"/>
-          </a:fillRef>
-          <a:effectRef idx="0">
-            <a:scrgbClr r="0" g="0" b="0"/>
-          </a:effectRef>
-          <a:fontRef idx="minor"/>
-        </p:style>
-        <p:txBody>
-          <a:bodyPr lIns="0" tIns="0" rIns="0" bIns="0" anchor="ctr">
-            <a:spAutoFit/>
-          </a:bodyPr>
-          <a:lstStyle/>
-          <a:p>
-            <a:pPr>
-              <a:lnSpc>
-                <a:spcPct val="100000"/>
-              </a:lnSpc>
-              <a:buNone/>
-            </a:pPr>
-            <a:r>
-              <a:rPr lang="de-AT" sz="1000" b="0" strike="noStrike" spc="-12">
-                <a:solidFill>
-                  <a:srgbClr val="EEECE1"/>
-                </a:solidFill>
-                <a:latin typeface="Calibri"/>
-              </a:rPr>
-              <a:t>45%</a:t>
-            </a:r>
-            <a:endParaRPr lang="en-US" sz="1000" b="0" strike="noStrike" spc="-1">
-              <a:latin typeface="Arial"/>
-            </a:endParaRPr>
-          </a:p>
-        </p:txBody>
-      </p:sp>
-      <p:sp>
-        <p:nvSpPr>
-          <p:cNvPr id="507" name="OTLSHAPE_T_50690a89d4324b3aa64ea1dde18cfff0_ShapePercentage"/>
-          <p:cNvSpPr/>
-          <p:nvPr/>
-        </p:nvSpPr>
-        <p:spPr>
-          <a:xfrm>
-            <a:off x="6802560" y="3474720"/>
-            <a:ext cx="164880" cy="410760"/>
-          </a:xfrm>
-          <a:prstGeom prst="rect">
-            <a:avLst/>
-          </a:prstGeom>
-          <a:solidFill>
-            <a:schemeClr val="dk1">
-              <a:alpha val="35000"/>
-            </a:schemeClr>
-          </a:solidFill>
-          <a:ln>
-            <a:noFill/>
-          </a:ln>
-        </p:spPr>
-        <p:style>
-          <a:lnRef idx="2">
-            <a:schemeClr val="accent1">
-              <a:shade val="15000"/>
-            </a:schemeClr>
-          </a:lnRef>
-          <a:fillRef idx="1">
-            <a:schemeClr val="accent1"/>
-          </a:fillRef>
-          <a:effectRef idx="0">
-            <a:schemeClr val="accent1"/>
-          </a:effectRef>
-          <a:fontRef idx="minor"/>
-        </p:style>
-        <p:txBody>
-          <a:bodyPr/>
-          <a:lstStyle/>
-          <a:p>
-            <a:endParaRPr lang="de-AT"/>
-          </a:p>
-        </p:txBody>
-      </p:sp>
-      <p:sp>
-        <p:nvSpPr>
-          <p:cNvPr id="508" name="OTLSHAPE_T_50690a89d4324b3aa64ea1dde18cfff0_TextPercentage"/>
-          <p:cNvSpPr/>
-          <p:nvPr/>
-        </p:nvSpPr>
-        <p:spPr>
-          <a:xfrm>
-            <a:off x="6804000" y="3593520"/>
-            <a:ext cx="164880" cy="153000"/>
-          </a:xfrm>
-          <a:prstGeom prst="rect">
-            <a:avLst/>
-          </a:prstGeom>
-          <a:noFill/>
-          <a:ln w="0">
-            <a:noFill/>
-          </a:ln>
-        </p:spPr>
-        <p:style>
-          <a:lnRef idx="0">
-            <a:scrgbClr r="0" g="0" b="0"/>
-          </a:lnRef>
-          <a:fillRef idx="0">
-            <a:scrgbClr r="0" g="0" b="0"/>
-          </a:fillRef>
-          <a:effectRef idx="0">
-            <a:scrgbClr r="0" g="0" b="0"/>
-          </a:effectRef>
-          <a:fontRef idx="minor"/>
-        </p:style>
-        <p:txBody>
-          <a:bodyPr lIns="0" tIns="0" rIns="0" bIns="0" anchor="ctr">
-            <a:spAutoFit/>
-          </a:bodyPr>
-          <a:lstStyle/>
-          <a:p>
-            <a:pPr>
-              <a:lnSpc>
-                <a:spcPct val="100000"/>
-              </a:lnSpc>
-              <a:buNone/>
-            </a:pPr>
-            <a:r>
-              <a:rPr lang="de-AT" sz="1000" b="0" strike="noStrike" spc="-12">
-                <a:solidFill>
-                  <a:srgbClr val="EEECE1"/>
-                </a:solidFill>
-                <a:latin typeface="Calibri"/>
-              </a:rPr>
-              <a:t>0%</a:t>
-            </a:r>
-            <a:endParaRPr lang="en-US" sz="1000" b="0" strike="noStrike" spc="-1">
-              <a:latin typeface="Arial"/>
-            </a:endParaRPr>
-          </a:p>
-        </p:txBody>
-      </p:sp>
-      <p:sp>
-        <p:nvSpPr>
-          <p:cNvPr id="509" name="OTLSHAPE_T_50690a89d4324b3aa64ea1dde18cfff0_TextPercentage"/>
-          <p:cNvSpPr/>
-          <p:nvPr/>
-        </p:nvSpPr>
-        <p:spPr>
-          <a:xfrm>
-            <a:off x="4457160" y="4788000"/>
-            <a:ext cx="164880" cy="153000"/>
-          </a:xfrm>
-          <a:prstGeom prst="rect">
-            <a:avLst/>
-          </a:prstGeom>
-          <a:noFill/>
-          <a:ln w="0">
-            <a:noFill/>
-          </a:ln>
-        </p:spPr>
-        <p:style>
-          <a:lnRef idx="0">
-            <a:scrgbClr r="0" g="0" b="0"/>
-          </a:lnRef>
-          <a:fillRef idx="0">
-            <a:scrgbClr r="0" g="0" b="0"/>
-          </a:fillRef>
-          <a:effectRef idx="0">
-            <a:scrgbClr r="0" g="0" b="0"/>
-          </a:effectRef>
-          <a:fontRef idx="minor"/>
-        </p:style>
-        <p:txBody>
-          <a:bodyPr lIns="0" tIns="0" rIns="0" bIns="0" anchor="ctr">
-            <a:spAutoFit/>
-          </a:bodyPr>
-          <a:lstStyle/>
-          <a:p>
-            <a:pPr>
-              <a:lnSpc>
-                <a:spcPct val="100000"/>
-              </a:lnSpc>
-              <a:buNone/>
-            </a:pPr>
-            <a:r>
-              <a:rPr lang="de-AT" sz="1000" b="0" strike="noStrike" spc="-12">
-                <a:solidFill>
-                  <a:srgbClr val="EEECE1"/>
-                </a:solidFill>
-                <a:latin typeface="Calibri"/>
-              </a:rPr>
-              <a:t>3%</a:t>
-            </a:r>
-            <a:endParaRPr lang="en-US" sz="1000" b="0" strike="noStrike" spc="-1">
-              <a:latin typeface="Arial"/>
-            </a:endParaRPr>
-          </a:p>
-        </p:txBody>
-      </p:sp>
-      <p:sp>
-        <p:nvSpPr>
-          <p:cNvPr id="510" name="OTLSHAPE_T_f3f2b2e75ddd4029b5bdbcc76280ee9a_TextPercentage"/>
-          <p:cNvSpPr/>
-          <p:nvPr/>
-        </p:nvSpPr>
-        <p:spPr>
-          <a:xfrm>
-            <a:off x="5252760" y="2588760"/>
-            <a:ext cx="291600" cy="153000"/>
-          </a:xfrm>
-          <a:prstGeom prst="rect">
-            <a:avLst/>
-          </a:prstGeom>
-          <a:noFill/>
-          <a:ln w="0">
-            <a:noFill/>
-          </a:ln>
-        </p:spPr>
-        <p:style>
-          <a:lnRef idx="0">
-            <a:scrgbClr r="0" g="0" b="0"/>
-          </a:lnRef>
-          <a:fillRef idx="0">
-            <a:scrgbClr r="0" g="0" b="0"/>
-          </a:fillRef>
-          <a:effectRef idx="0">
-            <a:scrgbClr r="0" g="0" b="0"/>
-          </a:effectRef>
-          <a:fontRef idx="minor"/>
-        </p:style>
-        <p:txBody>
-          <a:bodyPr lIns="0" tIns="0" rIns="0" bIns="0" anchor="ctr">
-            <a:spAutoFit/>
-          </a:bodyPr>
-          <a:lstStyle/>
-          <a:p>
-            <a:pPr>
-              <a:lnSpc>
-                <a:spcPct val="100000"/>
-              </a:lnSpc>
-              <a:buNone/>
-            </a:pPr>
-            <a:r>
-              <a:rPr lang="de-AT" sz="1000" b="0" strike="noStrike" spc="-9">
-                <a:solidFill>
-                  <a:srgbClr val="EEECE1"/>
-                </a:solidFill>
-                <a:latin typeface="Calibri"/>
-              </a:rPr>
-              <a:t>45%</a:t>
-            </a:r>
-            <a:endParaRPr lang="en-US" sz="1000" b="0" strike="noStrike" spc="-1">
-              <a:latin typeface="Arial"/>
-            </a:endParaRPr>
-          </a:p>
-        </p:txBody>
-      </p:sp>
     </p:spTree>
   </p:cSld>
   <p:clrMapOvr>
     <a:masterClrMapping/>
   </p:clrMapOvr>
-  <mc:AlternateContent xmlns:mc="http://schemas.openxmlformats.org/markup-compatibility/2006">
-    <mc:Choice xmlns:p159="http://schemas.microsoft.com/office/powerpoint/2015/09/main" Requires="p159">
+  <mc:AlternateContent xmlns:mc="http://schemas.openxmlformats.org/markup-compatibility/2006" xmlns:p159="http://schemas.microsoft.com/office/powerpoint/2015/09/main">
+    <mc:Choice Requires="p159">
       <p:transition xmlns:p14="http://schemas.microsoft.com/office/powerpoint/2010/main" spd="med" p14:dur="700">
         <p159:morph option="byObject"/>
       </p:transition>
     </mc:Choice>
-    <mc:Fallback>
+    <mc:Fallback xmlns="">
       <p:transition spd="med">
         <p:fade/>
       </p:transition>
@@ -24351,18 +20370,291 @@
           <a:chExt cx="0" cy="0"/>
         </a:xfrm>
       </p:grpSpPr>
+      <p:sp>
+        <p:nvSpPr>
+          <p:cNvPr id="128" name="PlaceHolder 1"/>
+          <p:cNvSpPr>
+            <a:spLocks noGrp="1"/>
+          </p:cNvSpPr>
+          <p:nvPr>
+            <p:ph type="title"/>
+          </p:nvPr>
+        </p:nvSpPr>
+        <p:spPr>
+          <a:xfrm>
+            <a:off x="804060" y="5240314"/>
+            <a:ext cx="4229280" cy="628920"/>
+          </a:xfrm>
+          <a:prstGeom prst="rect">
+            <a:avLst/>
+          </a:prstGeom>
+          <a:noFill/>
+          <a:ln w="0">
+            <a:noFill/>
+          </a:ln>
+        </p:spPr>
+        <p:txBody>
+          <a:bodyPr anchor="b">
+            <a:noAutofit/>
+          </a:bodyPr>
+          <a:lstStyle/>
+          <a:p>
+            <a:pPr>
+              <a:lnSpc>
+                <a:spcPct val="90000"/>
+              </a:lnSpc>
+              <a:buNone/>
+            </a:pPr>
+            <a:r>
+              <a:rPr lang="de-AT" sz="4000" b="1" strike="noStrike" spc="-1" dirty="0" err="1">
+                <a:solidFill>
+                  <a:srgbClr val="003361"/>
+                </a:solidFill>
+                <a:latin typeface="Calibri Light"/>
+              </a:rPr>
+              <a:t>Lecture</a:t>
+            </a:r>
+            <a:r>
+              <a:rPr lang="de-AT" sz="4000" b="1" strike="noStrike" spc="-1" dirty="0">
+                <a:solidFill>
+                  <a:srgbClr val="003361"/>
+                </a:solidFill>
+                <a:latin typeface="Calibri Light"/>
+              </a:rPr>
+              <a:t> Connect</a:t>
+            </a:r>
+            <a:endParaRPr lang="en-US" sz="4000" b="0" strike="noStrike" spc="-1" dirty="0">
+              <a:solidFill>
+                <a:srgbClr val="000000"/>
+              </a:solidFill>
+              <a:latin typeface="Calibri"/>
+            </a:endParaRPr>
+          </a:p>
+        </p:txBody>
+      </p:sp>
+      <p:sp>
+        <p:nvSpPr>
+          <p:cNvPr id="129" name="PlaceHolder 2"/>
+          <p:cNvSpPr>
+            <a:spLocks noGrp="1"/>
+          </p:cNvSpPr>
+          <p:nvPr>
+            <p:ph/>
+          </p:nvPr>
+        </p:nvSpPr>
+        <p:spPr>
+          <a:xfrm>
+            <a:off x="905659" y="5757084"/>
+            <a:ext cx="4774320" cy="586080"/>
+          </a:xfrm>
+          <a:prstGeom prst="rect">
+            <a:avLst/>
+          </a:prstGeom>
+          <a:noFill/>
+          <a:ln w="0">
+            <a:noFill/>
+          </a:ln>
+        </p:spPr>
+        <p:txBody>
+          <a:bodyPr anchor="t">
+            <a:normAutofit/>
+          </a:bodyPr>
+          <a:lstStyle/>
+          <a:p>
+            <a:pPr>
+              <a:lnSpc>
+                <a:spcPct val="90000"/>
+              </a:lnSpc>
+              <a:spcBef>
+                <a:spcPts val="1001"/>
+              </a:spcBef>
+              <a:buNone/>
+              <a:tabLst>
+                <a:tab pos="0" algn="l"/>
+              </a:tabLst>
+            </a:pPr>
+            <a:r>
+              <a:rPr lang="de-AT" sz="1600" b="0" strike="noStrike" spc="-1" dirty="0">
+                <a:solidFill>
+                  <a:srgbClr val="4C4D4C"/>
+                </a:solidFill>
+                <a:latin typeface="Calibri"/>
+              </a:rPr>
+              <a:t>Ein </a:t>
+            </a:r>
+            <a:r>
+              <a:rPr lang="de-AT" sz="1600" b="0" strike="noStrike" spc="-1" dirty="0" err="1">
+                <a:solidFill>
+                  <a:srgbClr val="4C4D4C"/>
+                </a:solidFill>
+                <a:latin typeface="Calibri"/>
+              </a:rPr>
+              <a:t>Constraint</a:t>
+            </a:r>
+            <a:r>
+              <a:rPr lang="de-AT" sz="1600" b="0" strike="noStrike" spc="-1" dirty="0">
+                <a:solidFill>
+                  <a:srgbClr val="4C4D4C"/>
+                </a:solidFill>
+                <a:latin typeface="Calibri"/>
+              </a:rPr>
+              <a:t> basiertes Lehre Planungs-Tool </a:t>
+            </a:r>
+            <a:endParaRPr lang="en-US" sz="1600" b="0" strike="noStrike" spc="-1" dirty="0">
+              <a:solidFill>
+                <a:srgbClr val="000000"/>
+              </a:solidFill>
+              <a:latin typeface="Calibri"/>
+            </a:endParaRPr>
+          </a:p>
+        </p:txBody>
+      </p:sp>
+      <p:sp>
+        <p:nvSpPr>
+          <p:cNvPr id="130" name="Textfeld 1"/>
+          <p:cNvSpPr/>
+          <p:nvPr/>
+        </p:nvSpPr>
+        <p:spPr>
+          <a:xfrm>
+            <a:off x="6084720" y="-11520"/>
+            <a:ext cx="184320" cy="584280"/>
+          </a:xfrm>
+          <a:prstGeom prst="rect">
+            <a:avLst/>
+          </a:prstGeom>
+          <a:noFill/>
+          <a:ln w="0">
+            <a:noFill/>
+          </a:ln>
+        </p:spPr>
+        <p:style>
+          <a:lnRef idx="0">
+            <a:scrgbClr r="0" g="0" b="0"/>
+          </a:lnRef>
+          <a:fillRef idx="0">
+            <a:scrgbClr r="0" g="0" b="0"/>
+          </a:fillRef>
+          <a:effectRef idx="0">
+            <a:scrgbClr r="0" g="0" b="0"/>
+          </a:effectRef>
+          <a:fontRef idx="minor"/>
+        </p:style>
+        <p:txBody>
+          <a:bodyPr/>
+          <a:lstStyle/>
+          <a:p>
+            <a:endParaRPr lang="de-AT"/>
+          </a:p>
+        </p:txBody>
+      </p:sp>
+      <p:sp>
+        <p:nvSpPr>
+          <p:cNvPr id="131" name="Textplatzhalter 5"/>
+          <p:cNvSpPr/>
+          <p:nvPr/>
+        </p:nvSpPr>
+        <p:spPr>
+          <a:xfrm>
+            <a:off x="7589059" y="5508594"/>
+            <a:ext cx="4229280" cy="586080"/>
+          </a:xfrm>
+          <a:prstGeom prst="rect">
+            <a:avLst/>
+          </a:prstGeom>
+          <a:noFill/>
+          <a:ln w="0">
+            <a:noFill/>
+          </a:ln>
+        </p:spPr>
+        <p:style>
+          <a:lnRef idx="0">
+            <a:scrgbClr r="0" g="0" b="0"/>
+          </a:lnRef>
+          <a:fillRef idx="0">
+            <a:scrgbClr r="0" g="0" b="0"/>
+          </a:fillRef>
+          <a:effectRef idx="0">
+            <a:scrgbClr r="0" g="0" b="0"/>
+          </a:effectRef>
+          <a:fontRef idx="minor"/>
+        </p:style>
+        <p:txBody>
+          <a:bodyPr anchor="t">
+            <a:normAutofit fontScale="87000" lnSpcReduction="10000"/>
+          </a:bodyPr>
+          <a:lstStyle/>
+          <a:p>
+            <a:pPr algn="r">
+              <a:lnSpc>
+                <a:spcPct val="90000"/>
+              </a:lnSpc>
+              <a:spcBef>
+                <a:spcPts val="1001"/>
+              </a:spcBef>
+              <a:buNone/>
+              <a:tabLst>
+                <a:tab pos="0" algn="l"/>
+              </a:tabLst>
+            </a:pPr>
+            <a:r>
+              <a:rPr lang="de-AT" sz="1600" b="0" strike="noStrike" spc="-1">
+                <a:solidFill>
+                  <a:srgbClr val="4C4D4C"/>
+                </a:solidFill>
+                <a:latin typeface="Calibri"/>
+              </a:rPr>
+              <a:t>Betreuer: Philipp Zech, PhD</a:t>
+            </a:r>
+            <a:endParaRPr lang="en-US" sz="1600" b="0" strike="noStrike" spc="-1">
+              <a:latin typeface="Arial"/>
+            </a:endParaRPr>
+          </a:p>
+          <a:p>
+            <a:pPr algn="r">
+              <a:lnSpc>
+                <a:spcPct val="90000"/>
+              </a:lnSpc>
+              <a:spcBef>
+                <a:spcPts val="1001"/>
+              </a:spcBef>
+              <a:buNone/>
+              <a:tabLst>
+                <a:tab pos="0" algn="l"/>
+              </a:tabLst>
+            </a:pPr>
+            <a:r>
+              <a:rPr lang="de-AT" sz="1600" b="0" strike="noStrike" spc="-1">
+                <a:solidFill>
+                  <a:srgbClr val="4C4D4C"/>
+                </a:solidFill>
+                <a:latin typeface="Calibri"/>
+              </a:rPr>
+              <a:t>Studierende: Elias Walder, Johannes Karrer</a:t>
+            </a:r>
+            <a:endParaRPr lang="en-US" sz="1600" b="0" strike="noStrike" spc="-1">
+              <a:latin typeface="Arial"/>
+            </a:endParaRPr>
+          </a:p>
+        </p:txBody>
+      </p:sp>
     </p:spTree>
+    <p:extLst>
+      <p:ext uri="{BB962C8B-B14F-4D97-AF65-F5344CB8AC3E}">
+        <p14:creationId xmlns:p14="http://schemas.microsoft.com/office/powerpoint/2010/main" val="44172463"/>
+      </p:ext>
+    </p:extLst>
   </p:cSld>
   <p:clrMapOvr>
     <a:masterClrMapping/>
   </p:clrMapOvr>
-  <mc:AlternateContent xmlns:mc="http://schemas.openxmlformats.org/markup-compatibility/2006">
-    <mc:Choice xmlns:p159="http://schemas.microsoft.com/office/powerpoint/2015/09/main" Requires="p159">
+  <mc:AlternateContent xmlns:mc="http://schemas.openxmlformats.org/markup-compatibility/2006" xmlns:p159="http://schemas.microsoft.com/office/powerpoint/2015/09/main">
+    <mc:Choice Requires="p159">
       <p:transition xmlns:p14="http://schemas.microsoft.com/office/powerpoint/2010/main" spd="med" p14:dur="700">
         <p159:morph option="byObject"/>
       </p:transition>
     </mc:Choice>
-    <mc:Fallback>
+    <mc:Fallback xmlns="">
       <p:transition spd="med">
         <p:fade/>
       </p:transition>
@@ -24631,7 +20923,7 @@
                 </a:solidFill>
                 <a:latin typeface="Calibri"/>
               </a:rPr>
-              <a:t>11/04/24</a:t>
+              <a:t>13/04/24</a:t>
             </a:fld>
             <a:endParaRPr lang="en-US" sz="939" b="0" strike="noStrike" spc="-1">
               <a:latin typeface="Times New Roman"/>
@@ -25905,13 +22197,13 @@
   <p:clrMapOvr>
     <a:masterClrMapping/>
   </p:clrMapOvr>
-  <mc:AlternateContent xmlns:mc="http://schemas.openxmlformats.org/markup-compatibility/2006">
-    <mc:Choice xmlns:p159="http://schemas.microsoft.com/office/powerpoint/2015/09/main" Requires="p159">
+  <mc:AlternateContent xmlns:mc="http://schemas.openxmlformats.org/markup-compatibility/2006" xmlns:p159="http://schemas.microsoft.com/office/powerpoint/2015/09/main">
+    <mc:Choice Requires="p159">
       <p:transition xmlns:p14="http://schemas.microsoft.com/office/powerpoint/2010/main" spd="med" p14:dur="700">
         <p159:morph option="byObject"/>
       </p:transition>
     </mc:Choice>
-    <mc:Fallback>
+    <mc:Fallback xmlns="">
       <p:transition spd="med">
         <p:fade/>
       </p:transition>
@@ -26127,7 +22419,7 @@
                 </a:solidFill>
                 <a:latin typeface="Calibri"/>
               </a:rPr>
-              <a:t>11/04/24</a:t>
+              <a:t>13/04/24</a:t>
             </a:fld>
             <a:endParaRPr lang="en-US" sz="939" b="0" strike="noStrike" spc="-1">
               <a:latin typeface="Times New Roman"/>
@@ -27290,13 +23582,13 @@
   <p:clrMapOvr>
     <a:masterClrMapping/>
   </p:clrMapOvr>
-  <mc:AlternateContent xmlns:mc="http://schemas.openxmlformats.org/markup-compatibility/2006">
-    <mc:Choice xmlns:p159="http://schemas.microsoft.com/office/powerpoint/2015/09/main" Requires="p159">
+  <mc:AlternateContent xmlns:mc="http://schemas.openxmlformats.org/markup-compatibility/2006" xmlns:p159="http://schemas.microsoft.com/office/powerpoint/2015/09/main">
+    <mc:Choice Requires="p159">
       <p:transition xmlns:p14="http://schemas.microsoft.com/office/powerpoint/2010/main" spd="med" p14:dur="700">
         <p159:morph option="byObject"/>
       </p:transition>
     </mc:Choice>
-    <mc:Fallback>
+    <mc:Fallback xmlns="">
       <p:transition spd="med">
         <p:fade/>
       </p:transition>
@@ -27512,7 +23804,7 @@
                 </a:solidFill>
                 <a:latin typeface="Calibri"/>
               </a:rPr>
-              <a:t>11/04/24</a:t>
+              <a:t>13/04/24</a:t>
             </a:fld>
             <a:endParaRPr lang="en-US" sz="939" b="0" strike="noStrike" spc="-1">
               <a:latin typeface="Times New Roman"/>
@@ -28834,13 +25126,13 @@
   <p:clrMapOvr>
     <a:masterClrMapping/>
   </p:clrMapOvr>
-  <mc:AlternateContent xmlns:mc="http://schemas.openxmlformats.org/markup-compatibility/2006">
-    <mc:Choice xmlns:p159="http://schemas.microsoft.com/office/powerpoint/2015/09/main" Requires="p159">
+  <mc:AlternateContent xmlns:mc="http://schemas.openxmlformats.org/markup-compatibility/2006" xmlns:p159="http://schemas.microsoft.com/office/powerpoint/2015/09/main">
+    <mc:Choice Requires="p159">
       <p:transition xmlns:p14="http://schemas.microsoft.com/office/powerpoint/2010/main" spd="med" p14:dur="700">
         <p159:morph option="byObject"/>
       </p:transition>
     </mc:Choice>
-    <mc:Fallback>
+    <mc:Fallback xmlns="">
       <p:transition spd="med">
         <p:fade/>
       </p:transition>
@@ -29056,7 +25348,7 @@
                 </a:solidFill>
                 <a:latin typeface="Calibri"/>
               </a:rPr>
-              <a:t>11/04/24</a:t>
+              <a:t>13/04/24</a:t>
             </a:fld>
             <a:endParaRPr lang="en-US" sz="939" b="0" strike="noStrike" spc="-1">
               <a:latin typeface="Times New Roman"/>
@@ -30183,13 +26475,13 @@
   <p:clrMapOvr>
     <a:masterClrMapping/>
   </p:clrMapOvr>
-  <mc:AlternateContent xmlns:mc="http://schemas.openxmlformats.org/markup-compatibility/2006">
-    <mc:Choice xmlns:p159="http://schemas.microsoft.com/office/powerpoint/2015/09/main" Requires="p159">
+  <mc:AlternateContent xmlns:mc="http://schemas.openxmlformats.org/markup-compatibility/2006" xmlns:p159="http://schemas.microsoft.com/office/powerpoint/2015/09/main">
+    <mc:Choice Requires="p159">
       <p:transition xmlns:p14="http://schemas.microsoft.com/office/powerpoint/2010/main" spd="med" p14:dur="700">
         <p159:morph option="byObject"/>
       </p:transition>
     </mc:Choice>
-    <mc:Fallback>
+    <mc:Fallback xmlns="">
       <p:transition spd="med">
         <p:fade/>
       </p:transition>
@@ -30405,7 +26697,7 @@
                 </a:solidFill>
                 <a:latin typeface="Calibri"/>
               </a:rPr>
-              <a:t>11/04/24</a:t>
+              <a:t>13/04/24</a:t>
             </a:fld>
             <a:endParaRPr lang="en-US" sz="939" b="0" strike="noStrike" spc="-1">
               <a:latin typeface="Times New Roman"/>
@@ -31826,13 +28118,13 @@
   <p:clrMapOvr>
     <a:masterClrMapping/>
   </p:clrMapOvr>
-  <mc:AlternateContent xmlns:mc="http://schemas.openxmlformats.org/markup-compatibility/2006">
-    <mc:Choice xmlns:p159="http://schemas.microsoft.com/office/powerpoint/2015/09/main" Requires="p159">
+  <mc:AlternateContent xmlns:mc="http://schemas.openxmlformats.org/markup-compatibility/2006" xmlns:p159="http://schemas.microsoft.com/office/powerpoint/2015/09/main">
+    <mc:Choice Requires="p159">
       <p:transition xmlns:p14="http://schemas.microsoft.com/office/powerpoint/2010/main" spd="med" p14:dur="700">
         <p159:morph option="byObject"/>
       </p:transition>
     </mc:Choice>
-    <mc:Fallback>
+    <mc:Fallback xmlns="">
       <p:transition spd="med">
         <p:fade/>
       </p:transition>
@@ -32048,7 +28340,7 @@
                 </a:solidFill>
                 <a:latin typeface="Calibri"/>
               </a:rPr>
-              <a:t>11/04/24</a:t>
+              <a:t>13/04/24</a:t>
             </a:fld>
             <a:endParaRPr lang="en-US" sz="939" b="0" strike="noStrike" spc="-1">
               <a:latin typeface="Times New Roman"/>
@@ -33444,13 +29736,13 @@
   <p:clrMapOvr>
     <a:masterClrMapping/>
   </p:clrMapOvr>
-  <mc:AlternateContent xmlns:mc="http://schemas.openxmlformats.org/markup-compatibility/2006">
-    <mc:Choice xmlns:p159="http://schemas.microsoft.com/office/powerpoint/2015/09/main" Requires="p159">
+  <mc:AlternateContent xmlns:mc="http://schemas.openxmlformats.org/markup-compatibility/2006" xmlns:p159="http://schemas.microsoft.com/office/powerpoint/2015/09/main">
+    <mc:Choice Requires="p159">
       <p:transition xmlns:p14="http://schemas.microsoft.com/office/powerpoint/2010/main" spd="med" p14:dur="700">
         <p159:morph option="byObject"/>
       </p:transition>
     </mc:Choice>
-    <mc:Fallback>
+    <mc:Fallback xmlns="">
       <p:transition spd="med">
         <p:fade/>
       </p:transition>
@@ -33843,7 +30135,7 @@
                 </a:solidFill>
                 <a:latin typeface="Calibri"/>
               </a:rPr>
-              <a:t>11/04/24</a:t>
+              <a:t>13/04/24</a:t>
             </a:fld>
             <a:endParaRPr lang="en-US" sz="939" b="0" strike="noStrike" spc="-1">
               <a:latin typeface="Times New Roman"/>
@@ -36093,13 +32385,13 @@
   <p:clrMapOvr>
     <a:masterClrMapping/>
   </p:clrMapOvr>
-  <mc:AlternateContent xmlns:mc="http://schemas.openxmlformats.org/markup-compatibility/2006">
-    <mc:Choice xmlns:p159="http://schemas.microsoft.com/office/powerpoint/2015/09/main" Requires="p159">
+  <mc:AlternateContent xmlns:mc="http://schemas.openxmlformats.org/markup-compatibility/2006" xmlns:p159="http://schemas.microsoft.com/office/powerpoint/2015/09/main">
+    <mc:Choice Requires="p159">
       <p:transition xmlns:p14="http://schemas.microsoft.com/office/powerpoint/2010/main" spd="med" p14:dur="700">
         <p159:morph option="byObject"/>
       </p:transition>
     </mc:Choice>
-    <mc:Fallback>
+    <mc:Fallback xmlns="">
       <p:transition spd="med">
         <p:fade/>
       </p:transition>
@@ -36345,7 +32637,7 @@
                 </a:solidFill>
                 <a:latin typeface="Calibri"/>
               </a:rPr>
-              <a:t>11/04/24</a:t>
+              <a:t>13/04/24</a:t>
             </a:fld>
             <a:endParaRPr lang="en-US" sz="939" b="0" strike="noStrike" spc="-1">
               <a:latin typeface="Times New Roman"/>
@@ -37267,19 +33559,406 @@
   <p:clrMapOvr>
     <a:masterClrMapping/>
   </p:clrMapOvr>
-  <mc:AlternateContent xmlns:mc="http://schemas.openxmlformats.org/markup-compatibility/2006">
-    <mc:Choice xmlns:p159="http://schemas.microsoft.com/office/powerpoint/2015/09/main" Requires="p159">
+  <mc:AlternateContent xmlns:mc="http://schemas.openxmlformats.org/markup-compatibility/2006" xmlns:p159="http://schemas.microsoft.com/office/powerpoint/2015/09/main">
+    <mc:Choice Requires="p159">
       <p:transition xmlns:p14="http://schemas.microsoft.com/office/powerpoint/2010/main" spd="med" p14:dur="700">
         <p159:morph option="byObject"/>
       </p:transition>
     </mc:Choice>
-    <mc:Fallback>
+    <mc:Fallback xmlns="">
       <p:transition spd="med">
         <p:fade/>
       </p:transition>
     </mc:Fallback>
   </mc:AlternateContent>
 </p:sld>
+</file>
+
+<file path=ppt/tags/tag1.xml><?xml version="1.0" encoding="utf-8"?>
+<p:tagLst xmlns:a="http://schemas.openxmlformats.org/drawingml/2006/main" xmlns:r="http://schemas.openxmlformats.org/officeDocument/2006/relationships" xmlns:p="http://schemas.openxmlformats.org/presentationml/2006/main">
+  <p:tag name="OTLMARKERSHAPE" val="OTL"/>
+</p:tagLst>
+</file>
+
+<file path=ppt/tags/tag10.xml><?xml version="1.0" encoding="utf-8"?>
+<p:tagLst xmlns:a="http://schemas.openxmlformats.org/drawingml/2006/main" xmlns:r="http://schemas.openxmlformats.org/officeDocument/2006/relationships" xmlns:p="http://schemas.openxmlformats.org/presentationml/2006/main">
+  <p:tag name="OTLMARKERSHAPE" val="OTL"/>
+</p:tagLst>
+</file>
+
+<file path=ppt/tags/tag11.xml><?xml version="1.0" encoding="utf-8"?>
+<p:tagLst xmlns:a="http://schemas.openxmlformats.org/drawingml/2006/main" xmlns:r="http://schemas.openxmlformats.org/officeDocument/2006/relationships" xmlns:p="http://schemas.openxmlformats.org/presentationml/2006/main">
+  <p:tag name="OTLMARKERSHAPE" val="OTL"/>
+</p:tagLst>
+</file>
+
+<file path=ppt/tags/tag12.xml><?xml version="1.0" encoding="utf-8"?>
+<p:tagLst xmlns:a="http://schemas.openxmlformats.org/drawingml/2006/main" xmlns:r="http://schemas.openxmlformats.org/officeDocument/2006/relationships" xmlns:p="http://schemas.openxmlformats.org/presentationml/2006/main">
+  <p:tag name="OTLMARKERSHAPE" val="OTL"/>
+</p:tagLst>
+</file>
+
+<file path=ppt/tags/tag13.xml><?xml version="1.0" encoding="utf-8"?>
+<p:tagLst xmlns:a="http://schemas.openxmlformats.org/drawingml/2006/main" xmlns:r="http://schemas.openxmlformats.org/officeDocument/2006/relationships" xmlns:p="http://schemas.openxmlformats.org/presentationml/2006/main">
+  <p:tag name="OTLMARKERSHAPE" val="OTL"/>
+</p:tagLst>
+</file>
+
+<file path=ppt/tags/tag14.xml><?xml version="1.0" encoding="utf-8"?>
+<p:tagLst xmlns:a="http://schemas.openxmlformats.org/drawingml/2006/main" xmlns:r="http://schemas.openxmlformats.org/officeDocument/2006/relationships" xmlns:p="http://schemas.openxmlformats.org/presentationml/2006/main">
+  <p:tag name="OTLMARKERSHAPE" val="OTL"/>
+</p:tagLst>
+</file>
+
+<file path=ppt/tags/tag15.xml><?xml version="1.0" encoding="utf-8"?>
+<p:tagLst xmlns:a="http://schemas.openxmlformats.org/drawingml/2006/main" xmlns:r="http://schemas.openxmlformats.org/officeDocument/2006/relationships" xmlns:p="http://schemas.openxmlformats.org/presentationml/2006/main">
+  <p:tag name="OTLMARKERSHAPE" val="OTL"/>
+</p:tagLst>
+</file>
+
+<file path=ppt/tags/tag16.xml><?xml version="1.0" encoding="utf-8"?>
+<p:tagLst xmlns:a="http://schemas.openxmlformats.org/drawingml/2006/main" xmlns:r="http://schemas.openxmlformats.org/officeDocument/2006/relationships" xmlns:p="http://schemas.openxmlformats.org/presentationml/2006/main">
+  <p:tag name="OTLMARKERSHAPE" val="OTL"/>
+</p:tagLst>
+</file>
+
+<file path=ppt/tags/tag17.xml><?xml version="1.0" encoding="utf-8"?>
+<p:tagLst xmlns:a="http://schemas.openxmlformats.org/drawingml/2006/main" xmlns:r="http://schemas.openxmlformats.org/officeDocument/2006/relationships" xmlns:p="http://schemas.openxmlformats.org/presentationml/2006/main">
+  <p:tag name="OTLMARKERSHAPE" val="OTL"/>
+</p:tagLst>
+</file>
+
+<file path=ppt/tags/tag18.xml><?xml version="1.0" encoding="utf-8"?>
+<p:tagLst xmlns:a="http://schemas.openxmlformats.org/drawingml/2006/main" xmlns:r="http://schemas.openxmlformats.org/officeDocument/2006/relationships" xmlns:p="http://schemas.openxmlformats.org/presentationml/2006/main">
+  <p:tag name="OTLMARKERSHAPE" val="OTL"/>
+</p:tagLst>
+</file>
+
+<file path=ppt/tags/tag19.xml><?xml version="1.0" encoding="utf-8"?>
+<p:tagLst xmlns:a="http://schemas.openxmlformats.org/drawingml/2006/main" xmlns:r="http://schemas.openxmlformats.org/officeDocument/2006/relationships" xmlns:p="http://schemas.openxmlformats.org/presentationml/2006/main">
+  <p:tag name="OTLMARKERSHAPE" val="OTL"/>
+</p:tagLst>
+</file>
+
+<file path=ppt/tags/tag2.xml><?xml version="1.0" encoding="utf-8"?>
+<p:tagLst xmlns:a="http://schemas.openxmlformats.org/drawingml/2006/main" xmlns:r="http://schemas.openxmlformats.org/officeDocument/2006/relationships" xmlns:p="http://schemas.openxmlformats.org/presentationml/2006/main">
+  <p:tag name="OTLMARKERSHAPE" val="OTL"/>
+  <p:tag name="OTLTIMEBANDSCALETYPE" val="Months"/>
+  <p:tag name="OTLTIMEBANDSCALEFORMAT" val="MMM"/>
+  <p:tag name="OTLTIMEBANDSHAPETYPE" val="RoundedCornerRectangleTimeband"/>
+  <p:tag name="OTLTIMEBANDSHAPEHEIGHT" val="20"/>
+  <p:tag name="OTLTIMEBANDSHAPEPADDINGLEFT" val="0"/>
+  <p:tag name="OTLTIMEBANDCULTUREINFO" val="en-US"/>
+  <p:tag name="OTLTIMEBANDQUICKPOSITION" val="Bottom"/>
+  <p:tag name="OTLTIMEBANDTHREEDEFFECTS" val="None"/>
+  <p:tag name="OTLTIMEBANDAUTODATERANGE" val="True"/>
+  <p:tag name="OTLTIMEBANDSTARTDATE" val="0001-01-01T00:00:00.0000000"/>
+  <p:tag name="OTLTIMEBANDENDDATE" val="2024-09-30T23:59:00.0000000"/>
+  <p:tag name="OTLTIMEBANDWORKINGDAYS" val="Standard"/>
+  <p:tag name="OTLTIMEBANDELAPSEDTIMEEXTENSION" val="False"/>
+  <p:tag name="OTLTIMEBANDUSETIME" val="False"/>
+  <p:tag name="OTLTIMEBANDTIMECONFIGWORKDAYSTART" val="00:00:00"/>
+  <p:tag name="OTLTIMEBANDTIMECONFIGWORKDAYEND" val="23:59:00"/>
+  <p:tag name="OTLTIMEBANDAPPENDYEARONYEARCHANGE" val="False"/>
+  <p:tag name="OTLTIMEBANDSCALEMARKING" val="None"/>
+  <p:tag name="OTLRIGHTENDCAPSMARGINRIGHT" val="20"/>
+  <p:tag name="OTLLEFTENDCAPSMARGINLEFT" val="20"/>
+  <p:tag name="OTLTIMEBANDFYSTARTMONTH" val="January"/>
+  <p:tag name="OTLTIMEBANDSHOWFYLABEL" val="True"/>
+  <p:tag name="OTLTIMEBANDUSESTARTINGOFTHEYEARFORFYNUMBERING" val="True"/>
+  <p:tag name="OTLTIMEBANDRESERVEDLEFTAREAWIDTH" val="0"/>
+  <p:tag name="OTLTIMEBANDRESERVEDLEFTAREAISSET" val="False"/>
+  <p:tag name="OTLTIMEBANDDEPENABLED" val="False"/>
+  <p:tag name="OTLTIMEBANDDEPSCHEDULINGMODE" val="Flexible"/>
+  <p:tag name="OTLTIMEBANDDEPPREVIOUSSCHEDULINGMODE" val="Flexible"/>
+  <p:tag name="OTLTIMEBANDDEPONBREAKINGSTRICTSCHEDULINGMODE" val="AskEverytime"/>
+  <p:tag name="OTLTIMEBANDDEPONBREAKINGFLEXIBLESCHEDULINGMODE" val="AskEverytime"/>
+  <p:tag name="OTLTIMEBANDSPACINGABOVE" val="5"/>
+  <p:tag name="OTLTIMEBANDSPACINGBELOW" val="5"/>
+  <p:tag name="OTLTIMEBANDSPACINGABOVEFORSWLANDTASKS" val="5"/>
+  <p:tag name="OTLTIMEBANDSPACINGBELOWFORSWLANDTASKS" val="5"/>
+</p:tagLst>
+</file>
+
+<file path=ppt/tags/tag20.xml><?xml version="1.0" encoding="utf-8"?>
+<p:tagLst xmlns:a="http://schemas.openxmlformats.org/drawingml/2006/main" xmlns:r="http://schemas.openxmlformats.org/officeDocument/2006/relationships" xmlns:p="http://schemas.openxmlformats.org/presentationml/2006/main">
+  <p:tag name="OTLMARKERSHAPE" val="OTL"/>
+</p:tagLst>
+</file>
+
+<file path=ppt/tags/tag21.xml><?xml version="1.0" encoding="utf-8"?>
+<p:tagLst xmlns:a="http://schemas.openxmlformats.org/drawingml/2006/main" xmlns:r="http://schemas.openxmlformats.org/officeDocument/2006/relationships" xmlns:p="http://schemas.openxmlformats.org/presentationml/2006/main">
+  <p:tag name="OTLMARKERSHAPE" val="OTL"/>
+  <p:tag name="OTLDATEFORMATSTRING" val="MMM d"/>
+  <p:tag name="OTLDATEFORMATSEPARATOR" val="/"/>
+  <p:tag name="OTLDATEFORMATUSEUS" val="True"/>
+  <p:tag name="OTLDATEFORMATDATEISVISIBLE" val="True"/>
+  <p:tag name="OTLDATEFORMATTIMEISVISIBLE" val="False"/>
+  <p:tag name="OTLDATEFORMATAMPMDESIGNATOR" val="AmPmLowerCase"/>
+  <p:tag name="OTLDATEFORMATHOURDIGITS" val="H"/>
+  <p:tag name="OTLDATEFORMATTRIM00MINUTES" val="False"/>
+  <p:tag name="OTLWEEKNUMBERINGFORMAT" val="WNFormat1"/>
+  <p:tag name="OTLWEEKNUMBERINGISVISIBLE" val="False"/>
+  <p:tag name="OTLSTARTDATE" val="2024-02-28T00:00:00.0000000"/>
+  <p:tag name="OTLENDDATE" val="2024-03-10T23:59:00.0000000"/>
+  <p:tag name="OTLDURATIONFORMAT" val="day"/>
+  <p:tag name="OTLSPACING" val="5"/>
+  <p:tag name="OTLSHAPETHICKNESSTYPE" val="Thin"/>
+</p:tagLst>
+</file>
+
+<file path=ppt/tags/tag22.xml><?xml version="1.0" encoding="utf-8"?>
+<p:tagLst xmlns:a="http://schemas.openxmlformats.org/drawingml/2006/main" xmlns:r="http://schemas.openxmlformats.org/officeDocument/2006/relationships" xmlns:p="http://schemas.openxmlformats.org/presentationml/2006/main">
+  <p:tag name="OTLMARKERSHAPE" val="OTL"/>
+  <p:tag name="OTLDATEFORMATSTRING" val="MMM d"/>
+  <p:tag name="OTLDATEFORMATSEPARATOR" val="/"/>
+  <p:tag name="OTLDATEFORMATUSEUS" val="True"/>
+  <p:tag name="OTLDATEFORMATDATEISVISIBLE" val="True"/>
+  <p:tag name="OTLDATEFORMATTIMEISVISIBLE" val="False"/>
+  <p:tag name="OTLDATEFORMATAMPMDESIGNATOR" val="AmPmLowerCase"/>
+  <p:tag name="OTLDATEFORMATHOURDIGITS" val="H"/>
+  <p:tag name="OTLDATEFORMATTRIM00MINUTES" val="False"/>
+  <p:tag name="OTLWEEKNUMBERINGFORMAT" val="WNFormat1"/>
+  <p:tag name="OTLWEEKNUMBERINGISVISIBLE" val="False"/>
+  <p:tag name="OTLSTARTDATE" val="2024-03-11T00:00:00.0000000"/>
+  <p:tag name="OTLENDDATE" val="2024-03-30T23:59:00.0000000"/>
+  <p:tag name="OTLDURATIONFORMAT" val="day"/>
+  <p:tag name="OTLSPACING" val="5"/>
+  <p:tag name="OTLSHAPETHICKNESSTYPE" val="Thin"/>
+</p:tagLst>
+</file>
+
+<file path=ppt/tags/tag23.xml><?xml version="1.0" encoding="utf-8"?>
+<p:tagLst xmlns:a="http://schemas.openxmlformats.org/drawingml/2006/main" xmlns:r="http://schemas.openxmlformats.org/officeDocument/2006/relationships" xmlns:p="http://schemas.openxmlformats.org/presentationml/2006/main">
+  <p:tag name="OTLMARKERSHAPE" val="OTL"/>
+  <p:tag name="OTLDATEFORMATSTRING" val="MMM d"/>
+  <p:tag name="OTLDATEFORMATSEPARATOR" val="/"/>
+  <p:tag name="OTLDATEFORMATUSEUS" val="True"/>
+  <p:tag name="OTLDATEFORMATDATEISVISIBLE" val="True"/>
+  <p:tag name="OTLDATEFORMATTIMEISVISIBLE" val="False"/>
+  <p:tag name="OTLDATEFORMATAMPMDESIGNATOR" val="AmPmLowerCase"/>
+  <p:tag name="OTLDATEFORMATHOURDIGITS" val="H"/>
+  <p:tag name="OTLDATEFORMATTRIM00MINUTES" val="False"/>
+  <p:tag name="OTLWEEKNUMBERINGFORMAT" val="WNFormat1"/>
+  <p:tag name="OTLWEEKNUMBERINGISVISIBLE" val="False"/>
+  <p:tag name="OTLSTARTDATE" val="2024-03-30T23:59:00.0000000"/>
+  <p:tag name="OTLENDDATE" val="2024-08-31T23:59:00.0000000"/>
+  <p:tag name="OTLDURATIONFORMAT" val="day"/>
+  <p:tag name="OTLSPACING" val="5"/>
+  <p:tag name="OTLSHAPETHICKNESSTYPE" val="Thin"/>
+</p:tagLst>
+</file>
+
+<file path=ppt/tags/tag24.xml><?xml version="1.0" encoding="utf-8"?>
+<p:tagLst xmlns:a="http://schemas.openxmlformats.org/drawingml/2006/main" xmlns:r="http://schemas.openxmlformats.org/officeDocument/2006/relationships" xmlns:p="http://schemas.openxmlformats.org/presentationml/2006/main">
+  <p:tag name="OTLMARKERSHAPE" val="OTL"/>
+  <p:tag name="OTLDATEFORMATSTRING" val="MMM d"/>
+  <p:tag name="OTLDATEFORMATSEPARATOR" val="/"/>
+  <p:tag name="OTLDATEFORMATUSEUS" val="True"/>
+  <p:tag name="OTLDATEFORMATDATEISVISIBLE" val="True"/>
+  <p:tag name="OTLDATEFORMATTIMEISVISIBLE" val="False"/>
+  <p:tag name="OTLDATEFORMATAMPMDESIGNATOR" val="AmPmLowerCase"/>
+  <p:tag name="OTLDATEFORMATHOURDIGITS" val="H"/>
+  <p:tag name="OTLDATEFORMATTRIM00MINUTES" val="False"/>
+  <p:tag name="OTLWEEKNUMBERINGFORMAT" val="WNFormat1"/>
+  <p:tag name="OTLWEEKNUMBERINGISVISIBLE" val="False"/>
+  <p:tag name="OTLSTARTDATE" val="2024-03-25T00:00:00.0000000"/>
+  <p:tag name="OTLENDDATE" val="2024-04-16T23:59:00.0000000"/>
+  <p:tag name="OTLDURATIONFORMAT" val="day"/>
+  <p:tag name="OTLSPACING" val="5"/>
+  <p:tag name="OTLSHAPETHICKNESSTYPE" val="Thin"/>
+</p:tagLst>
+</file>
+
+<file path=ppt/tags/tag25.xml><?xml version="1.0" encoding="utf-8"?>
+<p:tagLst xmlns:a="http://schemas.openxmlformats.org/drawingml/2006/main" xmlns:r="http://schemas.openxmlformats.org/officeDocument/2006/relationships" xmlns:p="http://schemas.openxmlformats.org/presentationml/2006/main">
+  <p:tag name="OTLMARKERSHAPE" val="OTL"/>
+  <p:tag name="OTLDATEFORMATSTRING" val="MMM d"/>
+  <p:tag name="OTLDATEFORMATSEPARATOR" val="/"/>
+  <p:tag name="OTLDATEFORMATUSEUS" val="True"/>
+  <p:tag name="OTLDATEFORMATDATEISVISIBLE" val="True"/>
+  <p:tag name="OTLDATEFORMATTIMEISVISIBLE" val="False"/>
+  <p:tag name="OTLDATEFORMATAMPMDESIGNATOR" val="AmPmLowerCase"/>
+  <p:tag name="OTLDATEFORMATHOURDIGITS" val="H"/>
+  <p:tag name="OTLDATEFORMATTRIM00MINUTES" val="False"/>
+  <p:tag name="OTLWEEKNUMBERINGFORMAT" val="WNFormat1"/>
+  <p:tag name="OTLWEEKNUMBERINGISVISIBLE" val="False"/>
+  <p:tag name="OTLSTARTDATE" val="2024-04-25T00:00:00.0000000"/>
+  <p:tag name="OTLENDDATE" val="2024-06-20T23:59:00.0000000"/>
+  <p:tag name="OTLDURATIONFORMAT" val="day"/>
+  <p:tag name="OTLSPACING" val="5"/>
+  <p:tag name="OTLSHAPETHICKNESSTYPE" val="Thin"/>
+</p:tagLst>
+</file>
+
+<file path=ppt/tags/tag26.xml><?xml version="1.0" encoding="utf-8"?>
+<p:tagLst xmlns:a="http://schemas.openxmlformats.org/drawingml/2006/main" xmlns:r="http://schemas.openxmlformats.org/officeDocument/2006/relationships" xmlns:p="http://schemas.openxmlformats.org/presentationml/2006/main">
+  <p:tag name="OTLMARKERSHAPE" val="OTL"/>
+  <p:tag name="OTLDATEFORMATSTRING" val="MMM d"/>
+  <p:tag name="OTLDATEFORMATSEPARATOR" val="/"/>
+  <p:tag name="OTLDATEFORMATUSEUS" val="True"/>
+  <p:tag name="OTLDATEFORMATDATEISVISIBLE" val="True"/>
+  <p:tag name="OTLDATEFORMATTIMEISVISIBLE" val="False"/>
+  <p:tag name="OTLDATEFORMATAMPMDESIGNATOR" val="AmPmLowerCase"/>
+  <p:tag name="OTLDATEFORMATHOURDIGITS" val="H"/>
+  <p:tag name="OTLDATEFORMATTRIM00MINUTES" val="False"/>
+  <p:tag name="OTLWEEKNUMBERINGFORMAT" val="WNFormat1"/>
+  <p:tag name="OTLWEEKNUMBERINGISVISIBLE" val="False"/>
+  <p:tag name="OTLSTARTDATE" val="2024-09-01T00:00:00.0000000"/>
+  <p:tag name="OTLENDDATE" val="2024-09-30T23:59:00.0000000"/>
+  <p:tag name="OTLDURATIONFORMAT" val="day"/>
+  <p:tag name="OTLSPACING" val="5"/>
+  <p:tag name="OTLSHAPETHICKNESSTYPE" val="Thin"/>
+</p:tagLst>
+</file>
+
+<file path=ppt/tags/tag27.xml><?xml version="1.0" encoding="utf-8"?>
+<p:tagLst xmlns:a="http://schemas.openxmlformats.org/drawingml/2006/main" xmlns:r="http://schemas.openxmlformats.org/officeDocument/2006/relationships" xmlns:p="http://schemas.openxmlformats.org/presentationml/2006/main">
+  <p:tag name="OTLMARKERSHAPE" val="OTL"/>
+  <p:tag name="OTLDATEFORMATSTRING" val="MMM d"/>
+  <p:tag name="OTLDATEFORMATSEPARATOR" val="/"/>
+  <p:tag name="OTLDATEFORMATUSEUS" val="True"/>
+  <p:tag name="OTLDATEFORMATDATEISVISIBLE" val="True"/>
+  <p:tag name="OTLDATEFORMATTIMEISVISIBLE" val="False"/>
+  <p:tag name="OTLDATEFORMATAMPMDESIGNATOR" val="AmPmLowerCase"/>
+  <p:tag name="OTLDATEFORMATHOURDIGITS" val="H"/>
+  <p:tag name="OTLDATEFORMATTRIM00MINUTES" val="False"/>
+  <p:tag name="OTLWEEKNUMBERINGFORMAT" val="WNFormat1"/>
+  <p:tag name="OTLWEEKNUMBERINGISVISIBLE" val="False"/>
+  <p:tag name="OTLSTARTDATE" val="2024-05-30T00:00:00.0000000"/>
+  <p:tag name="OTLENDDATE" val="2024-09-01T23:59:00.0000000"/>
+  <p:tag name="OTLDURATIONFORMAT" val="day"/>
+  <p:tag name="OTLSPACING" val="5"/>
+  <p:tag name="OTLSHAPETHICKNESSTYPE" val="Thin"/>
+</p:tagLst>
+</file>
+
+<file path=ppt/tags/tag28.xml><?xml version="1.0" encoding="utf-8"?>
+<p:tagLst xmlns:a="http://schemas.openxmlformats.org/drawingml/2006/main" xmlns:r="http://schemas.openxmlformats.org/officeDocument/2006/relationships" xmlns:p="http://schemas.openxmlformats.org/presentationml/2006/main">
+  <p:tag name="OTLMARKERSHAPE" val="OTL"/>
+</p:tagLst>
+</file>
+
+<file path=ppt/tags/tag29.xml><?xml version="1.0" encoding="utf-8"?>
+<p:tagLst xmlns:a="http://schemas.openxmlformats.org/drawingml/2006/main" xmlns:r="http://schemas.openxmlformats.org/officeDocument/2006/relationships" xmlns:p="http://schemas.openxmlformats.org/presentationml/2006/main">
+  <p:tag name="OTLMARKERSHAPE" val="OTL"/>
+</p:tagLst>
+</file>
+
+<file path=ppt/tags/tag3.xml><?xml version="1.0" encoding="utf-8"?>
+<p:tagLst xmlns:a="http://schemas.openxmlformats.org/drawingml/2006/main" xmlns:r="http://schemas.openxmlformats.org/officeDocument/2006/relationships" xmlns:p="http://schemas.openxmlformats.org/presentationml/2006/main">
+  <p:tag name="OTLMARKERSHAPE" val="OTL"/>
+  <p:tag name="OTLELAPSEDSTYLE" val="Thin"/>
+</p:tagLst>
+</file>
+
+<file path=ppt/tags/tag30.xml><?xml version="1.0" encoding="utf-8"?>
+<p:tagLst xmlns:a="http://schemas.openxmlformats.org/drawingml/2006/main" xmlns:r="http://schemas.openxmlformats.org/officeDocument/2006/relationships" xmlns:p="http://schemas.openxmlformats.org/presentationml/2006/main">
+  <p:tag name="OTLMARKERSHAPE" val="OTL"/>
+</p:tagLst>
+</file>
+
+<file path=ppt/tags/tag31.xml><?xml version="1.0" encoding="utf-8"?>
+<p:tagLst xmlns:a="http://schemas.openxmlformats.org/drawingml/2006/main" xmlns:r="http://schemas.openxmlformats.org/officeDocument/2006/relationships" xmlns:p="http://schemas.openxmlformats.org/presentationml/2006/main">
+  <p:tag name="OTLMARKERSHAPE" val="OTL"/>
+</p:tagLst>
+</file>
+
+<file path=ppt/tags/tag32.xml><?xml version="1.0" encoding="utf-8"?>
+<p:tagLst xmlns:a="http://schemas.openxmlformats.org/drawingml/2006/main" xmlns:r="http://schemas.openxmlformats.org/officeDocument/2006/relationships" xmlns:p="http://schemas.openxmlformats.org/presentationml/2006/main">
+  <p:tag name="OTLMARKERSHAPE" val="OTL"/>
+</p:tagLst>
+</file>
+
+<file path=ppt/tags/tag33.xml><?xml version="1.0" encoding="utf-8"?>
+<p:tagLst xmlns:a="http://schemas.openxmlformats.org/drawingml/2006/main" xmlns:r="http://schemas.openxmlformats.org/officeDocument/2006/relationships" xmlns:p="http://schemas.openxmlformats.org/presentationml/2006/main">
+  <p:tag name="OTLMARKERSHAPE" val="OTL"/>
+</p:tagLst>
+</file>
+
+<file path=ppt/tags/tag34.xml><?xml version="1.0" encoding="utf-8"?>
+<p:tagLst xmlns:a="http://schemas.openxmlformats.org/drawingml/2006/main" xmlns:r="http://schemas.openxmlformats.org/officeDocument/2006/relationships" xmlns:p="http://schemas.openxmlformats.org/presentationml/2006/main">
+  <p:tag name="OTLMARKERSHAPE" val="OTL"/>
+</p:tagLst>
+</file>
+
+<file path=ppt/tags/tag35.xml><?xml version="1.0" encoding="utf-8"?>
+<p:tagLst xmlns:a="http://schemas.openxmlformats.org/drawingml/2006/main" xmlns:r="http://schemas.openxmlformats.org/officeDocument/2006/relationships" xmlns:p="http://schemas.openxmlformats.org/presentationml/2006/main">
+  <p:tag name="OTLMARKERSHAPE" val="OTL"/>
+</p:tagLst>
+</file>
+
+<file path=ppt/tags/tag36.xml><?xml version="1.0" encoding="utf-8"?>
+<p:tagLst xmlns:a="http://schemas.openxmlformats.org/drawingml/2006/main" xmlns:r="http://schemas.openxmlformats.org/officeDocument/2006/relationships" xmlns:p="http://schemas.openxmlformats.org/presentationml/2006/main">
+  <p:tag name="OTLMARKERSHAPE" val="OTL"/>
+</p:tagLst>
+</file>
+
+<file path=ppt/tags/tag37.xml><?xml version="1.0" encoding="utf-8"?>
+<p:tagLst xmlns:a="http://schemas.openxmlformats.org/drawingml/2006/main" xmlns:r="http://schemas.openxmlformats.org/officeDocument/2006/relationships" xmlns:p="http://schemas.openxmlformats.org/presentationml/2006/main">
+  <p:tag name="OTLMARKERSHAPE" val="OTL"/>
+</p:tagLst>
+</file>
+
+<file path=ppt/tags/tag38.xml><?xml version="1.0" encoding="utf-8"?>
+<p:tagLst xmlns:a="http://schemas.openxmlformats.org/drawingml/2006/main" xmlns:r="http://schemas.openxmlformats.org/officeDocument/2006/relationships" xmlns:p="http://schemas.openxmlformats.org/presentationml/2006/main">
+  <p:tag name="OTLMARKERSHAPE" val="OTL"/>
+</p:tagLst>
+</file>
+
+<file path=ppt/tags/tag39.xml><?xml version="1.0" encoding="utf-8"?>
+<p:tagLst xmlns:a="http://schemas.openxmlformats.org/drawingml/2006/main" xmlns:r="http://schemas.openxmlformats.org/officeDocument/2006/relationships" xmlns:p="http://schemas.openxmlformats.org/presentationml/2006/main">
+  <p:tag name="OTLMARKERSHAPE" val="OTL"/>
+</p:tagLst>
+</file>
+
+<file path=ppt/tags/tag4.xml><?xml version="1.0" encoding="utf-8"?>
+<p:tagLst xmlns:a="http://schemas.openxmlformats.org/drawingml/2006/main" xmlns:r="http://schemas.openxmlformats.org/officeDocument/2006/relationships" xmlns:p="http://schemas.openxmlformats.org/presentationml/2006/main">
+  <p:tag name="OTLMARKERSHAPE" val="OTL"/>
+  <p:tag name="OTLTODAYPOSITION" val="Auto"/>
+</p:tagLst>
+</file>
+
+<file path=ppt/tags/tag40.xml><?xml version="1.0" encoding="utf-8"?>
+<p:tagLst xmlns:a="http://schemas.openxmlformats.org/drawingml/2006/main" xmlns:r="http://schemas.openxmlformats.org/officeDocument/2006/relationships" xmlns:p="http://schemas.openxmlformats.org/presentationml/2006/main">
+  <p:tag name="OTLMARKERSHAPE" val="OTL"/>
+</p:tagLst>
+</file>
+
+<file path=ppt/tags/tag41.xml><?xml version="1.0" encoding="utf-8"?>
+<p:tagLst xmlns:a="http://schemas.openxmlformats.org/drawingml/2006/main" xmlns:r="http://schemas.openxmlformats.org/officeDocument/2006/relationships" xmlns:p="http://schemas.openxmlformats.org/presentationml/2006/main">
+  <p:tag name="OTLMARKERSHAPE" val="OTL"/>
+</p:tagLst>
+</file>
+
+<file path=ppt/tags/tag5.xml><?xml version="1.0" encoding="utf-8"?>
+<p:tagLst xmlns:a="http://schemas.openxmlformats.org/drawingml/2006/main" xmlns:r="http://schemas.openxmlformats.org/officeDocument/2006/relationships" xmlns:p="http://schemas.openxmlformats.org/presentationml/2006/main">
+  <p:tag name="OTLMARKERSHAPE" val="OTL"/>
+</p:tagLst>
+</file>
+
+<file path=ppt/tags/tag6.xml><?xml version="1.0" encoding="utf-8"?>
+<p:tagLst xmlns:a="http://schemas.openxmlformats.org/drawingml/2006/main" xmlns:r="http://schemas.openxmlformats.org/officeDocument/2006/relationships" xmlns:p="http://schemas.openxmlformats.org/presentationml/2006/main">
+  <p:tag name="OTLMARKERSHAPE" val="OTL"/>
+</p:tagLst>
+</file>
+
+<file path=ppt/tags/tag7.xml><?xml version="1.0" encoding="utf-8"?>
+<p:tagLst xmlns:a="http://schemas.openxmlformats.org/drawingml/2006/main" xmlns:r="http://schemas.openxmlformats.org/officeDocument/2006/relationships" xmlns:p="http://schemas.openxmlformats.org/presentationml/2006/main">
+  <p:tag name="OTLMARKERSHAPE" val="OTL"/>
+</p:tagLst>
+</file>
+
+<file path=ppt/tags/tag8.xml><?xml version="1.0" encoding="utf-8"?>
+<p:tagLst xmlns:a="http://schemas.openxmlformats.org/drawingml/2006/main" xmlns:r="http://schemas.openxmlformats.org/officeDocument/2006/relationships" xmlns:p="http://schemas.openxmlformats.org/presentationml/2006/main">
+  <p:tag name="OTLMARKERSHAPE" val="OTL"/>
+</p:tagLst>
+</file>
+
+<file path=ppt/tags/tag9.xml><?xml version="1.0" encoding="utf-8"?>
+<p:tagLst xmlns:a="http://schemas.openxmlformats.org/drawingml/2006/main" xmlns:r="http://schemas.openxmlformats.org/officeDocument/2006/relationships" xmlns:p="http://schemas.openxmlformats.org/presentationml/2006/main">
+  <p:tag name="OTLMARKERSHAPE" val="OTL"/>
+</p:tagLst>
 </file>
 
 <file path=ppt/theme/theme1.xml><?xml version="1.0" encoding="utf-8"?>
@@ -37964,232 +34643,4 @@
   <a:objectDefaults/>
   <a:extraClrSchemeLst/>
 </a:theme>
-</file>
-
-<file path=ppt/theme/theme4.xml><?xml version="1.0" encoding="utf-8"?>
-<a:theme xmlns:a="http://schemas.openxmlformats.org/drawingml/2006/main" name="Office Theme">
-  <a:themeElements>
-    <a:clrScheme name="Office">
-      <a:dk1>
-        <a:sysClr val="windowText" lastClr="000000"/>
-      </a:dk1>
-      <a:lt1>
-        <a:sysClr val="window" lastClr="FFFFFF"/>
-      </a:lt1>
-      <a:dk2>
-        <a:srgbClr val="44546A"/>
-      </a:dk2>
-      <a:lt2>
-        <a:srgbClr val="E7E6E6"/>
-      </a:lt2>
-      <a:accent1>
-        <a:srgbClr val="003361"/>
-      </a:accent1>
-      <a:accent2>
-        <a:srgbClr val="F39200"/>
-      </a:accent2>
-      <a:accent3>
-        <a:srgbClr val="A5A5A5"/>
-      </a:accent3>
-      <a:accent4>
-        <a:srgbClr val="FFC000"/>
-      </a:accent4>
-      <a:accent5>
-        <a:srgbClr val="5B9BD5"/>
-      </a:accent5>
-      <a:accent6>
-        <a:srgbClr val="70AD47"/>
-      </a:accent6>
-      <a:hlink>
-        <a:srgbClr val="0563C1"/>
-      </a:hlink>
-      <a:folHlink>
-        <a:srgbClr val="954F72"/>
-      </a:folHlink>
-    </a:clrScheme>
-    <a:fontScheme name="Office">
-      <a:majorFont>
-        <a:latin typeface="Arial"/>
-        <a:ea typeface="DejaVu Sans"/>
-        <a:cs typeface="DejaVu Sans"/>
-      </a:majorFont>
-      <a:minorFont>
-        <a:latin typeface="Arial"/>
-        <a:ea typeface="DejaVu Sans"/>
-        <a:cs typeface="DejaVu Sans"/>
-      </a:minorFont>
-    </a:fontScheme>
-    <a:fmtScheme name="Office">
-      <a:fillStyleLst>
-        <a:solidFill>
-          <a:schemeClr val="phClr"/>
-        </a:solidFill>
-        <a:gradFill rotWithShape="1">
-          <a:gsLst>
-            <a:gs pos="0">
-              <a:schemeClr val="phClr">
-                <a:tint val="50000"/>
-                <a:satMod val="300000"/>
-              </a:schemeClr>
-            </a:gs>
-            <a:gs pos="35000">
-              <a:schemeClr val="phClr">
-                <a:tint val="37000"/>
-                <a:satMod val="300000"/>
-              </a:schemeClr>
-            </a:gs>
-            <a:gs pos="100000">
-              <a:schemeClr val="phClr">
-                <a:tint val="15000"/>
-                <a:satMod val="350000"/>
-              </a:schemeClr>
-            </a:gs>
-          </a:gsLst>
-          <a:lin ang="16200000" scaled="1"/>
-        </a:gradFill>
-        <a:gradFill rotWithShape="1">
-          <a:gsLst>
-            <a:gs pos="0">
-              <a:schemeClr val="phClr">
-                <a:shade val="51000"/>
-                <a:satMod val="130000"/>
-              </a:schemeClr>
-            </a:gs>
-            <a:gs pos="80000">
-              <a:schemeClr val="phClr">
-                <a:shade val="93000"/>
-                <a:satMod val="130000"/>
-              </a:schemeClr>
-            </a:gs>
-            <a:gs pos="100000">
-              <a:schemeClr val="phClr">
-                <a:shade val="94000"/>
-                <a:satMod val="135000"/>
-              </a:schemeClr>
-            </a:gs>
-          </a:gsLst>
-          <a:lin ang="16200000" scaled="0"/>
-        </a:gradFill>
-      </a:fillStyleLst>
-      <a:lnStyleLst>
-        <a:ln w="9525" cap="flat" cmpd="sng" algn="ctr">
-          <a:solidFill>
-            <a:schemeClr val="phClr">
-              <a:shade val="95000"/>
-              <a:satMod val="105000"/>
-            </a:schemeClr>
-          </a:solidFill>
-          <a:prstDash val="solid"/>
-          <a:miter/>
-        </a:ln>
-        <a:ln w="25400" cap="flat" cmpd="sng" algn="ctr">
-          <a:solidFill>
-            <a:schemeClr val="phClr"/>
-          </a:solidFill>
-          <a:prstDash val="solid"/>
-          <a:miter/>
-        </a:ln>
-        <a:ln w="38100" cap="flat" cmpd="sng" algn="ctr">
-          <a:solidFill>
-            <a:schemeClr val="phClr"/>
-          </a:solidFill>
-          <a:prstDash val="solid"/>
-          <a:miter/>
-        </a:ln>
-      </a:lnStyleLst>
-      <a:effectStyleLst>
-        <a:effectStyle>
-          <a:effectLst>
-            <a:outerShdw blurRad="40000" dist="20000" dir="5400000" rotWithShape="0">
-              <a:srgbClr val="000000">
-                <a:alpha val="38000"/>
-              </a:srgbClr>
-            </a:outerShdw>
-          </a:effectLst>
-        </a:effectStyle>
-        <a:effectStyle>
-          <a:effectLst>
-            <a:outerShdw blurRad="40000" dist="23000" dir="5400000" rotWithShape="0">
-              <a:srgbClr val="000000">
-                <a:alpha val="35000"/>
-              </a:srgbClr>
-            </a:outerShdw>
-          </a:effectLst>
-        </a:effectStyle>
-        <a:effectStyle>
-          <a:effectLst>
-            <a:outerShdw blurRad="40000" dist="23000" dir="5400000" rotWithShape="0">
-              <a:srgbClr val="000000">
-                <a:alpha val="35000"/>
-              </a:srgbClr>
-            </a:outerShdw>
-          </a:effectLst>
-          <a:scene3d>
-            <a:camera prst="orthographicFront">
-              <a:rot lat="0" lon="0" rev="0"/>
-            </a:camera>
-            <a:lightRig rig="threePt" dir="t">
-              <a:rot lat="0" lon="0" rev="1200000"/>
-            </a:lightRig>
-          </a:scene3d>
-          <a:sp3d>
-            <a:bevelT w="63500" h="25400"/>
-          </a:sp3d>
-        </a:effectStyle>
-      </a:effectStyleLst>
-      <a:bgFillStyleLst>
-        <a:solidFill>
-          <a:schemeClr val="phClr"/>
-        </a:solidFill>
-        <a:gradFill rotWithShape="1">
-          <a:gsLst>
-            <a:gs pos="0">
-              <a:schemeClr val="phClr">
-                <a:tint val="40000"/>
-                <a:satMod val="350000"/>
-              </a:schemeClr>
-            </a:gs>
-            <a:gs pos="40000">
-              <a:schemeClr val="phClr">
-                <a:tint val="45000"/>
-                <a:shade val="99000"/>
-                <a:satMod val="350000"/>
-              </a:schemeClr>
-            </a:gs>
-            <a:gs pos="100000">
-              <a:schemeClr val="phClr">
-                <a:shade val="20000"/>
-                <a:satMod val="255000"/>
-              </a:schemeClr>
-            </a:gs>
-          </a:gsLst>
-          <a:path path="circle">
-            <a:fillToRect l="50000" t="-80000" r="50000" b="180000"/>
-          </a:path>
-        </a:gradFill>
-        <a:gradFill rotWithShape="1">
-          <a:gsLst>
-            <a:gs pos="0">
-              <a:schemeClr val="phClr">
-                <a:tint val="80000"/>
-                <a:satMod val="300000"/>
-              </a:schemeClr>
-            </a:gs>
-            <a:gs pos="100000">
-              <a:schemeClr val="phClr">
-                <a:shade val="30000"/>
-                <a:satMod val="200000"/>
-              </a:schemeClr>
-            </a:gs>
-          </a:gsLst>
-          <a:path path="circle">
-            <a:fillToRect l="50000" t="50000" r="50000" b="50000"/>
-          </a:path>
-        </a:gradFill>
-      </a:bgFillStyleLst>
-    </a:fmtScheme>
-  </a:themeElements>
-  <a:objectDefaults/>
-  <a:extraClrSchemeLst/>
-</a:theme>
 </file>